--- a/Prezentacija.pptx
+++ b/Prezentacija.pptx
@@ -5,22 +5,27 @@
     <p:sldMasterId id="2147483648" r:id="rId1"/>
   </p:sldMasterIdLst>
   <p:notesMasterIdLst>
-    <p:notesMasterId r:id="rId15"/>
+    <p:notesMasterId r:id="rId20"/>
   </p:notesMasterIdLst>
   <p:sldIdLst>
     <p:sldId id="256" r:id="rId2"/>
     <p:sldId id="257" r:id="rId3"/>
     <p:sldId id="258" r:id="rId4"/>
-    <p:sldId id="259" r:id="rId5"/>
-    <p:sldId id="260" r:id="rId6"/>
-    <p:sldId id="261" r:id="rId7"/>
-    <p:sldId id="262" r:id="rId8"/>
-    <p:sldId id="263" r:id="rId9"/>
-    <p:sldId id="264" r:id="rId10"/>
-    <p:sldId id="265" r:id="rId11"/>
-    <p:sldId id="266" r:id="rId12"/>
-    <p:sldId id="267" r:id="rId13"/>
-    <p:sldId id="268" r:id="rId14"/>
+    <p:sldId id="275" r:id="rId5"/>
+    <p:sldId id="269" r:id="rId6"/>
+    <p:sldId id="270" r:id="rId7"/>
+    <p:sldId id="259" r:id="rId8"/>
+    <p:sldId id="260" r:id="rId9"/>
+    <p:sldId id="261" r:id="rId10"/>
+    <p:sldId id="263" r:id="rId11"/>
+    <p:sldId id="265" r:id="rId12"/>
+    <p:sldId id="266" r:id="rId13"/>
+    <p:sldId id="271" r:id="rId14"/>
+    <p:sldId id="273" r:id="rId15"/>
+    <p:sldId id="267" r:id="rId16"/>
+    <p:sldId id="268" r:id="rId17"/>
+    <p:sldId id="272" r:id="rId18"/>
+    <p:sldId id="274" r:id="rId19"/>
   </p:sldIdLst>
   <p:sldSz cx="9144000" cy="6858000" type="screen4x3"/>
   <p:notesSz cx="6858000" cy="9144000"/>
@@ -204,7 +209,8 @@
           <a:p>
             <a:fld id="{7BBF3DA4-D73D-4DA3-9E22-05CEAC8AC71A}" type="datetimeFigureOut">
               <a:rPr lang="sr-Latn-CS" smtClean="0"/>
-              <a:t>30.5.2015</a:t>
+              <a:pPr/>
+              <a:t>31.5.2015</a:t>
             </a:fld>
             <a:endParaRPr lang="bs-Latn-BA"/>
           </a:p>
@@ -365,6 +371,7 @@
           <a:p>
             <a:fld id="{D120CBC8-E7A9-462F-8420-40AF7253C588}" type="slidenum">
               <a:rPr lang="bs-Latn-BA" smtClean="0"/>
+              <a:pPr/>
               <a:t>‹#›</a:t>
             </a:fld>
             <a:endParaRPr lang="bs-Latn-BA"/>
@@ -536,6 +543,7 @@
           <a:p>
             <a:fld id="{D120CBC8-E7A9-462F-8420-40AF7253C588}" type="slidenum">
               <a:rPr lang="bs-Latn-BA" smtClean="0"/>
+              <a:pPr/>
               <a:t>2</a:t>
             </a:fld>
             <a:endParaRPr lang="bs-Latn-BA"/>
@@ -617,7 +625,266 @@
           <a:p>
             <a:fld id="{D120CBC8-E7A9-462F-8420-40AF7253C588}" type="slidenum">
               <a:rPr lang="bs-Latn-BA" smtClean="0"/>
+              <a:pPr/>
               <a:t>3</a:t>
+            </a:fld>
+            <a:endParaRPr lang="bs-Latn-BA"/>
+          </a:p>
+        </p:txBody>
+      </p:sp>
+    </p:spTree>
+  </p:cSld>
+  <p:clrMapOvr>
+    <a:masterClrMapping/>
+  </p:clrMapOvr>
+</p:notes>
+</file>
+
+<file path=ppt/notesSlides/notesSlide3.xml><?xml version="1.0" encoding="utf-8"?>
+<p:notes xmlns:a="http://schemas.openxmlformats.org/drawingml/2006/main" xmlns:r="http://schemas.openxmlformats.org/officeDocument/2006/relationships" xmlns:p="http://schemas.openxmlformats.org/presentationml/2006/main">
+  <p:cSld>
+    <p:spTree>
+      <p:nvGrpSpPr>
+        <p:cNvPr id="1" name=""/>
+        <p:cNvGrpSpPr/>
+        <p:nvPr/>
+      </p:nvGrpSpPr>
+      <p:grpSpPr>
+        <a:xfrm>
+          <a:off x="0" y="0"/>
+          <a:ext cx="0" cy="0"/>
+          <a:chOff x="0" y="0"/>
+          <a:chExt cx="0" cy="0"/>
+        </a:xfrm>
+      </p:grpSpPr>
+      <p:sp>
+        <p:nvSpPr>
+          <p:cNvPr id="2" name="Slide Image Placeholder 1"/>
+          <p:cNvSpPr>
+            <a:spLocks noGrp="1" noRot="1" noChangeAspect="1"/>
+          </p:cNvSpPr>
+          <p:nvPr>
+            <p:ph type="sldImg"/>
+          </p:nvPr>
+        </p:nvSpPr>
+        <p:spPr/>
+      </p:sp>
+      <p:sp>
+        <p:nvSpPr>
+          <p:cNvPr id="3" name="Notes Placeholder 2"/>
+          <p:cNvSpPr>
+            <a:spLocks noGrp="1"/>
+          </p:cNvSpPr>
+          <p:nvPr>
+            <p:ph type="body" idx="1"/>
+          </p:nvPr>
+        </p:nvSpPr>
+        <p:spPr/>
+        <p:txBody>
+          <a:bodyPr>
+            <a:normAutofit/>
+          </a:bodyPr>
+          <a:lstStyle/>
+          <a:p>
+            <a:r>
+              <a:rPr lang="en-US" dirty="0" smtClean="0"/>
+              <a:t>sale</a:t>
+            </a:r>
+            <a:endParaRPr lang="bs-Latn-BA" dirty="0"/>
+          </a:p>
+        </p:txBody>
+      </p:sp>
+      <p:sp>
+        <p:nvSpPr>
+          <p:cNvPr id="4" name="Slide Number Placeholder 3"/>
+          <p:cNvSpPr>
+            <a:spLocks noGrp="1"/>
+          </p:cNvSpPr>
+          <p:nvPr>
+            <p:ph type="sldNum" sz="quarter" idx="10"/>
+          </p:nvPr>
+        </p:nvSpPr>
+        <p:spPr/>
+        <p:txBody>
+          <a:bodyPr/>
+          <a:lstStyle/>
+          <a:p>
+            <a:fld id="{D120CBC8-E7A9-462F-8420-40AF7253C588}" type="slidenum">
+              <a:rPr lang="bs-Latn-BA" smtClean="0"/>
+              <a:pPr/>
+              <a:t>6</a:t>
+            </a:fld>
+            <a:endParaRPr lang="bs-Latn-BA"/>
+          </a:p>
+        </p:txBody>
+      </p:sp>
+    </p:spTree>
+  </p:cSld>
+  <p:clrMapOvr>
+    <a:masterClrMapping/>
+  </p:clrMapOvr>
+</p:notes>
+</file>
+
+<file path=ppt/notesSlides/notesSlide4.xml><?xml version="1.0" encoding="utf-8"?>
+<p:notes xmlns:a="http://schemas.openxmlformats.org/drawingml/2006/main" xmlns:r="http://schemas.openxmlformats.org/officeDocument/2006/relationships" xmlns:p="http://schemas.openxmlformats.org/presentationml/2006/main">
+  <p:cSld>
+    <p:spTree>
+      <p:nvGrpSpPr>
+        <p:cNvPr id="1" name=""/>
+        <p:cNvGrpSpPr/>
+        <p:nvPr/>
+      </p:nvGrpSpPr>
+      <p:grpSpPr>
+        <a:xfrm>
+          <a:off x="0" y="0"/>
+          <a:ext cx="0" cy="0"/>
+          <a:chOff x="0" y="0"/>
+          <a:chExt cx="0" cy="0"/>
+        </a:xfrm>
+      </p:grpSpPr>
+      <p:sp>
+        <p:nvSpPr>
+          <p:cNvPr id="2" name="Slide Image Placeholder 1"/>
+          <p:cNvSpPr>
+            <a:spLocks noGrp="1" noRot="1" noChangeAspect="1"/>
+          </p:cNvSpPr>
+          <p:nvPr>
+            <p:ph type="sldImg"/>
+          </p:nvPr>
+        </p:nvSpPr>
+        <p:spPr/>
+      </p:sp>
+      <p:sp>
+        <p:nvSpPr>
+          <p:cNvPr id="3" name="Notes Placeholder 2"/>
+          <p:cNvSpPr>
+            <a:spLocks noGrp="1"/>
+          </p:cNvSpPr>
+          <p:nvPr>
+            <p:ph type="body" idx="1"/>
+          </p:nvPr>
+        </p:nvSpPr>
+        <p:spPr/>
+        <p:txBody>
+          <a:bodyPr>
+            <a:normAutofit/>
+          </a:bodyPr>
+          <a:lstStyle/>
+          <a:p>
+            <a:r>
+              <a:rPr lang="en-US" dirty="0" smtClean="0"/>
+              <a:t>sale</a:t>
+            </a:r>
+            <a:endParaRPr lang="bs-Latn-BA" dirty="0"/>
+          </a:p>
+        </p:txBody>
+      </p:sp>
+      <p:sp>
+        <p:nvSpPr>
+          <p:cNvPr id="4" name="Slide Number Placeholder 3"/>
+          <p:cNvSpPr>
+            <a:spLocks noGrp="1"/>
+          </p:cNvSpPr>
+          <p:nvPr>
+            <p:ph type="sldNum" sz="quarter" idx="10"/>
+          </p:nvPr>
+        </p:nvSpPr>
+        <p:spPr/>
+        <p:txBody>
+          <a:bodyPr/>
+          <a:lstStyle/>
+          <a:p>
+            <a:fld id="{D120CBC8-E7A9-462F-8420-40AF7253C588}" type="slidenum">
+              <a:rPr lang="bs-Latn-BA" smtClean="0"/>
+              <a:pPr/>
+              <a:t>10</a:t>
+            </a:fld>
+            <a:endParaRPr lang="bs-Latn-BA"/>
+          </a:p>
+        </p:txBody>
+      </p:sp>
+    </p:spTree>
+  </p:cSld>
+  <p:clrMapOvr>
+    <a:masterClrMapping/>
+  </p:clrMapOvr>
+</p:notes>
+</file>
+
+<file path=ppt/notesSlides/notesSlide5.xml><?xml version="1.0" encoding="utf-8"?>
+<p:notes xmlns:a="http://schemas.openxmlformats.org/drawingml/2006/main" xmlns:r="http://schemas.openxmlformats.org/officeDocument/2006/relationships" xmlns:p="http://schemas.openxmlformats.org/presentationml/2006/main">
+  <p:cSld>
+    <p:spTree>
+      <p:nvGrpSpPr>
+        <p:cNvPr id="1" name=""/>
+        <p:cNvGrpSpPr/>
+        <p:nvPr/>
+      </p:nvGrpSpPr>
+      <p:grpSpPr>
+        <a:xfrm>
+          <a:off x="0" y="0"/>
+          <a:ext cx="0" cy="0"/>
+          <a:chOff x="0" y="0"/>
+          <a:chExt cx="0" cy="0"/>
+        </a:xfrm>
+      </p:grpSpPr>
+      <p:sp>
+        <p:nvSpPr>
+          <p:cNvPr id="2" name="Slide Image Placeholder 1"/>
+          <p:cNvSpPr>
+            <a:spLocks noGrp="1" noRot="1" noChangeAspect="1"/>
+          </p:cNvSpPr>
+          <p:nvPr>
+            <p:ph type="sldImg"/>
+          </p:nvPr>
+        </p:nvSpPr>
+        <p:spPr/>
+      </p:sp>
+      <p:sp>
+        <p:nvSpPr>
+          <p:cNvPr id="3" name="Notes Placeholder 2"/>
+          <p:cNvSpPr>
+            <a:spLocks noGrp="1"/>
+          </p:cNvSpPr>
+          <p:nvPr>
+            <p:ph type="body" idx="1"/>
+          </p:nvPr>
+        </p:nvSpPr>
+        <p:spPr/>
+        <p:txBody>
+          <a:bodyPr>
+            <a:normAutofit/>
+          </a:bodyPr>
+          <a:lstStyle/>
+          <a:p>
+            <a:r>
+              <a:rPr lang="en-US" dirty="0" smtClean="0"/>
+              <a:t>sale</a:t>
+            </a:r>
+            <a:endParaRPr lang="bs-Latn-BA" dirty="0"/>
+          </a:p>
+        </p:txBody>
+      </p:sp>
+      <p:sp>
+        <p:nvSpPr>
+          <p:cNvPr id="4" name="Slide Number Placeholder 3"/>
+          <p:cNvSpPr>
+            <a:spLocks noGrp="1"/>
+          </p:cNvSpPr>
+          <p:nvPr>
+            <p:ph type="sldNum" sz="quarter" idx="10"/>
+          </p:nvPr>
+        </p:nvSpPr>
+        <p:spPr/>
+        <p:txBody>
+          <a:bodyPr/>
+          <a:lstStyle/>
+          <a:p>
+            <a:fld id="{D120CBC8-E7A9-462F-8420-40AF7253C588}" type="slidenum">
+              <a:rPr lang="bs-Latn-BA" smtClean="0"/>
+              <a:pPr/>
+              <a:t>16</a:t>
             </a:fld>
             <a:endParaRPr lang="bs-Latn-BA"/>
           </a:p>
@@ -812,7 +1079,8 @@
           <a:p>
             <a:fld id="{28E5A0B3-8C89-40F3-9801-7AA9FBF88B16}" type="datetimeFigureOut">
               <a:rPr lang="sr-Latn-CS" smtClean="0"/>
-              <a:t>30.5.2015</a:t>
+              <a:pPr/>
+              <a:t>31.5.2015</a:t>
             </a:fld>
             <a:endParaRPr lang="bs-Latn-BA"/>
           </a:p>
@@ -854,6 +1122,7 @@
           <a:p>
             <a:fld id="{A936C711-F9B8-40C1-8126-F36E0127E629}" type="slidenum">
               <a:rPr lang="bs-Latn-BA" smtClean="0"/>
+              <a:pPr/>
               <a:t>‹#›</a:t>
             </a:fld>
             <a:endParaRPr lang="bs-Latn-BA"/>
@@ -977,7 +1246,8 @@
           <a:p>
             <a:fld id="{28E5A0B3-8C89-40F3-9801-7AA9FBF88B16}" type="datetimeFigureOut">
               <a:rPr lang="sr-Latn-CS" smtClean="0"/>
-              <a:t>30.5.2015</a:t>
+              <a:pPr/>
+              <a:t>31.5.2015</a:t>
             </a:fld>
             <a:endParaRPr lang="bs-Latn-BA"/>
           </a:p>
@@ -1019,6 +1289,7 @@
           <a:p>
             <a:fld id="{A936C711-F9B8-40C1-8126-F36E0127E629}" type="slidenum">
               <a:rPr lang="bs-Latn-BA" smtClean="0"/>
+              <a:pPr/>
               <a:t>‹#›</a:t>
             </a:fld>
             <a:endParaRPr lang="bs-Latn-BA"/>
@@ -1152,7 +1423,8 @@
           <a:p>
             <a:fld id="{28E5A0B3-8C89-40F3-9801-7AA9FBF88B16}" type="datetimeFigureOut">
               <a:rPr lang="sr-Latn-CS" smtClean="0"/>
-              <a:t>30.5.2015</a:t>
+              <a:pPr/>
+              <a:t>31.5.2015</a:t>
             </a:fld>
             <a:endParaRPr lang="bs-Latn-BA"/>
           </a:p>
@@ -1194,6 +1466,7 @@
           <a:p>
             <a:fld id="{A936C711-F9B8-40C1-8126-F36E0127E629}" type="slidenum">
               <a:rPr lang="bs-Latn-BA" smtClean="0"/>
+              <a:pPr/>
               <a:t>‹#›</a:t>
             </a:fld>
             <a:endParaRPr lang="bs-Latn-BA"/>
@@ -1317,7 +1590,8 @@
           <a:p>
             <a:fld id="{28E5A0B3-8C89-40F3-9801-7AA9FBF88B16}" type="datetimeFigureOut">
               <a:rPr lang="sr-Latn-CS" smtClean="0"/>
-              <a:t>30.5.2015</a:t>
+              <a:pPr/>
+              <a:t>31.5.2015</a:t>
             </a:fld>
             <a:endParaRPr lang="bs-Latn-BA"/>
           </a:p>
@@ -1359,6 +1633,7 @@
           <a:p>
             <a:fld id="{A936C711-F9B8-40C1-8126-F36E0127E629}" type="slidenum">
               <a:rPr lang="bs-Latn-BA" smtClean="0"/>
+              <a:pPr/>
               <a:t>‹#›</a:t>
             </a:fld>
             <a:endParaRPr lang="bs-Latn-BA"/>
@@ -1558,7 +1833,8 @@
           <a:p>
             <a:fld id="{28E5A0B3-8C89-40F3-9801-7AA9FBF88B16}" type="datetimeFigureOut">
               <a:rPr lang="sr-Latn-CS" smtClean="0"/>
-              <a:t>30.5.2015</a:t>
+              <a:pPr/>
+              <a:t>31.5.2015</a:t>
             </a:fld>
             <a:endParaRPr lang="bs-Latn-BA"/>
           </a:p>
@@ -1600,6 +1876,7 @@
           <a:p>
             <a:fld id="{A936C711-F9B8-40C1-8126-F36E0127E629}" type="slidenum">
               <a:rPr lang="bs-Latn-BA" smtClean="0"/>
+              <a:pPr/>
               <a:t>‹#›</a:t>
             </a:fld>
             <a:endParaRPr lang="bs-Latn-BA"/>
@@ -1841,7 +2118,8 @@
           <a:p>
             <a:fld id="{28E5A0B3-8C89-40F3-9801-7AA9FBF88B16}" type="datetimeFigureOut">
               <a:rPr lang="sr-Latn-CS" smtClean="0"/>
-              <a:t>30.5.2015</a:t>
+              <a:pPr/>
+              <a:t>31.5.2015</a:t>
             </a:fld>
             <a:endParaRPr lang="bs-Latn-BA"/>
           </a:p>
@@ -1883,6 +2161,7 @@
           <a:p>
             <a:fld id="{A936C711-F9B8-40C1-8126-F36E0127E629}" type="slidenum">
               <a:rPr lang="bs-Latn-BA" smtClean="0"/>
+              <a:pPr/>
               <a:t>‹#›</a:t>
             </a:fld>
             <a:endParaRPr lang="bs-Latn-BA"/>
@@ -2258,7 +2537,8 @@
           <a:p>
             <a:fld id="{28E5A0B3-8C89-40F3-9801-7AA9FBF88B16}" type="datetimeFigureOut">
               <a:rPr lang="sr-Latn-CS" smtClean="0"/>
-              <a:t>30.5.2015</a:t>
+              <a:pPr/>
+              <a:t>31.5.2015</a:t>
             </a:fld>
             <a:endParaRPr lang="bs-Latn-BA"/>
           </a:p>
@@ -2300,6 +2580,7 @@
           <a:p>
             <a:fld id="{A936C711-F9B8-40C1-8126-F36E0127E629}" type="slidenum">
               <a:rPr lang="bs-Latn-BA" smtClean="0"/>
+              <a:pPr/>
               <a:t>‹#›</a:t>
             </a:fld>
             <a:endParaRPr lang="bs-Latn-BA"/>
@@ -2371,7 +2652,8 @@
           <a:p>
             <a:fld id="{28E5A0B3-8C89-40F3-9801-7AA9FBF88B16}" type="datetimeFigureOut">
               <a:rPr lang="sr-Latn-CS" smtClean="0"/>
-              <a:t>30.5.2015</a:t>
+              <a:pPr/>
+              <a:t>31.5.2015</a:t>
             </a:fld>
             <a:endParaRPr lang="bs-Latn-BA"/>
           </a:p>
@@ -2413,6 +2695,7 @@
           <a:p>
             <a:fld id="{A936C711-F9B8-40C1-8126-F36E0127E629}" type="slidenum">
               <a:rPr lang="bs-Latn-BA" smtClean="0"/>
+              <a:pPr/>
               <a:t>‹#›</a:t>
             </a:fld>
             <a:endParaRPr lang="bs-Latn-BA"/>
@@ -2461,7 +2744,8 @@
           <a:p>
             <a:fld id="{28E5A0B3-8C89-40F3-9801-7AA9FBF88B16}" type="datetimeFigureOut">
               <a:rPr lang="sr-Latn-CS" smtClean="0"/>
-              <a:t>30.5.2015</a:t>
+              <a:pPr/>
+              <a:t>31.5.2015</a:t>
             </a:fld>
             <a:endParaRPr lang="bs-Latn-BA"/>
           </a:p>
@@ -2503,6 +2787,7 @@
           <a:p>
             <a:fld id="{A936C711-F9B8-40C1-8126-F36E0127E629}" type="slidenum">
               <a:rPr lang="bs-Latn-BA" smtClean="0"/>
+              <a:pPr/>
               <a:t>‹#›</a:t>
             </a:fld>
             <a:endParaRPr lang="bs-Latn-BA"/>
@@ -2733,7 +3018,8 @@
           <a:p>
             <a:fld id="{28E5A0B3-8C89-40F3-9801-7AA9FBF88B16}" type="datetimeFigureOut">
               <a:rPr lang="sr-Latn-CS" smtClean="0"/>
-              <a:t>30.5.2015</a:t>
+              <a:pPr/>
+              <a:t>31.5.2015</a:t>
             </a:fld>
             <a:endParaRPr lang="bs-Latn-BA"/>
           </a:p>
@@ -2775,6 +3061,7 @@
           <a:p>
             <a:fld id="{A936C711-F9B8-40C1-8126-F36E0127E629}" type="slidenum">
               <a:rPr lang="bs-Latn-BA" smtClean="0"/>
+              <a:pPr/>
               <a:t>‹#›</a:t>
             </a:fld>
             <a:endParaRPr lang="bs-Latn-BA"/>
@@ -2981,7 +3268,8 @@
           <a:p>
             <a:fld id="{28E5A0B3-8C89-40F3-9801-7AA9FBF88B16}" type="datetimeFigureOut">
               <a:rPr lang="sr-Latn-CS" smtClean="0"/>
-              <a:t>30.5.2015</a:t>
+              <a:pPr/>
+              <a:t>31.5.2015</a:t>
             </a:fld>
             <a:endParaRPr lang="bs-Latn-BA"/>
           </a:p>
@@ -3023,6 +3311,7 @@
           <a:p>
             <a:fld id="{A936C711-F9B8-40C1-8126-F36E0127E629}" type="slidenum">
               <a:rPr lang="bs-Latn-BA" smtClean="0"/>
+              <a:pPr/>
               <a:t>‹#›</a:t>
             </a:fld>
             <a:endParaRPr lang="bs-Latn-BA"/>
@@ -3198,7 +3487,8 @@
           <a:p>
             <a:fld id="{28E5A0B3-8C89-40F3-9801-7AA9FBF88B16}" type="datetimeFigureOut">
               <a:rPr lang="sr-Latn-CS" smtClean="0"/>
-              <a:t>30.5.2015</a:t>
+              <a:pPr/>
+              <a:t>31.5.2015</a:t>
             </a:fld>
             <a:endParaRPr lang="bs-Latn-BA"/>
           </a:p>
@@ -3276,6 +3566,7 @@
           <a:p>
             <a:fld id="{A936C711-F9B8-40C1-8126-F36E0127E629}" type="slidenum">
               <a:rPr lang="bs-Latn-BA" smtClean="0"/>
+              <a:pPr/>
               <a:t>‹#›</a:t>
             </a:fld>
             <a:endParaRPr lang="bs-Latn-BA"/>
@@ -3652,13 +3943,18 @@
               <a:t>: 	</a:t>
             </a:r>
             <a:r>
-              <a:rPr lang="en-US" b="1" dirty="0" smtClean="0">
+              <a:rPr lang="en-US" b="1" dirty="0" err="1" smtClean="0">
                 <a:solidFill>
                   <a:schemeClr val="tx1"/>
                 </a:solidFill>
               </a:rPr>
-              <a:t>HeritageDEV</a:t>
-            </a:r>
+              <a:t>HeritageDev</a:t>
+            </a:r>
+            <a:endParaRPr lang="en-US" b="1" dirty="0" smtClean="0">
+              <a:solidFill>
+                <a:schemeClr val="tx1"/>
+              </a:solidFill>
+            </a:endParaRPr>
           </a:p>
           <a:p>
             <a:pPr algn="l"/>
@@ -3827,1512 +4123,6 @@
           <a:chExt cx="0" cy="0"/>
         </a:xfrm>
       </p:grpSpPr>
-      <p:sp>
-        <p:nvSpPr>
-          <p:cNvPr id="2" name="Title 1"/>
-          <p:cNvSpPr>
-            <a:spLocks noGrp="1"/>
-          </p:cNvSpPr>
-          <p:nvPr>
-            <p:ph type="title"/>
-          </p:nvPr>
-        </p:nvSpPr>
-        <p:spPr>
-          <a:xfrm>
-            <a:off x="457200" y="274638"/>
-            <a:ext cx="8229600" cy="1020762"/>
-          </a:xfrm>
-        </p:spPr>
-        <p:txBody>
-          <a:bodyPr/>
-          <a:lstStyle/>
-          <a:p>
-            <a:r>
-              <a:rPr lang="en-GB" dirty="0" err="1" smtClean="0"/>
-              <a:t>Vanjski</a:t>
-            </a:r>
-            <a:r>
-              <a:rPr lang="en-GB" dirty="0" smtClean="0"/>
-              <a:t> </a:t>
-            </a:r>
-            <a:r>
-              <a:rPr lang="en-GB" dirty="0" err="1" smtClean="0"/>
-              <a:t>ure</a:t>
-            </a:r>
-            <a:r>
-              <a:rPr lang="bs-Latn-BA" dirty="0" smtClean="0"/>
-              <a:t>đ</a:t>
-            </a:r>
-            <a:r>
-              <a:rPr lang="en-GB" dirty="0" err="1" smtClean="0"/>
-              <a:t>aji</a:t>
-            </a:r>
-            <a:endParaRPr lang="bs-Latn-BA" dirty="0"/>
-          </a:p>
-        </p:txBody>
-      </p:sp>
-      <p:sp>
-        <p:nvSpPr>
-          <p:cNvPr id="3" name="Content Placeholder 2"/>
-          <p:cNvSpPr>
-            <a:spLocks noGrp="1"/>
-          </p:cNvSpPr>
-          <p:nvPr>
-            <p:ph idx="1"/>
-          </p:nvPr>
-        </p:nvSpPr>
-        <p:spPr/>
-        <p:txBody>
-          <a:bodyPr/>
-          <a:lstStyle/>
-          <a:p>
-            <a:r>
-              <a:rPr lang="bs-Latn-BA" dirty="0" smtClean="0"/>
-              <a:t>Printer</a:t>
-            </a:r>
-          </a:p>
-          <a:p>
-            <a:endParaRPr lang="bs-Latn-BA" dirty="0"/>
-          </a:p>
-        </p:txBody>
-      </p:sp>
-      <p:pic>
-        <p:nvPicPr>
-          <p:cNvPr id="25602" name="Picture 2" descr="C:\Users\Salem\Desktop\focus1690_01_large-600x600.png"/>
-          <p:cNvPicPr>
-            <a:picLocks noChangeAspect="1" noChangeArrowheads="1"/>
-          </p:cNvPicPr>
-          <p:nvPr/>
-        </p:nvPicPr>
-        <p:blipFill>
-          <a:blip r:embed="rId2"/>
-          <a:srcRect/>
-          <a:stretch>
-            <a:fillRect/>
-          </a:stretch>
-        </p:blipFill>
-        <p:spPr bwMode="auto">
-          <a:xfrm>
-            <a:off x="2133600" y="2362200"/>
-            <a:ext cx="4802312" cy="3606800"/>
-          </a:xfrm>
-          <a:prstGeom prst="rect">
-            <a:avLst/>
-          </a:prstGeom>
-          <a:noFill/>
-        </p:spPr>
-      </p:pic>
-    </p:spTree>
-  </p:cSld>
-  <p:clrMapOvr>
-    <a:masterClrMapping/>
-  </p:clrMapOvr>
-  <p:timing>
-    <p:tnLst>
-      <p:par>
-        <p:cTn id="1" dur="indefinite" restart="never" nodeType="tmRoot"/>
-      </p:par>
-    </p:tnLst>
-  </p:timing>
-</p:sld>
-</file>
-
-<file path=ppt/slides/slide11.xml><?xml version="1.0" encoding="utf-8"?>
-<p:sld xmlns:a="http://schemas.openxmlformats.org/drawingml/2006/main" xmlns:r="http://schemas.openxmlformats.org/officeDocument/2006/relationships" xmlns:p="http://schemas.openxmlformats.org/presentationml/2006/main">
-  <p:cSld>
-    <p:spTree>
-      <p:nvGrpSpPr>
-        <p:cNvPr id="1" name=""/>
-        <p:cNvGrpSpPr/>
-        <p:nvPr/>
-      </p:nvGrpSpPr>
-      <p:grpSpPr>
-        <a:xfrm>
-          <a:off x="0" y="0"/>
-          <a:ext cx="0" cy="0"/>
-          <a:chOff x="0" y="0"/>
-          <a:chExt cx="0" cy="0"/>
-        </a:xfrm>
-      </p:grpSpPr>
-      <p:sp>
-        <p:nvSpPr>
-          <p:cNvPr id="2" name="Title 1"/>
-          <p:cNvSpPr>
-            <a:spLocks noGrp="1"/>
-          </p:cNvSpPr>
-          <p:nvPr>
-            <p:ph type="title"/>
-          </p:nvPr>
-        </p:nvSpPr>
-        <p:spPr>
-          <a:xfrm>
-            <a:off x="457200" y="274638"/>
-            <a:ext cx="8229600" cy="1020762"/>
-          </a:xfrm>
-        </p:spPr>
-        <p:txBody>
-          <a:bodyPr/>
-          <a:lstStyle/>
-          <a:p>
-            <a:r>
-              <a:rPr lang="bs-Latn-BA" dirty="0" smtClean="0"/>
-              <a:t>Pristup bazi</a:t>
-            </a:r>
-            <a:endParaRPr lang="bs-Latn-BA" dirty="0"/>
-          </a:p>
-        </p:txBody>
-      </p:sp>
-      <p:sp>
-        <p:nvSpPr>
-          <p:cNvPr id="3" name="Content Placeholder 2"/>
-          <p:cNvSpPr>
-            <a:spLocks noGrp="1"/>
-          </p:cNvSpPr>
-          <p:nvPr>
-            <p:ph idx="1"/>
-          </p:nvPr>
-        </p:nvSpPr>
-        <p:spPr/>
-        <p:txBody>
-          <a:bodyPr/>
-          <a:lstStyle/>
-          <a:p>
-            <a:r>
-              <a:rPr lang="bs-Latn-BA" dirty="0" smtClean="0"/>
-              <a:t>Bla bla</a:t>
-            </a:r>
-            <a:endParaRPr lang="bs-Latn-BA" dirty="0"/>
-          </a:p>
-        </p:txBody>
-      </p:sp>
-    </p:spTree>
-  </p:cSld>
-  <p:clrMapOvr>
-    <a:masterClrMapping/>
-  </p:clrMapOvr>
-  <p:timing>
-    <p:tnLst>
-      <p:par>
-        <p:cTn id="1" dur="indefinite" restart="never" nodeType="tmRoot"/>
-      </p:par>
-    </p:tnLst>
-  </p:timing>
-</p:sld>
-</file>
-
-<file path=ppt/slides/slide12.xml><?xml version="1.0" encoding="utf-8"?>
-<p:sld xmlns:a="http://schemas.openxmlformats.org/drawingml/2006/main" xmlns:r="http://schemas.openxmlformats.org/officeDocument/2006/relationships" xmlns:p="http://schemas.openxmlformats.org/presentationml/2006/main">
-  <p:cSld>
-    <p:spTree>
-      <p:nvGrpSpPr>
-        <p:cNvPr id="1" name=""/>
-        <p:cNvGrpSpPr/>
-        <p:nvPr/>
-      </p:nvGrpSpPr>
-      <p:grpSpPr>
-        <a:xfrm>
-          <a:off x="0" y="0"/>
-          <a:ext cx="0" cy="0"/>
-          <a:chOff x="0" y="0"/>
-          <a:chExt cx="0" cy="0"/>
-        </a:xfrm>
-      </p:grpSpPr>
-      <p:sp>
-        <p:nvSpPr>
-          <p:cNvPr id="2" name="Title 1"/>
-          <p:cNvSpPr>
-            <a:spLocks noGrp="1"/>
-          </p:cNvSpPr>
-          <p:nvPr>
-            <p:ph type="title"/>
-          </p:nvPr>
-        </p:nvSpPr>
-        <p:spPr>
-          <a:xfrm>
-            <a:off x="457200" y="274638"/>
-            <a:ext cx="8229600" cy="1020762"/>
-          </a:xfrm>
-        </p:spPr>
-        <p:txBody>
-          <a:bodyPr/>
-          <a:lstStyle/>
-          <a:p>
-            <a:r>
-              <a:rPr lang="bs-Latn-BA" dirty="0" smtClean="0"/>
-              <a:t>Igra - potapanje brodova</a:t>
-            </a:r>
-            <a:endParaRPr lang="bs-Latn-BA" dirty="0"/>
-          </a:p>
-        </p:txBody>
-      </p:sp>
-      <p:sp>
-        <p:nvSpPr>
-          <p:cNvPr id="3" name="Content Placeholder 2"/>
-          <p:cNvSpPr>
-            <a:spLocks noGrp="1"/>
-          </p:cNvSpPr>
-          <p:nvPr>
-            <p:ph idx="1"/>
-          </p:nvPr>
-        </p:nvSpPr>
-        <p:spPr/>
-        <p:txBody>
-          <a:bodyPr>
-            <a:normAutofit fontScale="92500" lnSpcReduction="20000"/>
-          </a:bodyPr>
-          <a:lstStyle/>
-          <a:p>
-            <a:pPr algn="just"/>
-            <a:r>
-              <a:rPr lang="bs-Latn-BA" dirty="0"/>
-              <a:t>Igrač na početku igre treba da rasporedi svoje brodove na mapu polja 10x10. </a:t>
-            </a:r>
-            <a:endParaRPr lang="bs-Latn-BA" dirty="0" smtClean="0"/>
-          </a:p>
-          <a:p>
-            <a:pPr algn="just"/>
-            <a:r>
-              <a:rPr lang="bs-Latn-BA" dirty="0" smtClean="0"/>
-              <a:t>Igrač </a:t>
-            </a:r>
-            <a:r>
-              <a:rPr lang="bs-Latn-BA" dirty="0"/>
-              <a:t>posjeduje 5 brodova i to: </a:t>
-            </a:r>
-          </a:p>
-          <a:p>
-            <a:pPr lvl="1" algn="just"/>
-            <a:r>
-              <a:rPr lang="bs-Latn-BA" dirty="0"/>
-              <a:t>1 brod veličine 5x1 (nosač aviona)</a:t>
-            </a:r>
-          </a:p>
-          <a:p>
-            <a:pPr lvl="1" algn="just"/>
-            <a:r>
-              <a:rPr lang="bs-Latn-BA" dirty="0"/>
-              <a:t>2 broda veličine 4x1 (razarač)</a:t>
-            </a:r>
-          </a:p>
-          <a:p>
-            <a:pPr lvl="1" algn="just"/>
-            <a:r>
-              <a:rPr lang="bs-Latn-BA" dirty="0"/>
-              <a:t>1 brod veličine 3x1 (podmornica)</a:t>
-            </a:r>
-          </a:p>
-          <a:p>
-            <a:pPr lvl="1" algn="just"/>
-            <a:r>
-              <a:rPr lang="bs-Latn-BA" dirty="0"/>
-              <a:t>1 brod </a:t>
-            </a:r>
-            <a:r>
-              <a:rPr lang="bs-Latn-BA" dirty="0" smtClean="0"/>
-              <a:t>veličine </a:t>
-            </a:r>
-            <a:r>
-              <a:rPr lang="bs-Latn-BA" dirty="0"/>
-              <a:t>2x1 (korveta</a:t>
-            </a:r>
-            <a:r>
-              <a:rPr lang="bs-Latn-BA" dirty="0" smtClean="0"/>
-              <a:t>)</a:t>
-            </a:r>
-          </a:p>
-          <a:p>
-            <a:pPr algn="just"/>
-            <a:r>
-              <a:rPr lang="bs-Latn-BA" dirty="0"/>
-              <a:t>Cilj igre je da se topovima vlastitih brodova potope brodovi protivnika. </a:t>
-            </a:r>
-          </a:p>
-          <a:p>
-            <a:pPr algn="just"/>
-            <a:r>
-              <a:rPr lang="bs-Latn-BA" dirty="0"/>
-              <a:t>Pobjednik je onaj igrač koji prije potopi sve protivničke brodove.</a:t>
-            </a:r>
-          </a:p>
-          <a:p>
-            <a:endParaRPr lang="bs-Latn-BA" dirty="0"/>
-          </a:p>
-        </p:txBody>
-      </p:sp>
-    </p:spTree>
-  </p:cSld>
-  <p:clrMapOvr>
-    <a:masterClrMapping/>
-  </p:clrMapOvr>
-  <p:timing>
-    <p:tnLst>
-      <p:par>
-        <p:cTn id="1" dur="indefinite" restart="never" nodeType="tmRoot"/>
-      </p:par>
-    </p:tnLst>
-  </p:timing>
-</p:sld>
-</file>
-
-<file path=ppt/slides/slide13.xml><?xml version="1.0" encoding="utf-8"?>
-<p:sld xmlns:a="http://schemas.openxmlformats.org/drawingml/2006/main" xmlns:r="http://schemas.openxmlformats.org/officeDocument/2006/relationships" xmlns:p="http://schemas.openxmlformats.org/presentationml/2006/main">
-  <p:cSld>
-    <p:spTree>
-      <p:nvGrpSpPr>
-        <p:cNvPr id="1" name=""/>
-        <p:cNvGrpSpPr/>
-        <p:nvPr/>
-      </p:nvGrpSpPr>
-      <p:grpSpPr>
-        <a:xfrm>
-          <a:off x="0" y="0"/>
-          <a:ext cx="0" cy="0"/>
-          <a:chOff x="0" y="0"/>
-          <a:chExt cx="0" cy="0"/>
-        </a:xfrm>
-      </p:grpSpPr>
-      <p:sp>
-        <p:nvSpPr>
-          <p:cNvPr id="2" name="Title 1"/>
-          <p:cNvSpPr>
-            <a:spLocks noGrp="1"/>
-          </p:cNvSpPr>
-          <p:nvPr>
-            <p:ph type="title"/>
-          </p:nvPr>
-        </p:nvSpPr>
-        <p:spPr>
-          <a:xfrm>
-            <a:off x="457200" y="274638"/>
-            <a:ext cx="8229600" cy="1020762"/>
-          </a:xfrm>
-        </p:spPr>
-        <p:txBody>
-          <a:bodyPr/>
-          <a:lstStyle/>
-          <a:p>
-            <a:r>
-              <a:rPr lang="bs-Latn-BA" dirty="0" smtClean="0"/>
-              <a:t>Igra - potapanje brodova</a:t>
-            </a:r>
-            <a:endParaRPr lang="bs-Latn-BA" dirty="0"/>
-          </a:p>
-        </p:txBody>
-      </p:sp>
-      <p:pic>
-        <p:nvPicPr>
-          <p:cNvPr id="26626" name="Picture 2" descr="D:\HeritageDev\OpisIgrice\DijagramKlasa.jpg"/>
-          <p:cNvPicPr>
-            <a:picLocks noGrp="1" noChangeAspect="1" noChangeArrowheads="1"/>
-          </p:cNvPicPr>
-          <p:nvPr>
-            <p:ph idx="1"/>
-          </p:nvPr>
-        </p:nvPicPr>
-        <p:blipFill>
-          <a:blip r:embed="rId2"/>
-          <a:srcRect/>
-          <a:stretch>
-            <a:fillRect/>
-          </a:stretch>
-        </p:blipFill>
-        <p:spPr bwMode="auto">
-          <a:xfrm>
-            <a:off x="228600" y="2362200"/>
-            <a:ext cx="8726713" cy="3810000"/>
-          </a:xfrm>
-          <a:prstGeom prst="rect">
-            <a:avLst/>
-          </a:prstGeom>
-          <a:noFill/>
-        </p:spPr>
-      </p:pic>
-      <p:sp>
-        <p:nvSpPr>
-          <p:cNvPr id="5" name="TextBox 4"/>
-          <p:cNvSpPr txBox="1"/>
-          <p:nvPr/>
-        </p:nvSpPr>
-        <p:spPr>
-          <a:xfrm>
-            <a:off x="533400" y="1600200"/>
-            <a:ext cx="2557239" cy="553998"/>
-          </a:xfrm>
-          <a:prstGeom prst="rect">
-            <a:avLst/>
-          </a:prstGeom>
-          <a:noFill/>
-        </p:spPr>
-        <p:txBody>
-          <a:bodyPr wrap="none" rtlCol="0">
-            <a:spAutoFit/>
-          </a:bodyPr>
-          <a:lstStyle/>
-          <a:p>
-            <a:r>
-              <a:rPr lang="bs-Latn-BA" sz="3000" dirty="0" smtClean="0"/>
-              <a:t>Dijagram klasa</a:t>
-            </a:r>
-            <a:r>
-              <a:rPr lang="en-GB" sz="3000" dirty="0" smtClean="0"/>
-              <a:t>:</a:t>
-            </a:r>
-            <a:endParaRPr lang="bs-Latn-BA" sz="3000" dirty="0"/>
-          </a:p>
-        </p:txBody>
-      </p:sp>
-    </p:spTree>
-  </p:cSld>
-  <p:clrMapOvr>
-    <a:masterClrMapping/>
-  </p:clrMapOvr>
-  <p:timing>
-    <p:tnLst>
-      <p:par>
-        <p:cTn id="1" dur="indefinite" restart="never" nodeType="tmRoot"/>
-      </p:par>
-    </p:tnLst>
-  </p:timing>
-</p:sld>
-</file>
-
-<file path=ppt/slides/slide2.xml><?xml version="1.0" encoding="utf-8"?>
-<p:sld xmlns:a="http://schemas.openxmlformats.org/drawingml/2006/main" xmlns:r="http://schemas.openxmlformats.org/officeDocument/2006/relationships" xmlns:p="http://schemas.openxmlformats.org/presentationml/2006/main">
-  <p:cSld>
-    <p:spTree>
-      <p:nvGrpSpPr>
-        <p:cNvPr id="1" name=""/>
-        <p:cNvGrpSpPr/>
-        <p:nvPr/>
-      </p:nvGrpSpPr>
-      <p:grpSpPr>
-        <a:xfrm>
-          <a:off x="0" y="0"/>
-          <a:ext cx="0" cy="0"/>
-          <a:chOff x="0" y="0"/>
-          <a:chExt cx="0" cy="0"/>
-        </a:xfrm>
-      </p:grpSpPr>
-      <p:sp>
-        <p:nvSpPr>
-          <p:cNvPr id="2" name="Title 1"/>
-          <p:cNvSpPr>
-            <a:spLocks noGrp="1"/>
-          </p:cNvSpPr>
-          <p:nvPr>
-            <p:ph type="title"/>
-          </p:nvPr>
-        </p:nvSpPr>
-        <p:spPr>
-          <a:xfrm>
-            <a:off x="457200" y="304800"/>
-            <a:ext cx="8229600" cy="990600"/>
-          </a:xfrm>
-        </p:spPr>
-        <p:txBody>
-          <a:bodyPr>
-            <a:normAutofit/>
-          </a:bodyPr>
-          <a:lstStyle/>
-          <a:p>
-            <a:r>
-              <a:rPr lang="bs-Latn-BA" b="1" dirty="0"/>
-              <a:t>Opis </a:t>
-            </a:r>
-            <a:r>
-              <a:rPr lang="bs-Latn-BA" b="1" dirty="0" smtClean="0"/>
-              <a:t>projekta</a:t>
-            </a:r>
-            <a:endParaRPr lang="bs-Latn-BA" b="1" dirty="0"/>
-          </a:p>
-        </p:txBody>
-      </p:sp>
-      <p:sp>
-        <p:nvSpPr>
-          <p:cNvPr id="3" name="Content Placeholder 2"/>
-          <p:cNvSpPr>
-            <a:spLocks noGrp="1"/>
-          </p:cNvSpPr>
-          <p:nvPr>
-            <p:ph idx="1"/>
-          </p:nvPr>
-        </p:nvSpPr>
-        <p:spPr>
-          <a:xfrm>
-            <a:off x="457200" y="1600200"/>
-            <a:ext cx="8229600" cy="4571999"/>
-          </a:xfrm>
-        </p:spPr>
-        <p:txBody>
-          <a:bodyPr>
-            <a:normAutofit fontScale="85000" lnSpcReduction="20000"/>
-          </a:bodyPr>
-          <a:lstStyle/>
-          <a:p>
-            <a:pPr algn="just"/>
-            <a:r>
-              <a:rPr lang="vi-VN" dirty="0" smtClean="0"/>
-              <a:t>IT-Shop je kompanija koja se bavi prodajom i servisom računara i računarske opreme.</a:t>
-            </a:r>
-            <a:endParaRPr lang="bs-Latn-BA" dirty="0" smtClean="0"/>
-          </a:p>
-          <a:p>
-            <a:pPr algn="just"/>
-            <a:endParaRPr lang="en-GB" dirty="0" smtClean="0"/>
-          </a:p>
-          <a:p>
-            <a:pPr algn="just"/>
-            <a:r>
-              <a:rPr lang="vi-VN" dirty="0" smtClean="0"/>
-              <a:t>Njihovo </a:t>
-            </a:r>
-            <a:r>
-              <a:rPr lang="vi-VN" dirty="0"/>
-              <a:t>poslovanje je bilo ograničeno na samo jednu regiju, međutim izvršni </a:t>
-            </a:r>
-            <a:r>
-              <a:rPr lang="vi-VN" dirty="0" smtClean="0"/>
-              <a:t>direktor</a:t>
-            </a:r>
-            <a:r>
-              <a:rPr lang="bs-Latn-BA" dirty="0" smtClean="0"/>
-              <a:t> </a:t>
-            </a:r>
-            <a:r>
-              <a:rPr lang="vi-VN" dirty="0" smtClean="0"/>
-              <a:t>kompanije </a:t>
-            </a:r>
-            <a:r>
-              <a:rPr lang="vi-VN" dirty="0"/>
-              <a:t>je uvidio priliku proširenja poslovanja na ostale regije/gradove. </a:t>
-            </a:r>
-            <a:endParaRPr lang="bs-Latn-BA" dirty="0" smtClean="0"/>
-          </a:p>
-          <a:p>
-            <a:pPr algn="just"/>
-            <a:endParaRPr lang="en-GB" dirty="0" smtClean="0"/>
-          </a:p>
-          <a:p>
-            <a:pPr algn="just"/>
-            <a:r>
-              <a:rPr lang="vi-VN" dirty="0" smtClean="0"/>
-              <a:t>Zajedno </a:t>
-            </a:r>
-            <a:r>
-              <a:rPr lang="vi-VN" dirty="0"/>
-              <a:t>s </a:t>
-            </a:r>
-            <a:r>
-              <a:rPr lang="vi-VN" dirty="0" smtClean="0"/>
-              <a:t>tim</a:t>
-            </a:r>
-            <a:r>
-              <a:rPr lang="bs-Latn-BA" dirty="0" smtClean="0"/>
-              <a:t> </a:t>
-            </a:r>
-            <a:r>
-              <a:rPr lang="vi-VN" dirty="0" smtClean="0"/>
-              <a:t>proširenjem </a:t>
-            </a:r>
-            <a:r>
-              <a:rPr lang="vi-VN" dirty="0"/>
-              <a:t>došlo je do potrebe razvijanja novog informacionog sistema koji će u </a:t>
-            </a:r>
-            <a:r>
-              <a:rPr lang="vi-VN" dirty="0" smtClean="0"/>
-              <a:t>budućnosti</a:t>
-            </a:r>
-            <a:r>
-              <a:rPr lang="en-GB" dirty="0" smtClean="0"/>
-              <a:t> </a:t>
-            </a:r>
-            <a:r>
-              <a:rPr lang="vi-VN" dirty="0" smtClean="0"/>
-              <a:t>na </a:t>
-            </a:r>
-            <a:r>
-              <a:rPr lang="vi-VN" dirty="0"/>
-              <a:t>adekvatan način pratiti poslovanje ove </a:t>
-            </a:r>
-            <a:r>
-              <a:rPr lang="vi-VN" dirty="0" smtClean="0"/>
-              <a:t>kompanije.</a:t>
-            </a:r>
-            <a:endParaRPr lang="en-GB" dirty="0" smtClean="0"/>
-          </a:p>
-        </p:txBody>
-      </p:sp>
-    </p:spTree>
-  </p:cSld>
-  <p:clrMapOvr>
-    <a:masterClrMapping/>
-  </p:clrMapOvr>
-  <p:timing>
-    <p:tnLst>
-      <p:par>
-        <p:cTn id="1" dur="indefinite" restart="never" nodeType="tmRoot"/>
-      </p:par>
-    </p:tnLst>
-  </p:timing>
-</p:sld>
-</file>
-
-<file path=ppt/slides/slide3.xml><?xml version="1.0" encoding="utf-8"?>
-<p:sld xmlns:a="http://schemas.openxmlformats.org/drawingml/2006/main" xmlns:r="http://schemas.openxmlformats.org/officeDocument/2006/relationships" xmlns:p="http://schemas.openxmlformats.org/presentationml/2006/main">
-  <p:cSld>
-    <p:spTree>
-      <p:nvGrpSpPr>
-        <p:cNvPr id="1" name=""/>
-        <p:cNvGrpSpPr/>
-        <p:nvPr/>
-      </p:nvGrpSpPr>
-      <p:grpSpPr>
-        <a:xfrm>
-          <a:off x="0" y="0"/>
-          <a:ext cx="0" cy="0"/>
-          <a:chOff x="0" y="0"/>
-          <a:chExt cx="0" cy="0"/>
-        </a:xfrm>
-      </p:grpSpPr>
-      <p:sp>
-        <p:nvSpPr>
-          <p:cNvPr id="2" name="Title 1"/>
-          <p:cNvSpPr>
-            <a:spLocks noGrp="1"/>
-          </p:cNvSpPr>
-          <p:nvPr>
-            <p:ph type="title"/>
-          </p:nvPr>
-        </p:nvSpPr>
-        <p:spPr>
-          <a:xfrm>
-            <a:off x="457200" y="304800"/>
-            <a:ext cx="8229600" cy="990600"/>
-          </a:xfrm>
-        </p:spPr>
-        <p:txBody>
-          <a:bodyPr>
-            <a:normAutofit/>
-          </a:bodyPr>
-          <a:lstStyle/>
-          <a:p>
-            <a:r>
-              <a:rPr lang="en-GB" dirty="0" err="1" smtClean="0"/>
-              <a:t>Akteri</a:t>
-            </a:r>
-            <a:r>
-              <a:rPr lang="en-GB" dirty="0" smtClean="0"/>
-              <a:t> u </a:t>
-            </a:r>
-            <a:r>
-              <a:rPr lang="en-GB" dirty="0" err="1" smtClean="0"/>
-              <a:t>sistemu</a:t>
-            </a:r>
-            <a:endParaRPr lang="bs-Latn-BA" dirty="0"/>
-          </a:p>
-        </p:txBody>
-      </p:sp>
-      <p:sp>
-        <p:nvSpPr>
-          <p:cNvPr id="3" name="Content Placeholder 2"/>
-          <p:cNvSpPr>
-            <a:spLocks noGrp="1"/>
-          </p:cNvSpPr>
-          <p:nvPr>
-            <p:ph idx="1"/>
-          </p:nvPr>
-        </p:nvSpPr>
-        <p:spPr>
-          <a:xfrm>
-            <a:off x="457200" y="1600200"/>
-            <a:ext cx="8229600" cy="4571999"/>
-          </a:xfrm>
-        </p:spPr>
-        <p:txBody>
-          <a:bodyPr>
-            <a:normAutofit/>
-          </a:bodyPr>
-          <a:lstStyle/>
-          <a:p>
-            <a:r>
-              <a:rPr lang="bs-Latn-BA" dirty="0" smtClean="0"/>
-              <a:t>Direktor</a:t>
-            </a:r>
-            <a:endParaRPr lang="en-GB" dirty="0" smtClean="0"/>
-          </a:p>
-          <a:p>
-            <a:r>
-              <a:rPr lang="bs-Latn-BA" dirty="0" smtClean="0"/>
-              <a:t>Supervizor</a:t>
-            </a:r>
-            <a:endParaRPr lang="en-GB" dirty="0" smtClean="0"/>
-          </a:p>
-          <a:p>
-            <a:r>
-              <a:rPr lang="bs-Latn-BA" dirty="0" smtClean="0"/>
-              <a:t>Servis</a:t>
-            </a:r>
-            <a:endParaRPr lang="en-GB" dirty="0" smtClean="0"/>
-          </a:p>
-          <a:p>
-            <a:r>
-              <a:rPr lang="bs-Latn-BA" dirty="0" smtClean="0"/>
-              <a:t>Prodavač</a:t>
-            </a:r>
-            <a:endParaRPr lang="en-GB" dirty="0" smtClean="0"/>
-          </a:p>
-          <a:p>
-            <a:r>
-              <a:rPr lang="bs-Latn-BA" dirty="0" smtClean="0"/>
-              <a:t>Monter</a:t>
-            </a:r>
-            <a:endParaRPr lang="en-GB" dirty="0" smtClean="0"/>
-          </a:p>
-          <a:p>
-            <a:r>
-              <a:rPr lang="bs-Latn-BA" dirty="0" smtClean="0"/>
-              <a:t>Korisnik</a:t>
-            </a:r>
-            <a:endParaRPr lang="bs-Latn-BA" dirty="0"/>
-          </a:p>
-        </p:txBody>
-      </p:sp>
-    </p:spTree>
-  </p:cSld>
-  <p:clrMapOvr>
-    <a:masterClrMapping/>
-  </p:clrMapOvr>
-  <p:timing>
-    <p:tnLst>
-      <p:par>
-        <p:cTn id="1" dur="indefinite" restart="never" nodeType="tmRoot"/>
-      </p:par>
-    </p:tnLst>
-  </p:timing>
-</p:sld>
-</file>
-
-<file path=ppt/slides/slide4.xml><?xml version="1.0" encoding="utf-8"?>
-<p:sld xmlns:a="http://schemas.openxmlformats.org/drawingml/2006/main" xmlns:r="http://schemas.openxmlformats.org/officeDocument/2006/relationships" xmlns:p="http://schemas.openxmlformats.org/presentationml/2006/main">
-  <p:cSld>
-    <p:spTree>
-      <p:nvGrpSpPr>
-        <p:cNvPr id="1" name=""/>
-        <p:cNvGrpSpPr/>
-        <p:nvPr/>
-      </p:nvGrpSpPr>
-      <p:grpSpPr>
-        <a:xfrm>
-          <a:off x="0" y="0"/>
-          <a:ext cx="0" cy="0"/>
-          <a:chOff x="0" y="0"/>
-          <a:chExt cx="0" cy="0"/>
-        </a:xfrm>
-      </p:grpSpPr>
-      <p:sp>
-        <p:nvSpPr>
-          <p:cNvPr id="2" name="Title 1"/>
-          <p:cNvSpPr>
-            <a:spLocks noGrp="1"/>
-          </p:cNvSpPr>
-          <p:nvPr>
-            <p:ph type="title"/>
-          </p:nvPr>
-        </p:nvSpPr>
-        <p:spPr>
-          <a:xfrm>
-            <a:off x="457200" y="274638"/>
-            <a:ext cx="8229600" cy="1020762"/>
-          </a:xfrm>
-        </p:spPr>
-        <p:txBody>
-          <a:bodyPr/>
-          <a:lstStyle/>
-          <a:p>
-            <a:r>
-              <a:rPr lang="bs-Latn-BA" dirty="0"/>
-              <a:t>Dijagram slučajeva upotrebe</a:t>
-            </a:r>
-          </a:p>
-        </p:txBody>
-      </p:sp>
-      <p:pic>
-        <p:nvPicPr>
-          <p:cNvPr id="15362" name="Picture 2" descr="D:\HeritageDev\OpisProjekta\UseCaseDiagram\Dijagram slučajeva upotrebe.jpg"/>
-          <p:cNvPicPr>
-            <a:picLocks noGrp="1" noChangeAspect="1" noChangeArrowheads="1"/>
-          </p:cNvPicPr>
-          <p:nvPr>
-            <p:ph idx="1"/>
-          </p:nvPr>
-        </p:nvPicPr>
-        <p:blipFill>
-          <a:blip r:embed="rId2"/>
-          <a:srcRect/>
-          <a:stretch>
-            <a:fillRect/>
-          </a:stretch>
-        </p:blipFill>
-        <p:spPr bwMode="auto">
-          <a:xfrm>
-            <a:off x="642641" y="1600200"/>
-            <a:ext cx="7858718" cy="4525963"/>
-          </a:xfrm>
-          <a:prstGeom prst="rect">
-            <a:avLst/>
-          </a:prstGeom>
-          <a:noFill/>
-        </p:spPr>
-      </p:pic>
-    </p:spTree>
-  </p:cSld>
-  <p:clrMapOvr>
-    <a:masterClrMapping/>
-  </p:clrMapOvr>
-  <p:timing>
-    <p:tnLst>
-      <p:par>
-        <p:cTn id="1" dur="indefinite" restart="never" nodeType="tmRoot"/>
-      </p:par>
-    </p:tnLst>
-  </p:timing>
-</p:sld>
-</file>
-
-<file path=ppt/slides/slide5.xml><?xml version="1.0" encoding="utf-8"?>
-<p:sld xmlns:a="http://schemas.openxmlformats.org/drawingml/2006/main" xmlns:r="http://schemas.openxmlformats.org/officeDocument/2006/relationships" xmlns:p="http://schemas.openxmlformats.org/presentationml/2006/main">
-  <p:cSld>
-    <p:spTree>
-      <p:nvGrpSpPr>
-        <p:cNvPr id="1" name=""/>
-        <p:cNvGrpSpPr/>
-        <p:nvPr/>
-      </p:nvGrpSpPr>
-      <p:grpSpPr>
-        <a:xfrm>
-          <a:off x="0" y="0"/>
-          <a:ext cx="0" cy="0"/>
-          <a:chOff x="0" y="0"/>
-          <a:chExt cx="0" cy="0"/>
-        </a:xfrm>
-      </p:grpSpPr>
-      <p:pic>
-        <p:nvPicPr>
-          <p:cNvPr id="16390" name="Picture 6" descr="http://i.imgur.com/jGGQTPZ.png"/>
-          <p:cNvPicPr>
-            <a:picLocks noChangeAspect="1" noChangeArrowheads="1"/>
-          </p:cNvPicPr>
-          <p:nvPr/>
-        </p:nvPicPr>
-        <p:blipFill>
-          <a:blip r:embed="rId2"/>
-          <a:srcRect/>
-          <a:stretch>
-            <a:fillRect/>
-          </a:stretch>
-        </p:blipFill>
-        <p:spPr bwMode="auto">
-          <a:xfrm>
-            <a:off x="0" y="1219201"/>
-            <a:ext cx="9144000" cy="5638799"/>
-          </a:xfrm>
-          <a:prstGeom prst="rect">
-            <a:avLst/>
-          </a:prstGeom>
-          <a:noFill/>
-        </p:spPr>
-      </p:pic>
-      <p:pic>
-        <p:nvPicPr>
-          <p:cNvPr id="16388" name="Picture 4" descr="http://i.imgur.com/M7PxZwK.png"/>
-          <p:cNvPicPr>
-            <a:picLocks noChangeAspect="1" noChangeArrowheads="1"/>
-          </p:cNvPicPr>
-          <p:nvPr/>
-        </p:nvPicPr>
-        <p:blipFill>
-          <a:blip r:embed="rId3"/>
-          <a:srcRect/>
-          <a:stretch>
-            <a:fillRect/>
-          </a:stretch>
-        </p:blipFill>
-        <p:spPr bwMode="auto">
-          <a:xfrm>
-            <a:off x="0" y="1219201"/>
-            <a:ext cx="9144000" cy="5638799"/>
-          </a:xfrm>
-          <a:prstGeom prst="rect">
-            <a:avLst/>
-          </a:prstGeom>
-          <a:noFill/>
-        </p:spPr>
-      </p:pic>
-      <p:sp>
-        <p:nvSpPr>
-          <p:cNvPr id="2" name="Title 1"/>
-          <p:cNvSpPr>
-            <a:spLocks noGrp="1"/>
-          </p:cNvSpPr>
-          <p:nvPr>
-            <p:ph type="title"/>
-          </p:nvPr>
-        </p:nvSpPr>
-        <p:spPr>
-          <a:xfrm>
-            <a:off x="457200" y="274638"/>
-            <a:ext cx="8229600" cy="1020762"/>
-          </a:xfrm>
-        </p:spPr>
-        <p:txBody>
-          <a:bodyPr/>
-          <a:lstStyle/>
-          <a:p>
-            <a:r>
-              <a:rPr lang="bs-Latn-BA" dirty="0"/>
-              <a:t>Dijagram </a:t>
-            </a:r>
-            <a:r>
-              <a:rPr lang="bs-Latn-BA" dirty="0" smtClean="0"/>
-              <a:t>aktivnosti</a:t>
-            </a:r>
-            <a:r>
-              <a:rPr lang="en-GB" dirty="0" smtClean="0"/>
-              <a:t> (</a:t>
-            </a:r>
-            <a:r>
-              <a:rPr lang="en-GB" dirty="0" err="1" smtClean="0"/>
-              <a:t>prodaja</a:t>
-            </a:r>
-            <a:r>
-              <a:rPr lang="en-GB" dirty="0" smtClean="0"/>
-              <a:t>)</a:t>
-            </a:r>
-            <a:endParaRPr lang="bs-Latn-BA" dirty="0"/>
-          </a:p>
-        </p:txBody>
-      </p:sp>
-      <p:pic>
-        <p:nvPicPr>
-          <p:cNvPr id="16386" name="Picture 2" descr="D:\HeritageDev\OpisProjekta\ActivityDiagram\Dijagram aktivnosti - kupovina.jpg"/>
-          <p:cNvPicPr>
-            <a:picLocks noGrp="1" noChangeAspect="1" noChangeArrowheads="1"/>
-          </p:cNvPicPr>
-          <p:nvPr>
-            <p:ph idx="1"/>
-          </p:nvPr>
-        </p:nvPicPr>
-        <p:blipFill>
-          <a:blip r:embed="rId4" cstate="print"/>
-          <a:srcRect/>
-          <a:stretch>
-            <a:fillRect/>
-          </a:stretch>
-        </p:blipFill>
-        <p:spPr bwMode="auto">
-          <a:xfrm>
-            <a:off x="2743200" y="1196869"/>
-            <a:ext cx="3810000" cy="5661131"/>
-          </a:xfrm>
-          <a:prstGeom prst="rect">
-            <a:avLst/>
-          </a:prstGeom>
-          <a:noFill/>
-        </p:spPr>
-      </p:pic>
-    </p:spTree>
-  </p:cSld>
-  <p:clrMapOvr>
-    <a:masterClrMapping/>
-  </p:clrMapOvr>
-  <p:timing>
-    <p:tnLst>
-      <p:par>
-        <p:cTn id="1" dur="indefinite" restart="never" nodeType="tmRoot">
-          <p:childTnLst>
-            <p:seq concurrent="1" nextAc="seek">
-              <p:cTn id="2" dur="indefinite" nodeType="mainSeq">
-                <p:childTnLst>
-                  <p:par>
-                    <p:cTn id="3" fill="hold">
-                      <p:stCondLst>
-                        <p:cond delay="indefinite"/>
-                      </p:stCondLst>
-                      <p:childTnLst>
-                        <p:par>
-                          <p:cTn id="4" fill="hold">
-                            <p:stCondLst>
-                              <p:cond delay="0"/>
-                            </p:stCondLst>
-                            <p:childTnLst>
-                              <p:par>
-                                <p:cTn id="5" presetID="12" presetClass="exit" presetSubtype="4" fill="hold" nodeType="clickEffect">
-                                  <p:stCondLst>
-                                    <p:cond delay="0"/>
-                                  </p:stCondLst>
-                                  <p:childTnLst>
-                                    <p:animEffect transition="out" filter="slide(fromBottom)">
-                                      <p:cBhvr>
-                                        <p:cTn id="6" dur="500"/>
-                                        <p:tgtEl>
-                                          <p:spTgt spid="16386"/>
-                                        </p:tgtEl>
-                                      </p:cBhvr>
-                                    </p:animEffect>
-                                    <p:set>
-                                      <p:cBhvr>
-                                        <p:cTn id="7" dur="1" fill="hold">
-                                          <p:stCondLst>
-                                            <p:cond delay="499"/>
-                                          </p:stCondLst>
-                                        </p:cTn>
-                                        <p:tgtEl>
-                                          <p:spTgt spid="16386"/>
-                                        </p:tgtEl>
-                                        <p:attrNameLst>
-                                          <p:attrName>style.visibility</p:attrName>
-                                        </p:attrNameLst>
-                                      </p:cBhvr>
-                                      <p:to>
-                                        <p:strVal val="hidden"/>
-                                      </p:to>
-                                    </p:set>
-                                  </p:childTnLst>
-                                </p:cTn>
-                              </p:par>
-                              <p:par>
-                                <p:cTn id="8" presetID="12" presetClass="entr" presetSubtype="4" fill="hold" nodeType="withEffect">
-                                  <p:stCondLst>
-                                    <p:cond delay="0"/>
-                                  </p:stCondLst>
-                                  <p:childTnLst>
-                                    <p:set>
-                                      <p:cBhvr>
-                                        <p:cTn id="9" dur="1" fill="hold">
-                                          <p:stCondLst>
-                                            <p:cond delay="0"/>
-                                          </p:stCondLst>
-                                        </p:cTn>
-                                        <p:tgtEl>
-                                          <p:spTgt spid="16388"/>
-                                        </p:tgtEl>
-                                        <p:attrNameLst>
-                                          <p:attrName>style.visibility</p:attrName>
-                                        </p:attrNameLst>
-                                      </p:cBhvr>
-                                      <p:to>
-                                        <p:strVal val="visible"/>
-                                      </p:to>
-                                    </p:set>
-                                    <p:animEffect transition="in" filter="slide(fromBottom)">
-                                      <p:cBhvr>
-                                        <p:cTn id="10" dur="500"/>
-                                        <p:tgtEl>
-                                          <p:spTgt spid="16388"/>
-                                        </p:tgtEl>
-                                      </p:cBhvr>
-                                    </p:animEffect>
-                                  </p:childTnLst>
-                                </p:cTn>
-                              </p:par>
-                            </p:childTnLst>
-                          </p:cTn>
-                        </p:par>
-                      </p:childTnLst>
-                    </p:cTn>
-                  </p:par>
-                  <p:par>
-                    <p:cTn id="11" fill="hold">
-                      <p:stCondLst>
-                        <p:cond delay="indefinite"/>
-                      </p:stCondLst>
-                      <p:childTnLst>
-                        <p:par>
-                          <p:cTn id="12" fill="hold">
-                            <p:stCondLst>
-                              <p:cond delay="0"/>
-                            </p:stCondLst>
-                            <p:childTnLst>
-                              <p:par>
-                                <p:cTn id="13" presetID="12" presetClass="exit" presetSubtype="4" fill="hold" nodeType="clickEffect">
-                                  <p:stCondLst>
-                                    <p:cond delay="0"/>
-                                  </p:stCondLst>
-                                  <p:childTnLst>
-                                    <p:animEffect transition="out" filter="slide(fromBottom)">
-                                      <p:cBhvr>
-                                        <p:cTn id="14" dur="500"/>
-                                        <p:tgtEl>
-                                          <p:spTgt spid="16388"/>
-                                        </p:tgtEl>
-                                      </p:cBhvr>
-                                    </p:animEffect>
-                                    <p:set>
-                                      <p:cBhvr>
-                                        <p:cTn id="15" dur="1" fill="hold">
-                                          <p:stCondLst>
-                                            <p:cond delay="499"/>
-                                          </p:stCondLst>
-                                        </p:cTn>
-                                        <p:tgtEl>
-                                          <p:spTgt spid="16388"/>
-                                        </p:tgtEl>
-                                        <p:attrNameLst>
-                                          <p:attrName>style.visibility</p:attrName>
-                                        </p:attrNameLst>
-                                      </p:cBhvr>
-                                      <p:to>
-                                        <p:strVal val="hidden"/>
-                                      </p:to>
-                                    </p:set>
-                                  </p:childTnLst>
-                                </p:cTn>
-                              </p:par>
-                              <p:par>
-                                <p:cTn id="16" presetID="12" presetClass="entr" presetSubtype="4" fill="hold" nodeType="withEffect">
-                                  <p:stCondLst>
-                                    <p:cond delay="0"/>
-                                  </p:stCondLst>
-                                  <p:childTnLst>
-                                    <p:set>
-                                      <p:cBhvr>
-                                        <p:cTn id="17" dur="1" fill="hold">
-                                          <p:stCondLst>
-                                            <p:cond delay="0"/>
-                                          </p:stCondLst>
-                                        </p:cTn>
-                                        <p:tgtEl>
-                                          <p:spTgt spid="16390"/>
-                                        </p:tgtEl>
-                                        <p:attrNameLst>
-                                          <p:attrName>style.visibility</p:attrName>
-                                        </p:attrNameLst>
-                                      </p:cBhvr>
-                                      <p:to>
-                                        <p:strVal val="visible"/>
-                                      </p:to>
-                                    </p:set>
-                                    <p:animEffect transition="in" filter="slide(fromBottom)">
-                                      <p:cBhvr>
-                                        <p:cTn id="18" dur="500"/>
-                                        <p:tgtEl>
-                                          <p:spTgt spid="16390"/>
-                                        </p:tgtEl>
-                                      </p:cBhvr>
-                                    </p:animEffect>
-                                  </p:childTnLst>
-                                </p:cTn>
-                              </p:par>
-                            </p:childTnLst>
-                          </p:cTn>
-                        </p:par>
-                      </p:childTnLst>
-                    </p:cTn>
-                  </p:par>
-                </p:childTnLst>
-              </p:cTn>
-              <p:prevCondLst>
-                <p:cond evt="onPrev" delay="0">
-                  <p:tgtEl>
-                    <p:sldTgt/>
-                  </p:tgtEl>
-                </p:cond>
-              </p:prevCondLst>
-              <p:nextCondLst>
-                <p:cond evt="onNext" delay="0">
-                  <p:tgtEl>
-                    <p:sldTgt/>
-                  </p:tgtEl>
-                </p:cond>
-              </p:nextCondLst>
-            </p:seq>
-          </p:childTnLst>
-        </p:cTn>
-      </p:par>
-    </p:tnLst>
-  </p:timing>
-</p:sld>
-</file>
-
-<file path=ppt/slides/slide6.xml><?xml version="1.0" encoding="utf-8"?>
-<p:sld xmlns:a="http://schemas.openxmlformats.org/drawingml/2006/main" xmlns:r="http://schemas.openxmlformats.org/officeDocument/2006/relationships" xmlns:p="http://schemas.openxmlformats.org/presentationml/2006/main">
-  <p:cSld>
-    <p:spTree>
-      <p:nvGrpSpPr>
-        <p:cNvPr id="1" name=""/>
-        <p:cNvGrpSpPr/>
-        <p:nvPr/>
-      </p:nvGrpSpPr>
-      <p:grpSpPr>
-        <a:xfrm>
-          <a:off x="0" y="0"/>
-          <a:ext cx="0" cy="0"/>
-          <a:chOff x="0" y="0"/>
-          <a:chExt cx="0" cy="0"/>
-        </a:xfrm>
-      </p:grpSpPr>
-      <p:sp>
-        <p:nvSpPr>
-          <p:cNvPr id="2" name="Title 1"/>
-          <p:cNvSpPr>
-            <a:spLocks noGrp="1"/>
-          </p:cNvSpPr>
-          <p:nvPr>
-            <p:ph type="title"/>
-          </p:nvPr>
-        </p:nvSpPr>
-        <p:spPr>
-          <a:xfrm>
-            <a:off x="457200" y="274638"/>
-            <a:ext cx="8229600" cy="1020762"/>
-          </a:xfrm>
-        </p:spPr>
-        <p:txBody>
-          <a:bodyPr/>
-          <a:lstStyle/>
-          <a:p>
-            <a:r>
-              <a:rPr lang="en-GB" dirty="0" err="1" smtClean="0"/>
-              <a:t>Dijagram</a:t>
-            </a:r>
-            <a:r>
-              <a:rPr lang="en-GB" dirty="0" smtClean="0"/>
-              <a:t> </a:t>
-            </a:r>
-            <a:r>
-              <a:rPr lang="en-GB" dirty="0" err="1" smtClean="0"/>
-              <a:t>aktivnosti</a:t>
-            </a:r>
-            <a:r>
-              <a:rPr lang="en-GB" dirty="0" smtClean="0"/>
-              <a:t> (</a:t>
-            </a:r>
-            <a:r>
-              <a:rPr lang="en-GB" dirty="0" err="1" smtClean="0"/>
-              <a:t>servis</a:t>
-            </a:r>
-            <a:r>
-              <a:rPr lang="en-GB" dirty="0" smtClean="0"/>
-              <a:t>)</a:t>
-            </a:r>
-            <a:endParaRPr lang="bs-Latn-BA" dirty="0"/>
-          </a:p>
-        </p:txBody>
-      </p:sp>
-      <p:pic>
-        <p:nvPicPr>
-          <p:cNvPr id="21507" name="Picture 3" descr="D:\HeritageDev\OpisProjekta\ActivityDiagram\Dijagram aktivnosti - servis.jpg"/>
-          <p:cNvPicPr>
-            <a:picLocks noGrp="1" noChangeAspect="1" noChangeArrowheads="1"/>
-          </p:cNvPicPr>
-          <p:nvPr>
-            <p:ph idx="1"/>
-          </p:nvPr>
-        </p:nvPicPr>
-        <p:blipFill>
-          <a:blip r:embed="rId2"/>
-          <a:srcRect/>
-          <a:stretch>
-            <a:fillRect/>
-          </a:stretch>
-        </p:blipFill>
-        <p:spPr bwMode="auto">
-          <a:xfrm>
-            <a:off x="1828800" y="1295400"/>
-            <a:ext cx="5701111" cy="5562600"/>
-          </a:xfrm>
-          <a:prstGeom prst="rect">
-            <a:avLst/>
-          </a:prstGeom>
-          <a:noFill/>
-        </p:spPr>
-      </p:pic>
-    </p:spTree>
-  </p:cSld>
-  <p:clrMapOvr>
-    <a:masterClrMapping/>
-  </p:clrMapOvr>
-  <p:timing>
-    <p:tnLst>
-      <p:par>
-        <p:cTn id="1" dur="indefinite" restart="never" nodeType="tmRoot"/>
-      </p:par>
-    </p:tnLst>
-  </p:timing>
-</p:sld>
-</file>
-
-<file path=ppt/slides/slide7.xml><?xml version="1.0" encoding="utf-8"?>
-<p:sld xmlns:a="http://schemas.openxmlformats.org/drawingml/2006/main" xmlns:r="http://schemas.openxmlformats.org/officeDocument/2006/relationships" xmlns:p="http://schemas.openxmlformats.org/presentationml/2006/main">
-  <p:cSld>
-    <p:spTree>
-      <p:nvGrpSpPr>
-        <p:cNvPr id="1" name=""/>
-        <p:cNvGrpSpPr/>
-        <p:nvPr/>
-      </p:nvGrpSpPr>
-      <p:grpSpPr>
-        <a:xfrm>
-          <a:off x="0" y="0"/>
-          <a:ext cx="0" cy="0"/>
-          <a:chOff x="0" y="0"/>
-          <a:chExt cx="0" cy="0"/>
-        </a:xfrm>
-      </p:grpSpPr>
-      <p:sp>
-        <p:nvSpPr>
-          <p:cNvPr id="2" name="Title 1"/>
-          <p:cNvSpPr>
-            <a:spLocks noGrp="1"/>
-          </p:cNvSpPr>
-          <p:nvPr>
-            <p:ph type="title"/>
-          </p:nvPr>
-        </p:nvSpPr>
-        <p:spPr>
-          <a:xfrm>
-            <a:off x="457200" y="274638"/>
-            <a:ext cx="8229600" cy="1020762"/>
-          </a:xfrm>
-        </p:spPr>
-        <p:txBody>
-          <a:bodyPr>
-            <a:normAutofit/>
-          </a:bodyPr>
-          <a:lstStyle/>
-          <a:p>
-            <a:r>
-              <a:rPr lang="en-GB" dirty="0" err="1" smtClean="0"/>
-              <a:t>Dijagram</a:t>
-            </a:r>
-            <a:r>
-              <a:rPr lang="en-GB" dirty="0" smtClean="0"/>
-              <a:t> </a:t>
-            </a:r>
-            <a:r>
-              <a:rPr lang="en-GB" dirty="0" err="1" smtClean="0"/>
-              <a:t>klasa</a:t>
-            </a:r>
-            <a:endParaRPr lang="bs-Latn-BA" dirty="0"/>
-          </a:p>
-        </p:txBody>
-      </p:sp>
-      <p:pic>
-        <p:nvPicPr>
-          <p:cNvPr id="22530" name="Picture 2" descr="D:\HeritageDev\OpisProjekta\ClassDiagram\Dijagram klasa.jpg"/>
-          <p:cNvPicPr>
-            <a:picLocks noGrp="1" noChangeAspect="1" noChangeArrowheads="1"/>
-          </p:cNvPicPr>
-          <p:nvPr>
-            <p:ph idx="1"/>
-          </p:nvPr>
-        </p:nvPicPr>
-        <p:blipFill>
-          <a:blip r:embed="rId2"/>
-          <a:srcRect/>
-          <a:stretch>
-            <a:fillRect/>
-          </a:stretch>
-        </p:blipFill>
-        <p:spPr bwMode="auto">
-          <a:xfrm>
-            <a:off x="0" y="1295400"/>
-            <a:ext cx="9144000" cy="5562600"/>
-          </a:xfrm>
-          <a:prstGeom prst="rect">
-            <a:avLst/>
-          </a:prstGeom>
-          <a:noFill/>
-        </p:spPr>
-      </p:pic>
-    </p:spTree>
-  </p:cSld>
-  <p:clrMapOvr>
-    <a:masterClrMapping/>
-  </p:clrMapOvr>
-  <p:timing>
-    <p:tnLst>
-      <p:par>
-        <p:cTn id="1" dur="indefinite" restart="never" nodeType="tmRoot"/>
-      </p:par>
-    </p:tnLst>
-  </p:timing>
-</p:sld>
-</file>
-
-<file path=ppt/slides/slide8.xml><?xml version="1.0" encoding="utf-8"?>
-<p:sld xmlns:a="http://schemas.openxmlformats.org/drawingml/2006/main" xmlns:r="http://schemas.openxmlformats.org/officeDocument/2006/relationships" xmlns:p="http://schemas.openxmlformats.org/presentationml/2006/main">
-  <p:cSld>
-    <p:spTree>
-      <p:nvGrpSpPr>
-        <p:cNvPr id="1" name=""/>
-        <p:cNvGrpSpPr/>
-        <p:nvPr/>
-      </p:nvGrpSpPr>
-      <p:grpSpPr>
-        <a:xfrm>
-          <a:off x="0" y="0"/>
-          <a:ext cx="0" cy="0"/>
-          <a:chOff x="0" y="0"/>
-          <a:chExt cx="0" cy="0"/>
-        </a:xfrm>
-      </p:grpSpPr>
-      <p:pic>
-        <p:nvPicPr>
-          <p:cNvPr id="23554" name="Picture 2" descr="C:\Users\Salem\Desktop\MVVM.png"/>
-          <p:cNvPicPr>
-            <a:picLocks noGrp="1" noChangeAspect="1" noChangeArrowheads="1"/>
-          </p:cNvPicPr>
-          <p:nvPr>
-            <p:ph idx="1"/>
-          </p:nvPr>
-        </p:nvPicPr>
-        <p:blipFill>
-          <a:blip r:embed="rId2"/>
-          <a:srcRect/>
-          <a:stretch>
-            <a:fillRect/>
-          </a:stretch>
-        </p:blipFill>
-        <p:spPr bwMode="auto">
-          <a:xfrm>
-            <a:off x="-1" y="1295400"/>
-            <a:ext cx="9144001" cy="5562600"/>
-          </a:xfrm>
-          <a:prstGeom prst="rect">
-            <a:avLst/>
-          </a:prstGeom>
-          <a:noFill/>
-        </p:spPr>
-      </p:pic>
-      <p:sp>
-        <p:nvSpPr>
-          <p:cNvPr id="2" name="Title 1"/>
-          <p:cNvSpPr>
-            <a:spLocks noGrp="1"/>
-          </p:cNvSpPr>
-          <p:nvPr>
-            <p:ph type="title"/>
-          </p:nvPr>
-        </p:nvSpPr>
-        <p:spPr>
-          <a:xfrm>
-            <a:off x="457200" y="274638"/>
-            <a:ext cx="8229600" cy="1020762"/>
-          </a:xfrm>
-        </p:spPr>
-        <p:txBody>
-          <a:bodyPr/>
-          <a:lstStyle/>
-          <a:p>
-            <a:r>
-              <a:rPr lang="en-GB" dirty="0" smtClean="0"/>
-              <a:t>MVVM</a:t>
-            </a:r>
-            <a:endParaRPr lang="bs-Latn-BA" dirty="0"/>
-          </a:p>
-        </p:txBody>
-      </p:sp>
       <p:pic>
         <p:nvPicPr>
           <p:cNvPr id="23558" name="Picture 6" descr="iTMY2Wo.png (1772×834)"/>
@@ -5385,6 +4175,62 @@
           <a:noFill/>
         </p:spPr>
       </p:pic>
+      <p:pic>
+        <p:nvPicPr>
+          <p:cNvPr id="23554" name="Picture 2" descr="C:\Users\Salem\Desktop\MVVM.png"/>
+          <p:cNvPicPr>
+            <a:picLocks noGrp="1" noChangeAspect="1" noChangeArrowheads="1"/>
+          </p:cNvPicPr>
+          <p:nvPr>
+            <p:ph idx="1"/>
+          </p:nvPr>
+        </p:nvPicPr>
+        <p:blipFill>
+          <a:blip r:embed="rId5"/>
+          <a:srcRect/>
+          <a:stretch>
+            <a:fillRect/>
+          </a:stretch>
+        </p:blipFill>
+        <p:spPr bwMode="auto">
+          <a:xfrm>
+            <a:off x="-1" y="1295400"/>
+            <a:ext cx="9144001" cy="5562600"/>
+          </a:xfrm>
+          <a:prstGeom prst="rect">
+            <a:avLst/>
+          </a:prstGeom>
+          <a:noFill/>
+        </p:spPr>
+      </p:pic>
+      <p:sp>
+        <p:nvSpPr>
+          <p:cNvPr id="2" name="Title 1"/>
+          <p:cNvSpPr>
+            <a:spLocks noGrp="1"/>
+          </p:cNvSpPr>
+          <p:nvPr>
+            <p:ph type="title"/>
+          </p:nvPr>
+        </p:nvSpPr>
+        <p:spPr>
+          <a:xfrm>
+            <a:off x="457200" y="274638"/>
+            <a:ext cx="8229600" cy="1020762"/>
+          </a:xfrm>
+        </p:spPr>
+        <p:txBody>
+          <a:bodyPr/>
+          <a:lstStyle/>
+          <a:p>
+            <a:r>
+              <a:rPr lang="en-GB" dirty="0" smtClean="0"/>
+              <a:t>MVVM</a:t>
+            </a:r>
+            <a:endParaRPr lang="bs-Latn-BA" dirty="0"/>
+          </a:p>
+        </p:txBody>
+      </p:sp>
     </p:spTree>
   </p:cSld>
   <p:clrMapOvr>
@@ -5599,6 +4445,1846 @@
 </p:sld>
 </file>
 
+<file path=ppt/slides/slide11.xml><?xml version="1.0" encoding="utf-8"?>
+<p:sld xmlns:a="http://schemas.openxmlformats.org/drawingml/2006/main" xmlns:r="http://schemas.openxmlformats.org/officeDocument/2006/relationships" xmlns:p="http://schemas.openxmlformats.org/presentationml/2006/main">
+  <p:cSld>
+    <p:spTree>
+      <p:nvGrpSpPr>
+        <p:cNvPr id="1" name=""/>
+        <p:cNvGrpSpPr/>
+        <p:nvPr/>
+      </p:nvGrpSpPr>
+      <p:grpSpPr>
+        <a:xfrm>
+          <a:off x="0" y="0"/>
+          <a:ext cx="0" cy="0"/>
+          <a:chOff x="0" y="0"/>
+          <a:chExt cx="0" cy="0"/>
+        </a:xfrm>
+      </p:grpSpPr>
+      <p:sp>
+        <p:nvSpPr>
+          <p:cNvPr id="2" name="Title 1"/>
+          <p:cNvSpPr>
+            <a:spLocks noGrp="1"/>
+          </p:cNvSpPr>
+          <p:nvPr>
+            <p:ph type="title"/>
+          </p:nvPr>
+        </p:nvSpPr>
+        <p:spPr>
+          <a:xfrm>
+            <a:off x="457200" y="274638"/>
+            <a:ext cx="8229600" cy="1020762"/>
+          </a:xfrm>
+        </p:spPr>
+        <p:txBody>
+          <a:bodyPr/>
+          <a:lstStyle/>
+          <a:p>
+            <a:r>
+              <a:rPr lang="en-GB" dirty="0" err="1" smtClean="0"/>
+              <a:t>Vanjski</a:t>
+            </a:r>
+            <a:r>
+              <a:rPr lang="en-GB" dirty="0" smtClean="0"/>
+              <a:t> </a:t>
+            </a:r>
+            <a:r>
+              <a:rPr lang="en-GB" dirty="0" err="1" smtClean="0"/>
+              <a:t>ure</a:t>
+            </a:r>
+            <a:r>
+              <a:rPr lang="bs-Latn-BA" dirty="0" smtClean="0"/>
+              <a:t>đ</a:t>
+            </a:r>
+            <a:r>
+              <a:rPr lang="en-GB" dirty="0" err="1" smtClean="0"/>
+              <a:t>aji</a:t>
+            </a:r>
+            <a:endParaRPr lang="bs-Latn-BA" dirty="0"/>
+          </a:p>
+        </p:txBody>
+      </p:sp>
+      <p:sp>
+        <p:nvSpPr>
+          <p:cNvPr id="3" name="Content Placeholder 2"/>
+          <p:cNvSpPr>
+            <a:spLocks noGrp="1"/>
+          </p:cNvSpPr>
+          <p:nvPr>
+            <p:ph idx="1"/>
+          </p:nvPr>
+        </p:nvSpPr>
+        <p:spPr/>
+        <p:txBody>
+          <a:bodyPr/>
+          <a:lstStyle/>
+          <a:p>
+            <a:r>
+              <a:rPr lang="bs-Latn-BA" dirty="0" smtClean="0"/>
+              <a:t>Printer</a:t>
+            </a:r>
+          </a:p>
+          <a:p>
+            <a:endParaRPr lang="bs-Latn-BA" dirty="0"/>
+          </a:p>
+        </p:txBody>
+      </p:sp>
+      <p:pic>
+        <p:nvPicPr>
+          <p:cNvPr id="25602" name="Picture 2" descr="C:\Users\Salem\Desktop\focus1690_01_large-600x600.png"/>
+          <p:cNvPicPr>
+            <a:picLocks noChangeAspect="1" noChangeArrowheads="1"/>
+          </p:cNvPicPr>
+          <p:nvPr/>
+        </p:nvPicPr>
+        <p:blipFill>
+          <a:blip r:embed="rId2"/>
+          <a:srcRect/>
+          <a:stretch>
+            <a:fillRect/>
+          </a:stretch>
+        </p:blipFill>
+        <p:spPr bwMode="auto">
+          <a:xfrm>
+            <a:off x="2133600" y="2362200"/>
+            <a:ext cx="4802312" cy="3606800"/>
+          </a:xfrm>
+          <a:prstGeom prst="rect">
+            <a:avLst/>
+          </a:prstGeom>
+          <a:noFill/>
+        </p:spPr>
+      </p:pic>
+    </p:spTree>
+  </p:cSld>
+  <p:clrMapOvr>
+    <a:masterClrMapping/>
+  </p:clrMapOvr>
+  <p:timing>
+    <p:tnLst>
+      <p:par>
+        <p:cTn id="1" dur="indefinite" restart="never" nodeType="tmRoot"/>
+      </p:par>
+    </p:tnLst>
+  </p:timing>
+</p:sld>
+</file>
+
+<file path=ppt/slides/slide12.xml><?xml version="1.0" encoding="utf-8"?>
+<p:sld xmlns:a="http://schemas.openxmlformats.org/drawingml/2006/main" xmlns:r="http://schemas.openxmlformats.org/officeDocument/2006/relationships" xmlns:p="http://schemas.openxmlformats.org/presentationml/2006/main">
+  <p:cSld>
+    <p:spTree>
+      <p:nvGrpSpPr>
+        <p:cNvPr id="1" name=""/>
+        <p:cNvGrpSpPr/>
+        <p:nvPr/>
+      </p:nvGrpSpPr>
+      <p:grpSpPr>
+        <a:xfrm>
+          <a:off x="0" y="0"/>
+          <a:ext cx="0" cy="0"/>
+          <a:chOff x="0" y="0"/>
+          <a:chExt cx="0" cy="0"/>
+        </a:xfrm>
+      </p:grpSpPr>
+      <p:sp>
+        <p:nvSpPr>
+          <p:cNvPr id="2" name="Title 1"/>
+          <p:cNvSpPr>
+            <a:spLocks noGrp="1"/>
+          </p:cNvSpPr>
+          <p:nvPr>
+            <p:ph type="title"/>
+          </p:nvPr>
+        </p:nvSpPr>
+        <p:spPr>
+          <a:xfrm>
+            <a:off x="457200" y="274638"/>
+            <a:ext cx="8229600" cy="1020762"/>
+          </a:xfrm>
+        </p:spPr>
+        <p:txBody>
+          <a:bodyPr/>
+          <a:lstStyle/>
+          <a:p>
+            <a:r>
+              <a:rPr lang="bs-Latn-BA" dirty="0" smtClean="0"/>
+              <a:t>Pristup bazi</a:t>
+            </a:r>
+            <a:endParaRPr lang="bs-Latn-BA" dirty="0"/>
+          </a:p>
+        </p:txBody>
+      </p:sp>
+      <p:sp>
+        <p:nvSpPr>
+          <p:cNvPr id="3" name="Content Placeholder 2"/>
+          <p:cNvSpPr>
+            <a:spLocks noGrp="1"/>
+          </p:cNvSpPr>
+          <p:nvPr>
+            <p:ph idx="1"/>
+          </p:nvPr>
+        </p:nvSpPr>
+        <p:spPr/>
+        <p:txBody>
+          <a:bodyPr/>
+          <a:lstStyle/>
+          <a:p>
+            <a:r>
+              <a:rPr lang="bs-Latn-BA" dirty="0" smtClean="0"/>
+              <a:t>Bla bla</a:t>
+            </a:r>
+            <a:endParaRPr lang="bs-Latn-BA" dirty="0"/>
+          </a:p>
+        </p:txBody>
+      </p:sp>
+    </p:spTree>
+  </p:cSld>
+  <p:clrMapOvr>
+    <a:masterClrMapping/>
+  </p:clrMapOvr>
+  <p:timing>
+    <p:tnLst>
+      <p:par>
+        <p:cTn id="1" dur="indefinite" restart="never" nodeType="tmRoot"/>
+      </p:par>
+    </p:tnLst>
+  </p:timing>
+</p:sld>
+</file>
+
+<file path=ppt/slides/slide13.xml><?xml version="1.0" encoding="utf-8"?>
+<p:sld xmlns:a="http://schemas.openxmlformats.org/drawingml/2006/main" xmlns:r="http://schemas.openxmlformats.org/officeDocument/2006/relationships" xmlns:p="http://schemas.openxmlformats.org/presentationml/2006/main">
+  <p:cSld>
+    <p:spTree>
+      <p:nvGrpSpPr>
+        <p:cNvPr id="1" name=""/>
+        <p:cNvGrpSpPr/>
+        <p:nvPr/>
+      </p:nvGrpSpPr>
+      <p:grpSpPr>
+        <a:xfrm>
+          <a:off x="0" y="0"/>
+          <a:ext cx="0" cy="0"/>
+          <a:chOff x="0" y="0"/>
+          <a:chExt cx="0" cy="0"/>
+        </a:xfrm>
+      </p:grpSpPr>
+      <p:sp>
+        <p:nvSpPr>
+          <p:cNvPr id="2" name="Title 1"/>
+          <p:cNvSpPr>
+            <a:spLocks noGrp="1"/>
+          </p:cNvSpPr>
+          <p:nvPr>
+            <p:ph type="title"/>
+          </p:nvPr>
+        </p:nvSpPr>
+        <p:spPr>
+          <a:xfrm>
+            <a:off x="457200" y="274638"/>
+            <a:ext cx="8229600" cy="1020762"/>
+          </a:xfrm>
+        </p:spPr>
+        <p:txBody>
+          <a:bodyPr>
+            <a:normAutofit/>
+          </a:bodyPr>
+          <a:lstStyle/>
+          <a:p>
+            <a:r>
+              <a:rPr lang="en-US" dirty="0" err="1" smtClean="0"/>
+              <a:t>Aplikacija</a:t>
+            </a:r>
+            <a:endParaRPr lang="bs-Latn-BA" dirty="0"/>
+          </a:p>
+        </p:txBody>
+      </p:sp>
+      <p:sp>
+        <p:nvSpPr>
+          <p:cNvPr id="3" name="Content Placeholder 2"/>
+          <p:cNvSpPr>
+            <a:spLocks noGrp="1"/>
+          </p:cNvSpPr>
+          <p:nvPr>
+            <p:ph idx="1"/>
+          </p:nvPr>
+        </p:nvSpPr>
+        <p:spPr/>
+        <p:txBody>
+          <a:bodyPr/>
+          <a:lstStyle/>
+          <a:p>
+            <a:r>
+              <a:rPr lang="en-US" dirty="0" err="1" smtClean="0"/>
+              <a:t>Slika</a:t>
+            </a:r>
+            <a:r>
+              <a:rPr lang="en-US" dirty="0" smtClean="0"/>
+              <a:t> 1 2</a:t>
+            </a:r>
+            <a:endParaRPr lang="bs-Latn-BA" dirty="0"/>
+          </a:p>
+        </p:txBody>
+      </p:sp>
+    </p:spTree>
+  </p:cSld>
+  <p:clrMapOvr>
+    <a:masterClrMapping/>
+  </p:clrMapOvr>
+</p:sld>
+</file>
+
+<file path=ppt/slides/slide14.xml><?xml version="1.0" encoding="utf-8"?>
+<p:sld xmlns:a="http://schemas.openxmlformats.org/drawingml/2006/main" xmlns:r="http://schemas.openxmlformats.org/officeDocument/2006/relationships" xmlns:p="http://schemas.openxmlformats.org/presentationml/2006/main">
+  <p:cSld>
+    <p:spTree>
+      <p:nvGrpSpPr>
+        <p:cNvPr id="1" name=""/>
+        <p:cNvGrpSpPr/>
+        <p:nvPr/>
+      </p:nvGrpSpPr>
+      <p:grpSpPr>
+        <a:xfrm>
+          <a:off x="0" y="0"/>
+          <a:ext cx="0" cy="0"/>
+          <a:chOff x="0" y="0"/>
+          <a:chExt cx="0" cy="0"/>
+        </a:xfrm>
+      </p:grpSpPr>
+      <p:sp>
+        <p:nvSpPr>
+          <p:cNvPr id="2" name="Title 1"/>
+          <p:cNvSpPr>
+            <a:spLocks noGrp="1"/>
+          </p:cNvSpPr>
+          <p:nvPr>
+            <p:ph type="title"/>
+          </p:nvPr>
+        </p:nvSpPr>
+        <p:spPr>
+          <a:xfrm>
+            <a:off x="457200" y="274638"/>
+            <a:ext cx="8229600" cy="1020762"/>
+          </a:xfrm>
+        </p:spPr>
+        <p:txBody>
+          <a:bodyPr/>
+          <a:lstStyle/>
+          <a:p>
+            <a:r>
+              <a:rPr lang="en-US" dirty="0" err="1" smtClean="0"/>
+              <a:t>mobi</a:t>
+            </a:r>
+            <a:endParaRPr lang="bs-Latn-BA" dirty="0"/>
+          </a:p>
+        </p:txBody>
+      </p:sp>
+      <p:sp>
+        <p:nvSpPr>
+          <p:cNvPr id="3" name="Content Placeholder 2"/>
+          <p:cNvSpPr>
+            <a:spLocks noGrp="1"/>
+          </p:cNvSpPr>
+          <p:nvPr>
+            <p:ph idx="1"/>
+          </p:nvPr>
+        </p:nvSpPr>
+        <p:spPr/>
+        <p:txBody>
+          <a:bodyPr/>
+          <a:lstStyle/>
+          <a:p>
+            <a:r>
+              <a:rPr lang="en-US" dirty="0" err="1" smtClean="0"/>
+              <a:t>Slika</a:t>
+            </a:r>
+            <a:endParaRPr lang="en-US" dirty="0" smtClean="0"/>
+          </a:p>
+          <a:p>
+            <a:endParaRPr lang="bs-Latn-BA" dirty="0"/>
+          </a:p>
+        </p:txBody>
+      </p:sp>
+    </p:spTree>
+  </p:cSld>
+  <p:clrMapOvr>
+    <a:masterClrMapping/>
+  </p:clrMapOvr>
+</p:sld>
+</file>
+
+<file path=ppt/slides/slide15.xml><?xml version="1.0" encoding="utf-8"?>
+<p:sld xmlns:a="http://schemas.openxmlformats.org/drawingml/2006/main" xmlns:r="http://schemas.openxmlformats.org/officeDocument/2006/relationships" xmlns:p="http://schemas.openxmlformats.org/presentationml/2006/main">
+  <p:cSld>
+    <p:spTree>
+      <p:nvGrpSpPr>
+        <p:cNvPr id="1" name=""/>
+        <p:cNvGrpSpPr/>
+        <p:nvPr/>
+      </p:nvGrpSpPr>
+      <p:grpSpPr>
+        <a:xfrm>
+          <a:off x="0" y="0"/>
+          <a:ext cx="0" cy="0"/>
+          <a:chOff x="0" y="0"/>
+          <a:chExt cx="0" cy="0"/>
+        </a:xfrm>
+      </p:grpSpPr>
+      <p:sp>
+        <p:nvSpPr>
+          <p:cNvPr id="2" name="Title 1"/>
+          <p:cNvSpPr>
+            <a:spLocks noGrp="1"/>
+          </p:cNvSpPr>
+          <p:nvPr>
+            <p:ph type="title"/>
+          </p:nvPr>
+        </p:nvSpPr>
+        <p:spPr>
+          <a:xfrm>
+            <a:off x="457200" y="274638"/>
+            <a:ext cx="8229600" cy="1020762"/>
+          </a:xfrm>
+        </p:spPr>
+        <p:txBody>
+          <a:bodyPr/>
+          <a:lstStyle/>
+          <a:p>
+            <a:r>
+              <a:rPr lang="bs-Latn-BA" dirty="0" smtClean="0"/>
+              <a:t>Igra - potapanje brodova</a:t>
+            </a:r>
+            <a:endParaRPr lang="bs-Latn-BA" dirty="0"/>
+          </a:p>
+        </p:txBody>
+      </p:sp>
+      <p:sp>
+        <p:nvSpPr>
+          <p:cNvPr id="3" name="Content Placeholder 2"/>
+          <p:cNvSpPr>
+            <a:spLocks noGrp="1"/>
+          </p:cNvSpPr>
+          <p:nvPr>
+            <p:ph idx="1"/>
+          </p:nvPr>
+        </p:nvSpPr>
+        <p:spPr/>
+        <p:txBody>
+          <a:bodyPr>
+            <a:normAutofit fontScale="92500" lnSpcReduction="20000"/>
+          </a:bodyPr>
+          <a:lstStyle/>
+          <a:p>
+            <a:pPr algn="just"/>
+            <a:r>
+              <a:rPr lang="bs-Latn-BA" dirty="0"/>
+              <a:t>Igrač na početku igre treba da rasporedi svoje brodove na mapu polja 10x10. </a:t>
+            </a:r>
+            <a:endParaRPr lang="bs-Latn-BA" dirty="0" smtClean="0"/>
+          </a:p>
+          <a:p>
+            <a:pPr algn="just"/>
+            <a:r>
+              <a:rPr lang="bs-Latn-BA" dirty="0" smtClean="0"/>
+              <a:t>Igrač </a:t>
+            </a:r>
+            <a:r>
+              <a:rPr lang="bs-Latn-BA" dirty="0"/>
+              <a:t>posjeduje 5 brodova i to: </a:t>
+            </a:r>
+          </a:p>
+          <a:p>
+            <a:pPr lvl="1" algn="just"/>
+            <a:r>
+              <a:rPr lang="bs-Latn-BA" dirty="0"/>
+              <a:t>1 brod veličine 5x1 (nosač aviona)</a:t>
+            </a:r>
+          </a:p>
+          <a:p>
+            <a:pPr lvl="1" algn="just"/>
+            <a:r>
+              <a:rPr lang="bs-Latn-BA" dirty="0"/>
+              <a:t>2 broda veličine 4x1 (razarač)</a:t>
+            </a:r>
+          </a:p>
+          <a:p>
+            <a:pPr lvl="1" algn="just"/>
+            <a:r>
+              <a:rPr lang="bs-Latn-BA" dirty="0"/>
+              <a:t>1 brod veličine 3x1 (podmornica)</a:t>
+            </a:r>
+          </a:p>
+          <a:p>
+            <a:pPr lvl="1" algn="just"/>
+            <a:r>
+              <a:rPr lang="bs-Latn-BA" dirty="0"/>
+              <a:t>1 brod </a:t>
+            </a:r>
+            <a:r>
+              <a:rPr lang="bs-Latn-BA" dirty="0" smtClean="0"/>
+              <a:t>veličine </a:t>
+            </a:r>
+            <a:r>
+              <a:rPr lang="bs-Latn-BA" dirty="0"/>
+              <a:t>2x1 (korveta</a:t>
+            </a:r>
+            <a:r>
+              <a:rPr lang="bs-Latn-BA" dirty="0" smtClean="0"/>
+              <a:t>)</a:t>
+            </a:r>
+          </a:p>
+          <a:p>
+            <a:pPr algn="just"/>
+            <a:r>
+              <a:rPr lang="bs-Latn-BA" dirty="0"/>
+              <a:t>Cilj igre je da se topovima vlastitih brodova potope brodovi protivnika. </a:t>
+            </a:r>
+          </a:p>
+          <a:p>
+            <a:pPr algn="just"/>
+            <a:r>
+              <a:rPr lang="bs-Latn-BA" dirty="0"/>
+              <a:t>Pobjednik je onaj igrač koji prije potopi sve protivničke brodove.</a:t>
+            </a:r>
+          </a:p>
+          <a:p>
+            <a:endParaRPr lang="bs-Latn-BA" dirty="0"/>
+          </a:p>
+        </p:txBody>
+      </p:sp>
+    </p:spTree>
+  </p:cSld>
+  <p:clrMapOvr>
+    <a:masterClrMapping/>
+  </p:clrMapOvr>
+  <p:timing>
+    <p:tnLst>
+      <p:par>
+        <p:cTn id="1" dur="indefinite" restart="never" nodeType="tmRoot"/>
+      </p:par>
+    </p:tnLst>
+  </p:timing>
+</p:sld>
+</file>
+
+<file path=ppt/slides/slide16.xml><?xml version="1.0" encoding="utf-8"?>
+<p:sld xmlns:a="http://schemas.openxmlformats.org/drawingml/2006/main" xmlns:r="http://schemas.openxmlformats.org/officeDocument/2006/relationships" xmlns:p="http://schemas.openxmlformats.org/presentationml/2006/main">
+  <p:cSld>
+    <p:spTree>
+      <p:nvGrpSpPr>
+        <p:cNvPr id="1" name=""/>
+        <p:cNvGrpSpPr/>
+        <p:nvPr/>
+      </p:nvGrpSpPr>
+      <p:grpSpPr>
+        <a:xfrm>
+          <a:off x="0" y="0"/>
+          <a:ext cx="0" cy="0"/>
+          <a:chOff x="0" y="0"/>
+          <a:chExt cx="0" cy="0"/>
+        </a:xfrm>
+      </p:grpSpPr>
+      <p:sp>
+        <p:nvSpPr>
+          <p:cNvPr id="2" name="Title 1"/>
+          <p:cNvSpPr>
+            <a:spLocks noGrp="1"/>
+          </p:cNvSpPr>
+          <p:nvPr>
+            <p:ph type="title"/>
+          </p:nvPr>
+        </p:nvSpPr>
+        <p:spPr>
+          <a:xfrm>
+            <a:off x="457200" y="274638"/>
+            <a:ext cx="8229600" cy="1020762"/>
+          </a:xfrm>
+        </p:spPr>
+        <p:txBody>
+          <a:bodyPr/>
+          <a:lstStyle/>
+          <a:p>
+            <a:r>
+              <a:rPr lang="bs-Latn-BA" dirty="0" smtClean="0"/>
+              <a:t>Igra - potapanje brodova</a:t>
+            </a:r>
+            <a:endParaRPr lang="bs-Latn-BA" dirty="0"/>
+          </a:p>
+        </p:txBody>
+      </p:sp>
+      <p:pic>
+        <p:nvPicPr>
+          <p:cNvPr id="26626" name="Picture 2" descr="D:\HeritageDev\OpisIgrice\DijagramKlasa.jpg"/>
+          <p:cNvPicPr>
+            <a:picLocks noGrp="1" noChangeAspect="1" noChangeArrowheads="1"/>
+          </p:cNvPicPr>
+          <p:nvPr>
+            <p:ph idx="1"/>
+          </p:nvPr>
+        </p:nvPicPr>
+        <p:blipFill>
+          <a:blip r:embed="rId3"/>
+          <a:srcRect/>
+          <a:stretch>
+            <a:fillRect/>
+          </a:stretch>
+        </p:blipFill>
+        <p:spPr bwMode="auto">
+          <a:xfrm>
+            <a:off x="228600" y="2362200"/>
+            <a:ext cx="8726713" cy="3810000"/>
+          </a:xfrm>
+          <a:prstGeom prst="rect">
+            <a:avLst/>
+          </a:prstGeom>
+          <a:noFill/>
+        </p:spPr>
+      </p:pic>
+      <p:sp>
+        <p:nvSpPr>
+          <p:cNvPr id="5" name="TextBox 4"/>
+          <p:cNvSpPr txBox="1"/>
+          <p:nvPr/>
+        </p:nvSpPr>
+        <p:spPr>
+          <a:xfrm>
+            <a:off x="533400" y="1600200"/>
+            <a:ext cx="2557239" cy="553998"/>
+          </a:xfrm>
+          <a:prstGeom prst="rect">
+            <a:avLst/>
+          </a:prstGeom>
+          <a:noFill/>
+        </p:spPr>
+        <p:txBody>
+          <a:bodyPr wrap="none" rtlCol="0">
+            <a:spAutoFit/>
+          </a:bodyPr>
+          <a:lstStyle/>
+          <a:p>
+            <a:r>
+              <a:rPr lang="bs-Latn-BA" sz="3000" dirty="0" smtClean="0"/>
+              <a:t>Dijagram klasa</a:t>
+            </a:r>
+            <a:r>
+              <a:rPr lang="en-GB" sz="3000" dirty="0" smtClean="0"/>
+              <a:t>:</a:t>
+            </a:r>
+            <a:endParaRPr lang="bs-Latn-BA" sz="3000" dirty="0"/>
+          </a:p>
+        </p:txBody>
+      </p:sp>
+    </p:spTree>
+  </p:cSld>
+  <p:clrMapOvr>
+    <a:masterClrMapping/>
+  </p:clrMapOvr>
+  <p:timing>
+    <p:tnLst>
+      <p:par>
+        <p:cTn id="1" dur="indefinite" restart="never" nodeType="tmRoot"/>
+      </p:par>
+    </p:tnLst>
+  </p:timing>
+</p:sld>
+</file>
+
+<file path=ppt/slides/slide17.xml><?xml version="1.0" encoding="utf-8"?>
+<p:sld xmlns:a="http://schemas.openxmlformats.org/drawingml/2006/main" xmlns:r="http://schemas.openxmlformats.org/officeDocument/2006/relationships" xmlns:p="http://schemas.openxmlformats.org/presentationml/2006/main">
+  <p:cSld>
+    <p:spTree>
+      <p:nvGrpSpPr>
+        <p:cNvPr id="1" name=""/>
+        <p:cNvGrpSpPr/>
+        <p:nvPr/>
+      </p:nvGrpSpPr>
+      <p:grpSpPr>
+        <a:xfrm>
+          <a:off x="0" y="0"/>
+          <a:ext cx="0" cy="0"/>
+          <a:chOff x="0" y="0"/>
+          <a:chExt cx="0" cy="0"/>
+        </a:xfrm>
+      </p:grpSpPr>
+      <p:sp>
+        <p:nvSpPr>
+          <p:cNvPr id="2" name="Title 1"/>
+          <p:cNvSpPr>
+            <a:spLocks noGrp="1"/>
+          </p:cNvSpPr>
+          <p:nvPr>
+            <p:ph type="title"/>
+          </p:nvPr>
+        </p:nvSpPr>
+        <p:spPr>
+          <a:xfrm>
+            <a:off x="457200" y="274638"/>
+            <a:ext cx="8229600" cy="1020762"/>
+          </a:xfrm>
+        </p:spPr>
+        <p:txBody>
+          <a:bodyPr>
+            <a:normAutofit/>
+          </a:bodyPr>
+          <a:lstStyle/>
+          <a:p>
+            <a:r>
+              <a:rPr lang="en-US" dirty="0" err="1" smtClean="0"/>
+              <a:t>Igra</a:t>
+            </a:r>
+            <a:endParaRPr lang="bs-Latn-BA" dirty="0"/>
+          </a:p>
+        </p:txBody>
+      </p:sp>
+      <p:sp>
+        <p:nvSpPr>
+          <p:cNvPr id="3" name="Content Placeholder 2"/>
+          <p:cNvSpPr>
+            <a:spLocks noGrp="1"/>
+          </p:cNvSpPr>
+          <p:nvPr>
+            <p:ph idx="1"/>
+          </p:nvPr>
+        </p:nvSpPr>
+        <p:spPr/>
+        <p:txBody>
+          <a:bodyPr/>
+          <a:lstStyle/>
+          <a:p>
+            <a:r>
+              <a:rPr lang="en-US" dirty="0" err="1" smtClean="0"/>
+              <a:t>Slika</a:t>
+            </a:r>
+            <a:endParaRPr lang="en-US" dirty="0" smtClean="0"/>
+          </a:p>
+          <a:p>
+            <a:endParaRPr lang="bs-Latn-BA" dirty="0"/>
+          </a:p>
+        </p:txBody>
+      </p:sp>
+    </p:spTree>
+  </p:cSld>
+  <p:clrMapOvr>
+    <a:masterClrMapping/>
+  </p:clrMapOvr>
+</p:sld>
+</file>
+
+<file path=ppt/slides/slide18.xml><?xml version="1.0" encoding="utf-8"?>
+<p:sld xmlns:a="http://schemas.openxmlformats.org/drawingml/2006/main" xmlns:r="http://schemas.openxmlformats.org/officeDocument/2006/relationships" xmlns:p="http://schemas.openxmlformats.org/presentationml/2006/main">
+  <p:cSld>
+    <p:spTree>
+      <p:nvGrpSpPr>
+        <p:cNvPr id="1" name=""/>
+        <p:cNvGrpSpPr/>
+        <p:nvPr/>
+      </p:nvGrpSpPr>
+      <p:grpSpPr>
+        <a:xfrm>
+          <a:off x="0" y="0"/>
+          <a:ext cx="0" cy="0"/>
+          <a:chOff x="0" y="0"/>
+          <a:chExt cx="0" cy="0"/>
+        </a:xfrm>
+      </p:grpSpPr>
+      <p:sp>
+        <p:nvSpPr>
+          <p:cNvPr id="2" name="Title 1"/>
+          <p:cNvSpPr>
+            <a:spLocks noGrp="1"/>
+          </p:cNvSpPr>
+          <p:nvPr>
+            <p:ph type="title"/>
+          </p:nvPr>
+        </p:nvSpPr>
+        <p:spPr>
+          <a:xfrm>
+            <a:off x="457200" y="274638"/>
+            <a:ext cx="8229600" cy="1020762"/>
+          </a:xfrm>
+        </p:spPr>
+        <p:txBody>
+          <a:bodyPr/>
+          <a:lstStyle/>
+          <a:p>
+            <a:endParaRPr lang="bs-Latn-BA" dirty="0"/>
+          </a:p>
+        </p:txBody>
+      </p:sp>
+      <p:sp>
+        <p:nvSpPr>
+          <p:cNvPr id="3" name="Content Placeholder 2"/>
+          <p:cNvSpPr>
+            <a:spLocks noGrp="1"/>
+          </p:cNvSpPr>
+          <p:nvPr>
+            <p:ph idx="1"/>
+          </p:nvPr>
+        </p:nvSpPr>
+        <p:spPr/>
+        <p:txBody>
+          <a:bodyPr/>
+          <a:lstStyle/>
+          <a:p>
+            <a:r>
+              <a:rPr lang="en-US" dirty="0" err="1" smtClean="0"/>
+              <a:t>Hvala</a:t>
+            </a:r>
+            <a:r>
+              <a:rPr lang="en-US" dirty="0" smtClean="0"/>
+              <a:t> </a:t>
+            </a:r>
+            <a:r>
+              <a:rPr lang="en-US" dirty="0" err="1" smtClean="0"/>
+              <a:t>na</a:t>
+            </a:r>
+            <a:r>
+              <a:rPr lang="en-US" dirty="0" smtClean="0"/>
+              <a:t> </a:t>
+            </a:r>
+            <a:r>
+              <a:rPr lang="en-US" dirty="0" err="1" smtClean="0"/>
+              <a:t>paznji</a:t>
+            </a:r>
+            <a:endParaRPr lang="en-US" dirty="0" smtClean="0"/>
+          </a:p>
+          <a:p>
+            <a:r>
+              <a:rPr lang="en-US" dirty="0" smtClean="0"/>
+              <a:t>???????????</a:t>
+            </a:r>
+          </a:p>
+          <a:p>
+            <a:endParaRPr lang="en-US" dirty="0" smtClean="0"/>
+          </a:p>
+          <a:p>
+            <a:endParaRPr lang="bs-Latn-BA" dirty="0"/>
+          </a:p>
+        </p:txBody>
+      </p:sp>
+    </p:spTree>
+  </p:cSld>
+  <p:clrMapOvr>
+    <a:masterClrMapping/>
+  </p:clrMapOvr>
+</p:sld>
+</file>
+
+<file path=ppt/slides/slide2.xml><?xml version="1.0" encoding="utf-8"?>
+<p:sld xmlns:a="http://schemas.openxmlformats.org/drawingml/2006/main" xmlns:r="http://schemas.openxmlformats.org/officeDocument/2006/relationships" xmlns:p="http://schemas.openxmlformats.org/presentationml/2006/main">
+  <p:cSld>
+    <p:spTree>
+      <p:nvGrpSpPr>
+        <p:cNvPr id="1" name=""/>
+        <p:cNvGrpSpPr/>
+        <p:nvPr/>
+      </p:nvGrpSpPr>
+      <p:grpSpPr>
+        <a:xfrm>
+          <a:off x="0" y="0"/>
+          <a:ext cx="0" cy="0"/>
+          <a:chOff x="0" y="0"/>
+          <a:chExt cx="0" cy="0"/>
+        </a:xfrm>
+      </p:grpSpPr>
+      <p:sp>
+        <p:nvSpPr>
+          <p:cNvPr id="2" name="Title 1"/>
+          <p:cNvSpPr>
+            <a:spLocks noGrp="1"/>
+          </p:cNvSpPr>
+          <p:nvPr>
+            <p:ph type="title"/>
+          </p:nvPr>
+        </p:nvSpPr>
+        <p:spPr>
+          <a:xfrm>
+            <a:off x="457200" y="304800"/>
+            <a:ext cx="8229600" cy="990600"/>
+          </a:xfrm>
+        </p:spPr>
+        <p:txBody>
+          <a:bodyPr>
+            <a:normAutofit/>
+          </a:bodyPr>
+          <a:lstStyle/>
+          <a:p>
+            <a:r>
+              <a:rPr lang="bs-Latn-BA" b="1" dirty="0"/>
+              <a:t>Opis </a:t>
+            </a:r>
+            <a:r>
+              <a:rPr lang="bs-Latn-BA" b="1" dirty="0" smtClean="0"/>
+              <a:t>projekta</a:t>
+            </a:r>
+            <a:endParaRPr lang="bs-Latn-BA" b="1" dirty="0"/>
+          </a:p>
+        </p:txBody>
+      </p:sp>
+      <p:sp>
+        <p:nvSpPr>
+          <p:cNvPr id="3" name="Content Placeholder 2"/>
+          <p:cNvSpPr>
+            <a:spLocks noGrp="1"/>
+          </p:cNvSpPr>
+          <p:nvPr>
+            <p:ph idx="1"/>
+          </p:nvPr>
+        </p:nvSpPr>
+        <p:spPr>
+          <a:xfrm>
+            <a:off x="457200" y="1600200"/>
+            <a:ext cx="8229600" cy="4571999"/>
+          </a:xfrm>
+        </p:spPr>
+        <p:txBody>
+          <a:bodyPr>
+            <a:normAutofit/>
+          </a:bodyPr>
+          <a:lstStyle/>
+          <a:p>
+            <a:pPr algn="just"/>
+            <a:r>
+              <a:rPr lang="vi-VN" dirty="0" smtClean="0"/>
+              <a:t>IT-Shop je kompanija koja se bavi prodajom i servisom računara i računarske opreme</a:t>
+            </a:r>
+            <a:r>
+              <a:rPr lang="vi-VN" dirty="0" smtClean="0"/>
+              <a:t>.</a:t>
+            </a:r>
+            <a:endParaRPr lang="bs-Latn-BA" dirty="0" smtClean="0"/>
+          </a:p>
+        </p:txBody>
+      </p:sp>
+    </p:spTree>
+  </p:cSld>
+  <p:clrMapOvr>
+    <a:masterClrMapping/>
+  </p:clrMapOvr>
+  <p:timing>
+    <p:tnLst>
+      <p:par>
+        <p:cTn id="1" dur="indefinite" restart="never" nodeType="tmRoot"/>
+      </p:par>
+    </p:tnLst>
+  </p:timing>
+</p:sld>
+</file>
+
+<file path=ppt/slides/slide3.xml><?xml version="1.0" encoding="utf-8"?>
+<p:sld xmlns:a="http://schemas.openxmlformats.org/drawingml/2006/main" xmlns:r="http://schemas.openxmlformats.org/officeDocument/2006/relationships" xmlns:p="http://schemas.openxmlformats.org/presentationml/2006/main">
+  <p:cSld>
+    <p:spTree>
+      <p:nvGrpSpPr>
+        <p:cNvPr id="1" name=""/>
+        <p:cNvGrpSpPr/>
+        <p:nvPr/>
+      </p:nvGrpSpPr>
+      <p:grpSpPr>
+        <a:xfrm>
+          <a:off x="0" y="0"/>
+          <a:ext cx="0" cy="0"/>
+          <a:chOff x="0" y="0"/>
+          <a:chExt cx="0" cy="0"/>
+        </a:xfrm>
+      </p:grpSpPr>
+      <p:sp>
+        <p:nvSpPr>
+          <p:cNvPr id="2" name="Title 1"/>
+          <p:cNvSpPr>
+            <a:spLocks noGrp="1"/>
+          </p:cNvSpPr>
+          <p:nvPr>
+            <p:ph type="title"/>
+          </p:nvPr>
+        </p:nvSpPr>
+        <p:spPr>
+          <a:xfrm>
+            <a:off x="457200" y="304800"/>
+            <a:ext cx="8229600" cy="990600"/>
+          </a:xfrm>
+        </p:spPr>
+        <p:txBody>
+          <a:bodyPr>
+            <a:normAutofit/>
+          </a:bodyPr>
+          <a:lstStyle/>
+          <a:p>
+            <a:r>
+              <a:rPr lang="en-GB" dirty="0" err="1" smtClean="0"/>
+              <a:t>Akteri</a:t>
+            </a:r>
+            <a:r>
+              <a:rPr lang="en-GB" dirty="0" smtClean="0"/>
+              <a:t> u </a:t>
+            </a:r>
+            <a:r>
+              <a:rPr lang="en-GB" dirty="0" err="1" smtClean="0"/>
+              <a:t>sistemu</a:t>
+            </a:r>
+            <a:endParaRPr lang="bs-Latn-BA" dirty="0"/>
+          </a:p>
+        </p:txBody>
+      </p:sp>
+      <p:sp>
+        <p:nvSpPr>
+          <p:cNvPr id="3" name="Content Placeholder 2"/>
+          <p:cNvSpPr>
+            <a:spLocks noGrp="1"/>
+          </p:cNvSpPr>
+          <p:nvPr>
+            <p:ph idx="1"/>
+          </p:nvPr>
+        </p:nvSpPr>
+        <p:spPr>
+          <a:xfrm>
+            <a:off x="457200" y="1600200"/>
+            <a:ext cx="8229600" cy="4571999"/>
+          </a:xfrm>
+        </p:spPr>
+        <p:txBody>
+          <a:bodyPr>
+            <a:normAutofit/>
+          </a:bodyPr>
+          <a:lstStyle/>
+          <a:p>
+            <a:r>
+              <a:rPr lang="bs-Latn-BA" dirty="0" smtClean="0"/>
+              <a:t>Direktor</a:t>
+            </a:r>
+            <a:endParaRPr lang="en-GB" dirty="0" smtClean="0"/>
+          </a:p>
+          <a:p>
+            <a:r>
+              <a:rPr lang="bs-Latn-BA" dirty="0" smtClean="0"/>
+              <a:t>Supervizor</a:t>
+            </a:r>
+            <a:endParaRPr lang="en-GB" dirty="0" smtClean="0"/>
+          </a:p>
+          <a:p>
+            <a:r>
+              <a:rPr lang="bs-Latn-BA" dirty="0" smtClean="0"/>
+              <a:t>Servis</a:t>
+            </a:r>
+            <a:endParaRPr lang="en-GB" dirty="0" smtClean="0"/>
+          </a:p>
+          <a:p>
+            <a:r>
+              <a:rPr lang="bs-Latn-BA" dirty="0" smtClean="0"/>
+              <a:t>Prodavač</a:t>
+            </a:r>
+            <a:endParaRPr lang="en-GB" dirty="0" smtClean="0"/>
+          </a:p>
+          <a:p>
+            <a:r>
+              <a:rPr lang="bs-Latn-BA" dirty="0" smtClean="0"/>
+              <a:t>Monter</a:t>
+            </a:r>
+            <a:endParaRPr lang="en-GB" dirty="0" smtClean="0"/>
+          </a:p>
+          <a:p>
+            <a:r>
+              <a:rPr lang="bs-Latn-BA" dirty="0" smtClean="0"/>
+              <a:t>Korisnik</a:t>
+            </a:r>
+            <a:endParaRPr lang="bs-Latn-BA" dirty="0"/>
+          </a:p>
+        </p:txBody>
+      </p:sp>
+    </p:spTree>
+  </p:cSld>
+  <p:clrMapOvr>
+    <a:masterClrMapping/>
+  </p:clrMapOvr>
+  <p:timing>
+    <p:tnLst>
+      <p:par>
+        <p:cTn id="1" dur="indefinite" restart="never" nodeType="tmRoot"/>
+      </p:par>
+    </p:tnLst>
+  </p:timing>
+</p:sld>
+</file>
+
+<file path=ppt/slides/slide4.xml><?xml version="1.0" encoding="utf-8"?>
+<p:sld xmlns:a="http://schemas.openxmlformats.org/drawingml/2006/main" xmlns:r="http://schemas.openxmlformats.org/officeDocument/2006/relationships" xmlns:p="http://schemas.openxmlformats.org/presentationml/2006/main">
+  <p:cSld>
+    <p:spTree>
+      <p:nvGrpSpPr>
+        <p:cNvPr id="1" name=""/>
+        <p:cNvGrpSpPr/>
+        <p:nvPr/>
+      </p:nvGrpSpPr>
+      <p:grpSpPr>
+        <a:xfrm>
+          <a:off x="0" y="0"/>
+          <a:ext cx="0" cy="0"/>
+          <a:chOff x="0" y="0"/>
+          <a:chExt cx="0" cy="0"/>
+        </a:xfrm>
+      </p:grpSpPr>
+      <p:sp>
+        <p:nvSpPr>
+          <p:cNvPr id="2" name="Title 1"/>
+          <p:cNvSpPr>
+            <a:spLocks noGrp="1"/>
+          </p:cNvSpPr>
+          <p:nvPr>
+            <p:ph type="title"/>
+          </p:nvPr>
+        </p:nvSpPr>
+        <p:spPr>
+          <a:xfrm>
+            <a:off x="457200" y="274638"/>
+            <a:ext cx="8229600" cy="1020762"/>
+          </a:xfrm>
+        </p:spPr>
+        <p:txBody>
+          <a:bodyPr>
+            <a:normAutofit/>
+          </a:bodyPr>
+          <a:lstStyle/>
+          <a:p>
+            <a:pPr lvl="0"/>
+            <a:r>
+              <a:rPr lang="bs-Latn-BA" dirty="0" smtClean="0"/>
+              <a:t>Funkcionalni zahtjevi</a:t>
+            </a:r>
+            <a:endParaRPr lang="bs-Latn-BA" dirty="0"/>
+          </a:p>
+        </p:txBody>
+      </p:sp>
+      <p:sp>
+        <p:nvSpPr>
+          <p:cNvPr id="3" name="Content Placeholder 2"/>
+          <p:cNvSpPr>
+            <a:spLocks noGrp="1"/>
+          </p:cNvSpPr>
+          <p:nvPr>
+            <p:ph idx="1"/>
+          </p:nvPr>
+        </p:nvSpPr>
+        <p:spPr/>
+        <p:txBody>
+          <a:bodyPr/>
+          <a:lstStyle/>
+          <a:p>
+            <a:endParaRPr lang="bs-Latn-BA" dirty="0"/>
+          </a:p>
+        </p:txBody>
+      </p:sp>
+    </p:spTree>
+  </p:cSld>
+  <p:clrMapOvr>
+    <a:masterClrMapping/>
+  </p:clrMapOvr>
+</p:sld>
+</file>
+
+<file path=ppt/slides/slide5.xml><?xml version="1.0" encoding="utf-8"?>
+<p:sld xmlns:a="http://schemas.openxmlformats.org/drawingml/2006/main" xmlns:r="http://schemas.openxmlformats.org/officeDocument/2006/relationships" xmlns:p="http://schemas.openxmlformats.org/presentationml/2006/main">
+  <p:cSld>
+    <p:spTree>
+      <p:nvGrpSpPr>
+        <p:cNvPr id="1" name=""/>
+        <p:cNvGrpSpPr/>
+        <p:nvPr/>
+      </p:nvGrpSpPr>
+      <p:grpSpPr>
+        <a:xfrm>
+          <a:off x="0" y="0"/>
+          <a:ext cx="0" cy="0"/>
+          <a:chOff x="0" y="0"/>
+          <a:chExt cx="0" cy="0"/>
+        </a:xfrm>
+      </p:grpSpPr>
+      <p:sp>
+        <p:nvSpPr>
+          <p:cNvPr id="2" name="Title 1"/>
+          <p:cNvSpPr>
+            <a:spLocks noGrp="1"/>
+          </p:cNvSpPr>
+          <p:nvPr>
+            <p:ph type="title"/>
+          </p:nvPr>
+        </p:nvSpPr>
+        <p:spPr>
+          <a:xfrm>
+            <a:off x="457200" y="274638"/>
+            <a:ext cx="8229600" cy="1020762"/>
+          </a:xfrm>
+        </p:spPr>
+        <p:txBody>
+          <a:bodyPr/>
+          <a:lstStyle/>
+          <a:p>
+            <a:r>
+              <a:rPr lang="en-US" dirty="0" err="1" smtClean="0"/>
+              <a:t>Scenariji</a:t>
+            </a:r>
+            <a:r>
+              <a:rPr lang="en-US" dirty="0" smtClean="0"/>
+              <a:t> 1</a:t>
+            </a:r>
+            <a:endParaRPr lang="bs-Latn-BA" dirty="0"/>
+          </a:p>
+        </p:txBody>
+      </p:sp>
+      <p:sp>
+        <p:nvSpPr>
+          <p:cNvPr id="3" name="Content Placeholder 2"/>
+          <p:cNvSpPr>
+            <a:spLocks noGrp="1"/>
+          </p:cNvSpPr>
+          <p:nvPr>
+            <p:ph idx="1"/>
+          </p:nvPr>
+        </p:nvSpPr>
+        <p:spPr/>
+        <p:txBody>
+          <a:bodyPr>
+            <a:normAutofit fontScale="70000" lnSpcReduction="20000"/>
+          </a:bodyPr>
+          <a:lstStyle/>
+          <a:p>
+            <a:r>
+              <a:rPr lang="bs-Latn-BA" i="1" dirty="0" smtClean="0"/>
+              <a:t>Naziv:</a:t>
+            </a:r>
+            <a:r>
+              <a:rPr lang="bs-Latn-BA" dirty="0" smtClean="0"/>
+              <a:t>		Narudžba proizvoda i plaćanje na licu mjesta</a:t>
+            </a:r>
+          </a:p>
+          <a:p>
+            <a:r>
+              <a:rPr lang="bs-Latn-BA" i="1" dirty="0" smtClean="0"/>
+              <a:t>Opis: </a:t>
+            </a:r>
+            <a:r>
+              <a:rPr lang="bs-Latn-BA" dirty="0" smtClean="0"/>
+              <a:t>		Korisnik putem Web-interfejsa bira proizvod, zaključuje narudžbu i plaća 		obračunati iznos gotovinom</a:t>
+            </a:r>
+          </a:p>
+          <a:p>
+            <a:r>
+              <a:rPr lang="bs-Latn-BA" i="1" dirty="0" smtClean="0"/>
+              <a:t>Glavni tok:</a:t>
+            </a:r>
+            <a:r>
+              <a:rPr lang="bs-Latn-BA" dirty="0" smtClean="0"/>
+              <a:t> 	Završava uspješno izvršenim plaćanjem narudžbe</a:t>
+            </a:r>
+          </a:p>
+          <a:p>
+            <a:r>
+              <a:rPr lang="bs-Latn-BA" i="1" dirty="0" smtClean="0"/>
+              <a:t>Preduvjeti:</a:t>
+            </a:r>
+            <a:r>
+              <a:rPr lang="bs-Latn-BA" dirty="0" smtClean="0"/>
+              <a:t>	Proizvod se nalazi na stanju u radnji</a:t>
+            </a:r>
+          </a:p>
+          <a:p>
+            <a:r>
+              <a:rPr lang="bs-Latn-BA" i="1" dirty="0" smtClean="0"/>
+              <a:t>Posljedice:</a:t>
+            </a:r>
+            <a:r>
+              <a:rPr lang="bs-Latn-BA" dirty="0" smtClean="0"/>
+              <a:t>	Uspješno obavljena </a:t>
+            </a:r>
+            <a:r>
+              <a:rPr lang="bs-Latn-BA" dirty="0" smtClean="0"/>
+              <a:t>trgovina</a:t>
+            </a:r>
+            <a:endParaRPr lang="en-US" dirty="0" smtClean="0"/>
+          </a:p>
+          <a:p>
+            <a:r>
+              <a:rPr lang="bs-Latn-BA" i="1" dirty="0" smtClean="0"/>
+              <a:t>Alternativni tok 1: 	</a:t>
+            </a:r>
+            <a:r>
+              <a:rPr lang="bs-Latn-BA" dirty="0" smtClean="0"/>
+              <a:t>Proizvod nije na stanju</a:t>
+            </a:r>
+          </a:p>
+          <a:p>
+            <a:r>
+              <a:rPr lang="bs-Latn-BA" i="1" dirty="0" smtClean="0"/>
+              <a:t>Preduvjeti: 		</a:t>
+            </a:r>
+            <a:r>
+              <a:rPr lang="bs-Latn-BA" dirty="0" smtClean="0"/>
+              <a:t>Na koraku 4. glavnog toka proizvod nije pronađen na stanju</a:t>
+            </a:r>
+          </a:p>
+          <a:p>
+            <a:r>
+              <a:rPr lang="bs-Latn-BA" i="1" dirty="0" smtClean="0"/>
+              <a:t>Alternativni tok 2: 	</a:t>
+            </a:r>
+            <a:r>
+              <a:rPr lang="bs-Latn-BA" dirty="0" smtClean="0"/>
+              <a:t>Korisnik podnio zahtjev za plaćanje na rate</a:t>
+            </a:r>
+          </a:p>
+          <a:p>
+            <a:r>
+              <a:rPr lang="bs-Latn-BA" i="1" dirty="0" smtClean="0"/>
+              <a:t>Preduvjeti: 		</a:t>
+            </a:r>
+            <a:r>
+              <a:rPr lang="bs-Latn-BA" dirty="0" smtClean="0"/>
+              <a:t>Na koraku 8 glavnog toka korisnik zatražio mogućnost plaćanja na </a:t>
+            </a:r>
+            <a:r>
+              <a:rPr lang="bs-Latn-BA" dirty="0" smtClean="0"/>
+              <a:t>rate</a:t>
+            </a:r>
+            <a:endParaRPr lang="bs-Latn-BA" dirty="0" smtClean="0"/>
+          </a:p>
+        </p:txBody>
+      </p:sp>
+    </p:spTree>
+  </p:cSld>
+  <p:clrMapOvr>
+    <a:masterClrMapping/>
+  </p:clrMapOvr>
+</p:sld>
+</file>
+
+<file path=ppt/slides/slide6.xml><?xml version="1.0" encoding="utf-8"?>
+<p:sld xmlns:a="http://schemas.openxmlformats.org/drawingml/2006/main" xmlns:r="http://schemas.openxmlformats.org/officeDocument/2006/relationships" xmlns:p="http://schemas.openxmlformats.org/presentationml/2006/main">
+  <p:cSld>
+    <p:spTree>
+      <p:nvGrpSpPr>
+        <p:cNvPr id="1" name=""/>
+        <p:cNvGrpSpPr/>
+        <p:nvPr/>
+      </p:nvGrpSpPr>
+      <p:grpSpPr>
+        <a:xfrm>
+          <a:off x="0" y="0"/>
+          <a:ext cx="0" cy="0"/>
+          <a:chOff x="0" y="0"/>
+          <a:chExt cx="0" cy="0"/>
+        </a:xfrm>
+      </p:grpSpPr>
+      <p:sp>
+        <p:nvSpPr>
+          <p:cNvPr id="2" name="Title 1"/>
+          <p:cNvSpPr>
+            <a:spLocks noGrp="1"/>
+          </p:cNvSpPr>
+          <p:nvPr>
+            <p:ph type="title"/>
+          </p:nvPr>
+        </p:nvSpPr>
+        <p:spPr>
+          <a:xfrm>
+            <a:off x="457200" y="274638"/>
+            <a:ext cx="8229600" cy="1020762"/>
+          </a:xfrm>
+        </p:spPr>
+        <p:txBody>
+          <a:bodyPr>
+            <a:normAutofit/>
+          </a:bodyPr>
+          <a:lstStyle/>
+          <a:p>
+            <a:r>
+              <a:rPr lang="bs-Latn-BA" dirty="0" smtClean="0"/>
+              <a:t>Scenarij 2</a:t>
+            </a:r>
+            <a:r>
+              <a:rPr lang="bs-Latn-BA" dirty="0" smtClean="0"/>
+              <a:t>.</a:t>
+            </a:r>
+            <a:endParaRPr lang="bs-Latn-BA" dirty="0"/>
+          </a:p>
+        </p:txBody>
+      </p:sp>
+      <p:sp>
+        <p:nvSpPr>
+          <p:cNvPr id="3" name="Content Placeholder 2"/>
+          <p:cNvSpPr>
+            <a:spLocks noGrp="1"/>
+          </p:cNvSpPr>
+          <p:nvPr>
+            <p:ph idx="1"/>
+          </p:nvPr>
+        </p:nvSpPr>
+        <p:spPr/>
+        <p:txBody>
+          <a:bodyPr>
+            <a:normAutofit fontScale="92500" lnSpcReduction="20000"/>
+          </a:bodyPr>
+          <a:lstStyle/>
+          <a:p>
+            <a:r>
+              <a:rPr lang="bs-Latn-BA" i="1" dirty="0" smtClean="0"/>
+              <a:t>Naziv</a:t>
+            </a:r>
+            <a:r>
+              <a:rPr lang="bs-Latn-BA" i="1" dirty="0" smtClean="0"/>
+              <a:t>:</a:t>
+            </a:r>
+            <a:r>
+              <a:rPr lang="bs-Latn-BA" dirty="0" smtClean="0"/>
+              <a:t>		Dostava uređaja na servis</a:t>
+            </a:r>
+          </a:p>
+          <a:p>
+            <a:r>
+              <a:rPr lang="bs-Latn-BA" i="1" dirty="0" smtClean="0"/>
+              <a:t>Opis: </a:t>
+            </a:r>
+            <a:r>
+              <a:rPr lang="bs-Latn-BA" dirty="0" smtClean="0"/>
+              <a:t>		Korisnik dostavio uređaj na servis i potpisao predračun o servisiranju</a:t>
+            </a:r>
+          </a:p>
+          <a:p>
+            <a:r>
+              <a:rPr lang="bs-Latn-BA" i="1" dirty="0" smtClean="0"/>
+              <a:t>Glavni tok:</a:t>
+            </a:r>
+            <a:r>
+              <a:rPr lang="bs-Latn-BA" dirty="0" smtClean="0"/>
+              <a:t> 	Završava uspješno izvršenim plaćanjem narudžbe</a:t>
+            </a:r>
+          </a:p>
+          <a:p>
+            <a:r>
+              <a:rPr lang="bs-Latn-BA" i="1" dirty="0" smtClean="0"/>
+              <a:t>Posljedice:</a:t>
+            </a:r>
+            <a:r>
+              <a:rPr lang="bs-Latn-BA" dirty="0" smtClean="0"/>
+              <a:t>	Uspješno obavljena trgovina</a:t>
+            </a:r>
+          </a:p>
+          <a:p>
+            <a:r>
+              <a:rPr lang="bs-Latn-BA" i="1" dirty="0" smtClean="0"/>
+              <a:t>Alternativni tok 1: 	</a:t>
+            </a:r>
+            <a:r>
+              <a:rPr lang="bs-Latn-BA" dirty="0" smtClean="0"/>
+              <a:t>Uređaj nije moguće servisirati </a:t>
+            </a:r>
+          </a:p>
+          <a:p>
+            <a:r>
+              <a:rPr lang="bs-Latn-BA" i="1" dirty="0" smtClean="0"/>
+              <a:t>Preduvjeti: 		</a:t>
+            </a:r>
+            <a:r>
+              <a:rPr lang="bs-Latn-BA" dirty="0" smtClean="0"/>
+              <a:t>Na koraku 3. glavnog toka servisiranje uređaja nije izvodljivo</a:t>
+            </a:r>
+          </a:p>
+          <a:p>
+            <a:endParaRPr lang="bs-Latn-BA" dirty="0"/>
+          </a:p>
+        </p:txBody>
+      </p:sp>
+    </p:spTree>
+  </p:cSld>
+  <p:clrMapOvr>
+    <a:masterClrMapping/>
+  </p:clrMapOvr>
+</p:sld>
+</file>
+
+<file path=ppt/slides/slide7.xml><?xml version="1.0" encoding="utf-8"?>
+<p:sld xmlns:a="http://schemas.openxmlformats.org/drawingml/2006/main" xmlns:r="http://schemas.openxmlformats.org/officeDocument/2006/relationships" xmlns:p="http://schemas.openxmlformats.org/presentationml/2006/main">
+  <p:cSld>
+    <p:spTree>
+      <p:nvGrpSpPr>
+        <p:cNvPr id="1" name=""/>
+        <p:cNvGrpSpPr/>
+        <p:nvPr/>
+      </p:nvGrpSpPr>
+      <p:grpSpPr>
+        <a:xfrm>
+          <a:off x="0" y="0"/>
+          <a:ext cx="0" cy="0"/>
+          <a:chOff x="0" y="0"/>
+          <a:chExt cx="0" cy="0"/>
+        </a:xfrm>
+      </p:grpSpPr>
+      <p:sp>
+        <p:nvSpPr>
+          <p:cNvPr id="2" name="Title 1"/>
+          <p:cNvSpPr>
+            <a:spLocks noGrp="1"/>
+          </p:cNvSpPr>
+          <p:nvPr>
+            <p:ph type="title"/>
+          </p:nvPr>
+        </p:nvSpPr>
+        <p:spPr>
+          <a:xfrm>
+            <a:off x="457200" y="274638"/>
+            <a:ext cx="8229600" cy="1020762"/>
+          </a:xfrm>
+        </p:spPr>
+        <p:txBody>
+          <a:bodyPr/>
+          <a:lstStyle/>
+          <a:p>
+            <a:r>
+              <a:rPr lang="bs-Latn-BA" dirty="0"/>
+              <a:t>Dijagram slučajeva upotrebe</a:t>
+            </a:r>
+          </a:p>
+        </p:txBody>
+      </p:sp>
+      <p:pic>
+        <p:nvPicPr>
+          <p:cNvPr id="15362" name="Picture 2" descr="D:\HeritageDev\OpisProjekta\UseCaseDiagram\Dijagram slučajeva upotrebe.jpg"/>
+          <p:cNvPicPr>
+            <a:picLocks noGrp="1" noChangeAspect="1" noChangeArrowheads="1"/>
+          </p:cNvPicPr>
+          <p:nvPr>
+            <p:ph idx="1"/>
+          </p:nvPr>
+        </p:nvPicPr>
+        <p:blipFill>
+          <a:blip r:embed="rId2"/>
+          <a:srcRect/>
+          <a:stretch>
+            <a:fillRect/>
+          </a:stretch>
+        </p:blipFill>
+        <p:spPr bwMode="auto">
+          <a:xfrm>
+            <a:off x="-1" y="1295400"/>
+            <a:ext cx="9129453" cy="5562600"/>
+          </a:xfrm>
+          <a:prstGeom prst="rect">
+            <a:avLst/>
+          </a:prstGeom>
+          <a:noFill/>
+        </p:spPr>
+      </p:pic>
+    </p:spTree>
+  </p:cSld>
+  <p:clrMapOvr>
+    <a:masterClrMapping/>
+  </p:clrMapOvr>
+  <p:timing>
+    <p:tnLst>
+      <p:par>
+        <p:cTn id="1" dur="indefinite" restart="never" nodeType="tmRoot"/>
+      </p:par>
+    </p:tnLst>
+  </p:timing>
+</p:sld>
+</file>
+
+<file path=ppt/slides/slide8.xml><?xml version="1.0" encoding="utf-8"?>
+<p:sld xmlns:a="http://schemas.openxmlformats.org/drawingml/2006/main" xmlns:r="http://schemas.openxmlformats.org/officeDocument/2006/relationships" xmlns:p="http://schemas.openxmlformats.org/presentationml/2006/main">
+  <p:cSld>
+    <p:spTree>
+      <p:nvGrpSpPr>
+        <p:cNvPr id="1" name=""/>
+        <p:cNvGrpSpPr/>
+        <p:nvPr/>
+      </p:nvGrpSpPr>
+      <p:grpSpPr>
+        <a:xfrm>
+          <a:off x="0" y="0"/>
+          <a:ext cx="0" cy="0"/>
+          <a:chOff x="0" y="0"/>
+          <a:chExt cx="0" cy="0"/>
+        </a:xfrm>
+      </p:grpSpPr>
+      <p:pic>
+        <p:nvPicPr>
+          <p:cNvPr id="16390" name="Picture 6" descr="http://i.imgur.com/jGGQTPZ.png"/>
+          <p:cNvPicPr>
+            <a:picLocks noChangeAspect="1" noChangeArrowheads="1"/>
+          </p:cNvPicPr>
+          <p:nvPr/>
+        </p:nvPicPr>
+        <p:blipFill>
+          <a:blip r:embed="rId2"/>
+          <a:srcRect/>
+          <a:stretch>
+            <a:fillRect/>
+          </a:stretch>
+        </p:blipFill>
+        <p:spPr bwMode="auto">
+          <a:xfrm>
+            <a:off x="228600" y="1454151"/>
+            <a:ext cx="8763000" cy="5403849"/>
+          </a:xfrm>
+          <a:prstGeom prst="rect">
+            <a:avLst/>
+          </a:prstGeom>
+          <a:noFill/>
+        </p:spPr>
+      </p:pic>
+      <p:pic>
+        <p:nvPicPr>
+          <p:cNvPr id="16388" name="Picture 4" descr="http://i.imgur.com/M7PxZwK.png"/>
+          <p:cNvPicPr>
+            <a:picLocks noChangeAspect="1" noChangeArrowheads="1"/>
+          </p:cNvPicPr>
+          <p:nvPr/>
+        </p:nvPicPr>
+        <p:blipFill>
+          <a:blip r:embed="rId3"/>
+          <a:srcRect/>
+          <a:stretch>
+            <a:fillRect/>
+          </a:stretch>
+        </p:blipFill>
+        <p:spPr bwMode="auto">
+          <a:xfrm>
+            <a:off x="0" y="1371600"/>
+            <a:ext cx="8686800" cy="5334000"/>
+          </a:xfrm>
+          <a:prstGeom prst="rect">
+            <a:avLst/>
+          </a:prstGeom>
+          <a:noFill/>
+        </p:spPr>
+      </p:pic>
+      <p:sp>
+        <p:nvSpPr>
+          <p:cNvPr id="2" name="Title 1"/>
+          <p:cNvSpPr>
+            <a:spLocks noGrp="1"/>
+          </p:cNvSpPr>
+          <p:nvPr>
+            <p:ph type="title"/>
+          </p:nvPr>
+        </p:nvSpPr>
+        <p:spPr>
+          <a:xfrm>
+            <a:off x="457200" y="274638"/>
+            <a:ext cx="8229600" cy="1020762"/>
+          </a:xfrm>
+        </p:spPr>
+        <p:txBody>
+          <a:bodyPr/>
+          <a:lstStyle/>
+          <a:p>
+            <a:r>
+              <a:rPr lang="bs-Latn-BA" dirty="0"/>
+              <a:t>Dijagram </a:t>
+            </a:r>
+            <a:r>
+              <a:rPr lang="bs-Latn-BA" dirty="0" smtClean="0"/>
+              <a:t>aktivnosti</a:t>
+            </a:r>
+            <a:r>
+              <a:rPr lang="en-GB" dirty="0" smtClean="0"/>
+              <a:t> (</a:t>
+            </a:r>
+            <a:r>
+              <a:rPr lang="en-GB" dirty="0" err="1" smtClean="0"/>
+              <a:t>prodaja</a:t>
+            </a:r>
+            <a:r>
+              <a:rPr lang="en-GB" dirty="0" smtClean="0"/>
+              <a:t>)</a:t>
+            </a:r>
+            <a:endParaRPr lang="bs-Latn-BA" dirty="0"/>
+          </a:p>
+        </p:txBody>
+      </p:sp>
+    </p:spTree>
+  </p:cSld>
+  <p:clrMapOvr>
+    <a:masterClrMapping/>
+  </p:clrMapOvr>
+  <p:timing>
+    <p:tnLst>
+      <p:par>
+        <p:cTn id="1" dur="indefinite" restart="never" nodeType="tmRoot">
+          <p:childTnLst>
+            <p:seq concurrent="1" nextAc="seek">
+              <p:cTn id="2" dur="indefinite" nodeType="mainSeq">
+                <p:childTnLst>
+                  <p:par>
+                    <p:cTn id="3" fill="hold">
+                      <p:stCondLst>
+                        <p:cond delay="indefinite"/>
+                        <p:cond evt="onBegin" delay="0">
+                          <p:tn val="2"/>
+                        </p:cond>
+                      </p:stCondLst>
+                      <p:childTnLst>
+                        <p:par>
+                          <p:cTn id="4" fill="hold">
+                            <p:stCondLst>
+                              <p:cond delay="0"/>
+                            </p:stCondLst>
+                            <p:childTnLst>
+                              <p:par>
+                                <p:cTn id="5" presetID="12" presetClass="entr" presetSubtype="4" fill="hold" nodeType="withEffect">
+                                  <p:stCondLst>
+                                    <p:cond delay="0"/>
+                                  </p:stCondLst>
+                                  <p:childTnLst>
+                                    <p:set>
+                                      <p:cBhvr>
+                                        <p:cTn id="6" dur="1" fill="hold">
+                                          <p:stCondLst>
+                                            <p:cond delay="0"/>
+                                          </p:stCondLst>
+                                        </p:cTn>
+                                        <p:tgtEl>
+                                          <p:spTgt spid="16388"/>
+                                        </p:tgtEl>
+                                        <p:attrNameLst>
+                                          <p:attrName>style.visibility</p:attrName>
+                                        </p:attrNameLst>
+                                      </p:cBhvr>
+                                      <p:to>
+                                        <p:strVal val="visible"/>
+                                      </p:to>
+                                    </p:set>
+                                    <p:animEffect transition="in" filter="slide(fromBottom)">
+                                      <p:cBhvr>
+                                        <p:cTn id="7" dur="500"/>
+                                        <p:tgtEl>
+                                          <p:spTgt spid="16388"/>
+                                        </p:tgtEl>
+                                      </p:cBhvr>
+                                    </p:animEffect>
+                                  </p:childTnLst>
+                                </p:cTn>
+                              </p:par>
+                            </p:childTnLst>
+                          </p:cTn>
+                        </p:par>
+                      </p:childTnLst>
+                    </p:cTn>
+                  </p:par>
+                  <p:par>
+                    <p:cTn id="8" fill="hold">
+                      <p:stCondLst>
+                        <p:cond delay="indefinite"/>
+                      </p:stCondLst>
+                      <p:childTnLst>
+                        <p:par>
+                          <p:cTn id="9" fill="hold">
+                            <p:stCondLst>
+                              <p:cond delay="0"/>
+                            </p:stCondLst>
+                            <p:childTnLst>
+                              <p:par>
+                                <p:cTn id="10" presetID="12" presetClass="exit" presetSubtype="4" fill="hold" nodeType="clickEffect">
+                                  <p:stCondLst>
+                                    <p:cond delay="0"/>
+                                  </p:stCondLst>
+                                  <p:childTnLst>
+                                    <p:animEffect transition="out" filter="slide(fromBottom)">
+                                      <p:cBhvr>
+                                        <p:cTn id="11" dur="500"/>
+                                        <p:tgtEl>
+                                          <p:spTgt spid="16388"/>
+                                        </p:tgtEl>
+                                      </p:cBhvr>
+                                    </p:animEffect>
+                                    <p:set>
+                                      <p:cBhvr>
+                                        <p:cTn id="12" dur="1" fill="hold">
+                                          <p:stCondLst>
+                                            <p:cond delay="499"/>
+                                          </p:stCondLst>
+                                        </p:cTn>
+                                        <p:tgtEl>
+                                          <p:spTgt spid="16388"/>
+                                        </p:tgtEl>
+                                        <p:attrNameLst>
+                                          <p:attrName>style.visibility</p:attrName>
+                                        </p:attrNameLst>
+                                      </p:cBhvr>
+                                      <p:to>
+                                        <p:strVal val="hidden"/>
+                                      </p:to>
+                                    </p:set>
+                                  </p:childTnLst>
+                                </p:cTn>
+                              </p:par>
+                              <p:par>
+                                <p:cTn id="13" presetID="12" presetClass="entr" presetSubtype="4" fill="hold" nodeType="withEffect">
+                                  <p:stCondLst>
+                                    <p:cond delay="0"/>
+                                  </p:stCondLst>
+                                  <p:childTnLst>
+                                    <p:set>
+                                      <p:cBhvr>
+                                        <p:cTn id="14" dur="1" fill="hold">
+                                          <p:stCondLst>
+                                            <p:cond delay="0"/>
+                                          </p:stCondLst>
+                                        </p:cTn>
+                                        <p:tgtEl>
+                                          <p:spTgt spid="16390"/>
+                                        </p:tgtEl>
+                                        <p:attrNameLst>
+                                          <p:attrName>style.visibility</p:attrName>
+                                        </p:attrNameLst>
+                                      </p:cBhvr>
+                                      <p:to>
+                                        <p:strVal val="visible"/>
+                                      </p:to>
+                                    </p:set>
+                                    <p:animEffect transition="in" filter="slide(fromBottom)">
+                                      <p:cBhvr>
+                                        <p:cTn id="15" dur="500"/>
+                                        <p:tgtEl>
+                                          <p:spTgt spid="16390"/>
+                                        </p:tgtEl>
+                                      </p:cBhvr>
+                                    </p:animEffect>
+                                  </p:childTnLst>
+                                </p:cTn>
+                              </p:par>
+                            </p:childTnLst>
+                          </p:cTn>
+                        </p:par>
+                      </p:childTnLst>
+                    </p:cTn>
+                  </p:par>
+                </p:childTnLst>
+              </p:cTn>
+              <p:prevCondLst>
+                <p:cond evt="onPrev" delay="0">
+                  <p:tgtEl>
+                    <p:sldTgt/>
+                  </p:tgtEl>
+                </p:cond>
+              </p:prevCondLst>
+              <p:nextCondLst>
+                <p:cond evt="onNext" delay="0">
+                  <p:tgtEl>
+                    <p:sldTgt/>
+                  </p:tgtEl>
+                </p:cond>
+              </p:nextCondLst>
+            </p:seq>
+          </p:childTnLst>
+        </p:cTn>
+      </p:par>
+    </p:tnLst>
+  </p:timing>
+</p:sld>
+</file>
+
 <file path=ppt/slides/slide9.xml><?xml version="1.0" encoding="utf-8"?>
 <p:sld xmlns:a="http://schemas.openxmlformats.org/drawingml/2006/main" xmlns:r="http://schemas.openxmlformats.org/officeDocument/2006/relationships" xmlns:p="http://schemas.openxmlformats.org/presentationml/2006/main">
   <p:cSld>
@@ -5638,7 +6324,7 @@
           <a:p>
             <a:r>
               <a:rPr lang="en-GB" dirty="0" err="1" smtClean="0"/>
-              <a:t>Vanjski</a:t>
+              <a:t>Dijagram</a:t>
             </a:r>
             <a:r>
               <a:rPr lang="en-GB" dirty="0" smtClean="0"/>
@@ -5646,68 +6332,33 @@
             </a:r>
             <a:r>
               <a:rPr lang="en-GB" dirty="0" err="1" smtClean="0"/>
-              <a:t>ure</a:t>
-            </a:r>
-            <a:r>
-              <a:rPr lang="bs-Latn-BA" dirty="0" smtClean="0"/>
-              <a:t>đ</a:t>
+              <a:t>aktivnosti</a:t>
+            </a:r>
+            <a:r>
+              <a:rPr lang="en-GB" dirty="0" smtClean="0"/>
+              <a:t> (</a:t>
             </a:r>
             <a:r>
               <a:rPr lang="en-GB" dirty="0" err="1" smtClean="0"/>
-              <a:t>aji</a:t>
-            </a:r>
-            <a:endParaRPr lang="bs-Latn-BA" dirty="0"/>
-          </a:p>
-        </p:txBody>
-      </p:sp>
-      <p:sp>
-        <p:nvSpPr>
-          <p:cNvPr id="3" name="Content Placeholder 2"/>
-          <p:cNvSpPr>
-            <a:spLocks noGrp="1"/>
-          </p:cNvSpPr>
-          <p:nvPr>
-            <p:ph idx="1"/>
-          </p:nvPr>
-        </p:nvSpPr>
-        <p:spPr/>
-        <p:txBody>
-          <a:bodyPr/>
-          <a:lstStyle/>
-          <a:p>
+              <a:t>servis</a:t>
+            </a:r>
             <a:r>
               <a:rPr lang="en-GB" dirty="0" smtClean="0"/>
-              <a:t>B</a:t>
-            </a:r>
-            <a:r>
-              <a:rPr lang="bs-Latn-BA" dirty="0" smtClean="0"/>
-              <a:t>ar </a:t>
-            </a:r>
-            <a:r>
-              <a:rPr lang="en-GB" dirty="0" err="1" smtClean="0"/>
-              <a:t>kod</a:t>
-            </a:r>
-            <a:r>
-              <a:rPr lang="en-GB" dirty="0" smtClean="0"/>
-              <a:t> </a:t>
-            </a:r>
-            <a:r>
-              <a:rPr lang="bs-Latn-BA" dirty="0" smtClean="0"/>
-              <a:t>čitač</a:t>
-            </a:r>
-          </a:p>
-          <a:p>
+              <a:t>)</a:t>
+            </a:r>
             <a:endParaRPr lang="bs-Latn-BA" dirty="0"/>
           </a:p>
         </p:txBody>
       </p:sp>
       <p:pic>
         <p:nvPicPr>
-          <p:cNvPr id="24580" name="Picture 4" descr="C:\Users\Salem\Desktop\focus1690_01_large-600x600.png"/>
+          <p:cNvPr id="21507" name="Picture 3" descr="D:\HeritageDev\OpisProjekta\ActivityDiagram\Dijagram aktivnosti - servis.jpg"/>
           <p:cNvPicPr>
-            <a:picLocks noChangeAspect="1" noChangeArrowheads="1"/>
+            <a:picLocks noGrp="1" noChangeAspect="1" noChangeArrowheads="1"/>
           </p:cNvPicPr>
-          <p:nvPr/>
+          <p:nvPr>
+            <p:ph idx="1"/>
+          </p:nvPr>
         </p:nvPicPr>
         <p:blipFill>
           <a:blip r:embed="rId2"/>
@@ -5718,13 +6369,18 @@
         </p:blipFill>
         <p:spPr bwMode="auto">
           <a:xfrm>
-            <a:off x="2590800" y="1860175"/>
-            <a:ext cx="3914775" cy="4997825"/>
+            <a:off x="0" y="1295400"/>
+            <a:ext cx="9144000" cy="5334000"/>
           </a:xfrm>
           <a:prstGeom prst="rect">
             <a:avLst/>
           </a:prstGeom>
-          <a:noFill/>
+          <a:ln>
+            <a:noFill/>
+          </a:ln>
+          <a:effectLst>
+            <a:softEdge rad="112500"/>
+          </a:effectLst>
         </p:spPr>
       </p:pic>
     </p:spTree>

--- a/Prezentacija.pptx
+++ b/Prezentacija.pptx
@@ -5,7 +5,7 @@
     <p:sldMasterId id="2147483648" r:id="rId1"/>
   </p:sldMasterIdLst>
   <p:notesMasterIdLst>
-    <p:notesMasterId r:id="rId20"/>
+    <p:notesMasterId r:id="rId19"/>
   </p:notesMasterIdLst>
   <p:sldIdLst>
     <p:sldId id="256" r:id="rId2"/>
@@ -19,13 +19,12 @@
     <p:sldId id="261" r:id="rId10"/>
     <p:sldId id="263" r:id="rId11"/>
     <p:sldId id="265" r:id="rId12"/>
-    <p:sldId id="266" r:id="rId13"/>
-    <p:sldId id="271" r:id="rId14"/>
-    <p:sldId id="273" r:id="rId15"/>
-    <p:sldId id="267" r:id="rId16"/>
-    <p:sldId id="268" r:id="rId17"/>
-    <p:sldId id="272" r:id="rId18"/>
-    <p:sldId id="274" r:id="rId19"/>
+    <p:sldId id="271" r:id="rId13"/>
+    <p:sldId id="273" r:id="rId14"/>
+    <p:sldId id="267" r:id="rId15"/>
+    <p:sldId id="268" r:id="rId16"/>
+    <p:sldId id="272" r:id="rId17"/>
+    <p:sldId id="274" r:id="rId18"/>
   </p:sldIdLst>
   <p:sldSz cx="9144000" cy="6858000" type="screen4x3"/>
   <p:notesSz cx="6858000" cy="9144000"/>
@@ -210,7 +209,7 @@
             <a:fld id="{7BBF3DA4-D73D-4DA3-9E22-05CEAC8AC71A}" type="datetimeFigureOut">
               <a:rPr lang="sr-Latn-CS" smtClean="0"/>
               <a:pPr/>
-              <a:t>31.5.2015</a:t>
+              <a:t>1.6.2015</a:t>
             </a:fld>
             <a:endParaRPr lang="bs-Latn-BA"/>
           </a:p>
@@ -772,10 +771,6 @@
           </a:bodyPr>
           <a:lstStyle/>
           <a:p>
-            <a:r>
-              <a:rPr lang="en-US" dirty="0" smtClean="0"/>
-              <a:t>sale</a:t>
-            </a:r>
             <a:endParaRPr lang="bs-Latn-BA" dirty="0"/>
           </a:p>
         </p:txBody>
@@ -798,7 +793,7 @@
             <a:fld id="{D120CBC8-E7A9-462F-8420-40AF7253C588}" type="slidenum">
               <a:rPr lang="bs-Latn-BA" smtClean="0"/>
               <a:pPr/>
-              <a:t>10</a:t>
+              <a:t>8</a:t>
             </a:fld>
             <a:endParaRPr lang="bs-Latn-BA"/>
           </a:p>
@@ -884,7 +879,93 @@
             <a:fld id="{D120CBC8-E7A9-462F-8420-40AF7253C588}" type="slidenum">
               <a:rPr lang="bs-Latn-BA" smtClean="0"/>
               <a:pPr/>
-              <a:t>16</a:t>
+              <a:t>10</a:t>
+            </a:fld>
+            <a:endParaRPr lang="bs-Latn-BA"/>
+          </a:p>
+        </p:txBody>
+      </p:sp>
+    </p:spTree>
+  </p:cSld>
+  <p:clrMapOvr>
+    <a:masterClrMapping/>
+  </p:clrMapOvr>
+</p:notes>
+</file>
+
+<file path=ppt/notesSlides/notesSlide6.xml><?xml version="1.0" encoding="utf-8"?>
+<p:notes xmlns:a="http://schemas.openxmlformats.org/drawingml/2006/main" xmlns:r="http://schemas.openxmlformats.org/officeDocument/2006/relationships" xmlns:p="http://schemas.openxmlformats.org/presentationml/2006/main">
+  <p:cSld>
+    <p:spTree>
+      <p:nvGrpSpPr>
+        <p:cNvPr id="1" name=""/>
+        <p:cNvGrpSpPr/>
+        <p:nvPr/>
+      </p:nvGrpSpPr>
+      <p:grpSpPr>
+        <a:xfrm>
+          <a:off x="0" y="0"/>
+          <a:ext cx="0" cy="0"/>
+          <a:chOff x="0" y="0"/>
+          <a:chExt cx="0" cy="0"/>
+        </a:xfrm>
+      </p:grpSpPr>
+      <p:sp>
+        <p:nvSpPr>
+          <p:cNvPr id="2" name="Slide Image Placeholder 1"/>
+          <p:cNvSpPr>
+            <a:spLocks noGrp="1" noRot="1" noChangeAspect="1"/>
+          </p:cNvSpPr>
+          <p:nvPr>
+            <p:ph type="sldImg"/>
+          </p:nvPr>
+        </p:nvSpPr>
+        <p:spPr/>
+      </p:sp>
+      <p:sp>
+        <p:nvSpPr>
+          <p:cNvPr id="3" name="Notes Placeholder 2"/>
+          <p:cNvSpPr>
+            <a:spLocks noGrp="1"/>
+          </p:cNvSpPr>
+          <p:nvPr>
+            <p:ph type="body" idx="1"/>
+          </p:nvPr>
+        </p:nvSpPr>
+        <p:spPr/>
+        <p:txBody>
+          <a:bodyPr>
+            <a:normAutofit/>
+          </a:bodyPr>
+          <a:lstStyle/>
+          <a:p>
+            <a:r>
+              <a:rPr lang="en-US" dirty="0" smtClean="0"/>
+              <a:t>sale</a:t>
+            </a:r>
+            <a:endParaRPr lang="bs-Latn-BA" dirty="0"/>
+          </a:p>
+        </p:txBody>
+      </p:sp>
+      <p:sp>
+        <p:nvSpPr>
+          <p:cNvPr id="4" name="Slide Number Placeholder 3"/>
+          <p:cNvSpPr>
+            <a:spLocks noGrp="1"/>
+          </p:cNvSpPr>
+          <p:nvPr>
+            <p:ph type="sldNum" sz="quarter" idx="10"/>
+          </p:nvPr>
+        </p:nvSpPr>
+        <p:spPr/>
+        <p:txBody>
+          <a:bodyPr/>
+          <a:lstStyle/>
+          <a:p>
+            <a:fld id="{D120CBC8-E7A9-462F-8420-40AF7253C588}" type="slidenum">
+              <a:rPr lang="bs-Latn-BA" smtClean="0"/>
+              <a:pPr/>
+              <a:t>15</a:t>
             </a:fld>
             <a:endParaRPr lang="bs-Latn-BA"/>
           </a:p>
@@ -1080,7 +1161,7 @@
             <a:fld id="{28E5A0B3-8C89-40F3-9801-7AA9FBF88B16}" type="datetimeFigureOut">
               <a:rPr lang="sr-Latn-CS" smtClean="0"/>
               <a:pPr/>
-              <a:t>31.5.2015</a:t>
+              <a:t>1.6.2015</a:t>
             </a:fld>
             <a:endParaRPr lang="bs-Latn-BA"/>
           </a:p>
@@ -1247,7 +1328,7 @@
             <a:fld id="{28E5A0B3-8C89-40F3-9801-7AA9FBF88B16}" type="datetimeFigureOut">
               <a:rPr lang="sr-Latn-CS" smtClean="0"/>
               <a:pPr/>
-              <a:t>31.5.2015</a:t>
+              <a:t>1.6.2015</a:t>
             </a:fld>
             <a:endParaRPr lang="bs-Latn-BA"/>
           </a:p>
@@ -1424,7 +1505,7 @@
             <a:fld id="{28E5A0B3-8C89-40F3-9801-7AA9FBF88B16}" type="datetimeFigureOut">
               <a:rPr lang="sr-Latn-CS" smtClean="0"/>
               <a:pPr/>
-              <a:t>31.5.2015</a:t>
+              <a:t>1.6.2015</a:t>
             </a:fld>
             <a:endParaRPr lang="bs-Latn-BA"/>
           </a:p>
@@ -1591,7 +1672,7 @@
             <a:fld id="{28E5A0B3-8C89-40F3-9801-7AA9FBF88B16}" type="datetimeFigureOut">
               <a:rPr lang="sr-Latn-CS" smtClean="0"/>
               <a:pPr/>
-              <a:t>31.5.2015</a:t>
+              <a:t>1.6.2015</a:t>
             </a:fld>
             <a:endParaRPr lang="bs-Latn-BA"/>
           </a:p>
@@ -1834,7 +1915,7 @@
             <a:fld id="{28E5A0B3-8C89-40F3-9801-7AA9FBF88B16}" type="datetimeFigureOut">
               <a:rPr lang="sr-Latn-CS" smtClean="0"/>
               <a:pPr/>
-              <a:t>31.5.2015</a:t>
+              <a:t>1.6.2015</a:t>
             </a:fld>
             <a:endParaRPr lang="bs-Latn-BA"/>
           </a:p>
@@ -2119,7 +2200,7 @@
             <a:fld id="{28E5A0B3-8C89-40F3-9801-7AA9FBF88B16}" type="datetimeFigureOut">
               <a:rPr lang="sr-Latn-CS" smtClean="0"/>
               <a:pPr/>
-              <a:t>31.5.2015</a:t>
+              <a:t>1.6.2015</a:t>
             </a:fld>
             <a:endParaRPr lang="bs-Latn-BA"/>
           </a:p>
@@ -2538,7 +2619,7 @@
             <a:fld id="{28E5A0B3-8C89-40F3-9801-7AA9FBF88B16}" type="datetimeFigureOut">
               <a:rPr lang="sr-Latn-CS" smtClean="0"/>
               <a:pPr/>
-              <a:t>31.5.2015</a:t>
+              <a:t>1.6.2015</a:t>
             </a:fld>
             <a:endParaRPr lang="bs-Latn-BA"/>
           </a:p>
@@ -2653,7 +2734,7 @@
             <a:fld id="{28E5A0B3-8C89-40F3-9801-7AA9FBF88B16}" type="datetimeFigureOut">
               <a:rPr lang="sr-Latn-CS" smtClean="0"/>
               <a:pPr/>
-              <a:t>31.5.2015</a:t>
+              <a:t>1.6.2015</a:t>
             </a:fld>
             <a:endParaRPr lang="bs-Latn-BA"/>
           </a:p>
@@ -2745,7 +2826,7 @@
             <a:fld id="{28E5A0B3-8C89-40F3-9801-7AA9FBF88B16}" type="datetimeFigureOut">
               <a:rPr lang="sr-Latn-CS" smtClean="0"/>
               <a:pPr/>
-              <a:t>31.5.2015</a:t>
+              <a:t>1.6.2015</a:t>
             </a:fld>
             <a:endParaRPr lang="bs-Latn-BA"/>
           </a:p>
@@ -3019,7 +3100,7 @@
             <a:fld id="{28E5A0B3-8C89-40F3-9801-7AA9FBF88B16}" type="datetimeFigureOut">
               <a:rPr lang="sr-Latn-CS" smtClean="0"/>
               <a:pPr/>
-              <a:t>31.5.2015</a:t>
+              <a:t>1.6.2015</a:t>
             </a:fld>
             <a:endParaRPr lang="bs-Latn-BA"/>
           </a:p>
@@ -3269,7 +3350,7 @@
             <a:fld id="{28E5A0B3-8C89-40F3-9801-7AA9FBF88B16}" type="datetimeFigureOut">
               <a:rPr lang="sr-Latn-CS" smtClean="0"/>
               <a:pPr/>
-              <a:t>31.5.2015</a:t>
+              <a:t>1.6.2015</a:t>
             </a:fld>
             <a:endParaRPr lang="bs-Latn-BA"/>
           </a:p>
@@ -3488,7 +3569,7 @@
             <a:fld id="{28E5A0B3-8C89-40F3-9801-7AA9FBF88B16}" type="datetimeFigureOut">
               <a:rPr lang="sr-Latn-CS" smtClean="0"/>
               <a:pPr/>
-              <a:t>31.5.2015</a:t>
+              <a:t>1.6.2015</a:t>
             </a:fld>
             <a:endParaRPr lang="bs-Latn-BA"/>
           </a:p>
@@ -3943,18 +4024,13 @@
               <a:t>: 	</a:t>
             </a:r>
             <a:r>
-              <a:rPr lang="en-US" b="1" dirty="0" err="1" smtClean="0">
+              <a:rPr lang="en-US" b="1" dirty="0" smtClean="0">
                 <a:solidFill>
                   <a:schemeClr val="tx1"/>
                 </a:solidFill>
               </a:rPr>
               <a:t>HeritageDev</a:t>
             </a:r>
-            <a:endParaRPr lang="en-US" b="1" dirty="0" smtClean="0">
-              <a:solidFill>
-                <a:schemeClr val="tx1"/>
-              </a:solidFill>
-            </a:endParaRPr>
           </a:p>
           <a:p>
             <a:pPr algn="l"/>
@@ -4125,7 +4201,7 @@
       </p:grpSpPr>
       <p:pic>
         <p:nvPicPr>
-          <p:cNvPr id="23558" name="Picture 6" descr="iTMY2Wo.png (1772×834)"/>
+          <p:cNvPr id="5127" name="Picture 7" descr="C:\Users\Salem\Desktop\vwGuOF8.png"/>
           <p:cNvPicPr>
             <a:picLocks noChangeAspect="1" noChangeArrowheads="1"/>
           </p:cNvPicPr>
@@ -4140,18 +4216,23 @@
         </p:blipFill>
         <p:spPr bwMode="auto">
           <a:xfrm>
-            <a:off x="0" y="1295400"/>
-            <a:ext cx="9144000" cy="5562600"/>
+            <a:off x="0" y="1219201"/>
+            <a:ext cx="9144000" cy="5486399"/>
           </a:xfrm>
           <a:prstGeom prst="rect">
             <a:avLst/>
           </a:prstGeom>
-          <a:noFill/>
+          <a:ln>
+            <a:noFill/>
+          </a:ln>
+          <a:effectLst>
+            <a:softEdge rad="112500"/>
+          </a:effectLst>
         </p:spPr>
       </p:pic>
       <p:pic>
         <p:nvPicPr>
-          <p:cNvPr id="23560" name="Picture 8" descr="kQAEZIq.png (1837×422)"/>
+          <p:cNvPr id="5126" name="Picture 6" descr="C:\Users\Salem\Desktop\3dx6a20.png"/>
           <p:cNvPicPr>
             <a:picLocks noChangeAspect="1" noChangeArrowheads="1"/>
           </p:cNvPicPr>
@@ -4166,13 +4247,18 @@
         </p:blipFill>
         <p:spPr bwMode="auto">
           <a:xfrm>
-            <a:off x="0" y="2286000"/>
-            <a:ext cx="9144000" cy="3409950"/>
+            <a:off x="0" y="1524000"/>
+            <a:ext cx="9144000" cy="4533900"/>
           </a:xfrm>
           <a:prstGeom prst="rect">
             <a:avLst/>
           </a:prstGeom>
-          <a:noFill/>
+          <a:ln>
+            <a:noFill/>
+          </a:ln>
+          <a:effectLst>
+            <a:softEdge rad="112500"/>
+          </a:effectLst>
         </p:spPr>
       </p:pic>
       <p:pic>
@@ -4194,13 +4280,104 @@
         </p:blipFill>
         <p:spPr bwMode="auto">
           <a:xfrm>
-            <a:off x="-1" y="1295400"/>
-            <a:ext cx="9144001" cy="5562600"/>
+            <a:off x="-2" y="1295401"/>
+            <a:ext cx="9144000" cy="5410200"/>
           </a:xfrm>
           <a:prstGeom prst="rect">
             <a:avLst/>
           </a:prstGeom>
-          <a:noFill/>
+          <a:solidFill>
+            <a:srgbClr val="FFFFFF">
+              <a:shade val="85000"/>
+            </a:srgbClr>
+          </a:solidFill>
+          <a:ln w="88900" cap="sq">
+            <a:solidFill>
+              <a:srgbClr val="FFFFFF"/>
+            </a:solidFill>
+            <a:miter lim="800000"/>
+          </a:ln>
+          <a:effectLst>
+            <a:outerShdw blurRad="55000" dist="18000" dir="5400000" algn="tl" rotWithShape="0">
+              <a:srgbClr val="000000">
+                <a:alpha val="40000"/>
+              </a:srgbClr>
+            </a:outerShdw>
+          </a:effectLst>
+          <a:scene3d>
+            <a:camera prst="orthographicFront"/>
+            <a:lightRig rig="twoPt" dir="t">
+              <a:rot lat="0" lon="0" rev="7200000"/>
+            </a:lightRig>
+          </a:scene3d>
+          <a:sp3d>
+            <a:bevelT w="25400" h="19050"/>
+            <a:contourClr>
+              <a:srgbClr val="FFFFFF"/>
+            </a:contourClr>
+          </a:sp3d>
+        </p:spPr>
+      </p:pic>
+      <p:pic>
+        <p:nvPicPr>
+          <p:cNvPr id="5123" name="Picture 3" descr="C:\Users\Salem\Desktop\0D2aFG0.png"/>
+          <p:cNvPicPr>
+            <a:picLocks noChangeAspect="1" noChangeArrowheads="1"/>
+          </p:cNvPicPr>
+          <p:nvPr/>
+        </p:nvPicPr>
+        <p:blipFill>
+          <a:blip r:embed="rId6"/>
+          <a:srcRect/>
+          <a:stretch>
+            <a:fillRect/>
+          </a:stretch>
+        </p:blipFill>
+        <p:spPr bwMode="auto">
+          <a:xfrm>
+            <a:off x="0" y="1295400"/>
+            <a:ext cx="9144000" cy="5257800"/>
+          </a:xfrm>
+          <a:prstGeom prst="rect">
+            <a:avLst/>
+          </a:prstGeom>
+          <a:ln>
+            <a:noFill/>
+          </a:ln>
+          <a:effectLst>
+            <a:softEdge rad="112500"/>
+          </a:effectLst>
+        </p:spPr>
+      </p:pic>
+      <p:pic>
+        <p:nvPicPr>
+          <p:cNvPr id="5124" name="Picture 4" descr="C:\Users\Salem\Desktop\ecRvlHf.png"/>
+          <p:cNvPicPr>
+            <a:picLocks noChangeAspect="1" noChangeArrowheads="1"/>
+          </p:cNvPicPr>
+          <p:nvPr/>
+        </p:nvPicPr>
+        <p:blipFill>
+          <a:blip r:embed="rId7"/>
+          <a:srcRect/>
+          <a:stretch>
+            <a:fillRect/>
+          </a:stretch>
+        </p:blipFill>
+        <p:spPr bwMode="auto">
+          <a:xfrm>
+            <a:off x="0" y="1676400"/>
+            <a:ext cx="9144000" cy="4514850"/>
+          </a:xfrm>
+          <a:prstGeom prst="rect">
+            <a:avLst/>
+          </a:prstGeom>
+          <a:ln>
+            <a:noFill/>
+          </a:ln>
+          <a:effectLst>
+            <a:softEdge rad="112500"/>
+          </a:effectLst>
         </p:spPr>
       </p:pic>
       <p:sp>
@@ -4305,7 +4482,7 @@
                                           </p:stCondLst>
                                         </p:cTn>
                                         <p:tgtEl>
-                                          <p:spTgt spid="23558"/>
+                                          <p:spTgt spid="5123"/>
                                         </p:tgtEl>
                                         <p:attrNameLst>
                                           <p:attrName>style.visibility</p:attrName>
@@ -4319,7 +4496,7 @@
                                       <p:cBhvr>
                                         <p:cTn id="10" dur="500"/>
                                         <p:tgtEl>
-                                          <p:spTgt spid="23558"/>
+                                          <p:spTgt spid="5123"/>
                                         </p:tgtEl>
                                       </p:cBhvr>
                                     </p:animEffect>
@@ -4354,7 +4531,7 @@
                                       <p:cBhvr>
                                         <p:cTn id="14" dur="500"/>
                                         <p:tgtEl>
-                                          <p:spTgt spid="23558"/>
+                                          <p:spTgt spid="5123"/>
                                         </p:tgtEl>
                                       </p:cBhvr>
                                     </p:animEffect>
@@ -4366,7 +4543,7 @@
                                           </p:stCondLst>
                                         </p:cTn>
                                         <p:tgtEl>
-                                          <p:spTgt spid="23558"/>
+                                          <p:spTgt spid="5123"/>
                                         </p:tgtEl>
                                         <p:attrNameLst>
                                           <p:attrName>style.visibility</p:attrName>
@@ -4393,7 +4570,7 @@
                                           </p:stCondLst>
                                         </p:cTn>
                                         <p:tgtEl>
-                                          <p:spTgt spid="23560"/>
+                                          <p:spTgt spid="5124"/>
                                         </p:tgtEl>
                                         <p:attrNameLst>
                                           <p:attrName>style.visibility</p:attrName>
@@ -4407,7 +4584,183 @@
                                       <p:cBhvr>
                                         <p:cTn id="18" dur="500"/>
                                         <p:tgtEl>
-                                          <p:spTgt spid="23560"/>
+                                          <p:spTgt spid="5124"/>
+                                        </p:tgtEl>
+                                      </p:cBhvr>
+                                    </p:animEffect>
+                                  </p:childTnLst>
+                                </p:cTn>
+                              </p:par>
+                            </p:childTnLst>
+                          </p:cTn>
+                        </p:par>
+                      </p:childTnLst>
+                    </p:cTn>
+                  </p:par>
+                  <p:par>
+                    <p:cTn id="19" fill="hold">
+                      <p:stCondLst>
+                        <p:cond delay="indefinite"/>
+                      </p:stCondLst>
+                      <p:childTnLst>
+                        <p:par>
+                          <p:cTn id="20" fill="hold">
+                            <p:stCondLst>
+                              <p:cond delay="0"/>
+                            </p:stCondLst>
+                            <p:childTnLst>
+                              <p:par>
+                                <p:cTn id="21" presetID="12" presetClass="exit" presetSubtype="4" fill="hold" nodeType="clickEffect">
+                                  <p:stCondLst>
+                                    <p:cond delay="0"/>
+                                  </p:stCondLst>
+                                  <p:childTnLst>
+                                    <p:animEffect transition="out" filter="slide(fromBottom)">
+                                      <p:cBhvr>
+                                        <p:cTn id="22" dur="500"/>
+                                        <p:tgtEl>
+                                          <p:spTgt spid="5124"/>
+                                        </p:tgtEl>
+                                      </p:cBhvr>
+                                    </p:animEffect>
+                                    <p:set>
+                                      <p:cBhvr>
+                                        <p:cTn id="23" dur="1" fill="hold">
+                                          <p:stCondLst>
+                                            <p:cond delay="499"/>
+                                          </p:stCondLst>
+                                        </p:cTn>
+                                        <p:tgtEl>
+                                          <p:spTgt spid="5124"/>
+                                        </p:tgtEl>
+                                        <p:attrNameLst>
+                                          <p:attrName>style.visibility</p:attrName>
+                                        </p:attrNameLst>
+                                      </p:cBhvr>
+                                      <p:to>
+                                        <p:strVal val="hidden"/>
+                                      </p:to>
+                                    </p:set>
+                                  </p:childTnLst>
+                                </p:cTn>
+                              </p:par>
+                              <p:par>
+                                <p:cTn id="24" presetID="12" presetClass="entr" presetSubtype="4" fill="hold" nodeType="withEffect">
+                                  <p:stCondLst>
+                                    <p:cond delay="0"/>
+                                  </p:stCondLst>
+                                  <p:childTnLst>
+                                    <p:set>
+                                      <p:cBhvr>
+                                        <p:cTn id="25" dur="1" fill="hold">
+                                          <p:stCondLst>
+                                            <p:cond delay="0"/>
+                                          </p:stCondLst>
+                                        </p:cTn>
+                                        <p:tgtEl>
+                                          <p:spTgt spid="5127"/>
+                                        </p:tgtEl>
+                                        <p:attrNameLst>
+                                          <p:attrName>style.visibility</p:attrName>
+                                        </p:attrNameLst>
+                                      </p:cBhvr>
+                                      <p:to>
+                                        <p:strVal val="visible"/>
+                                      </p:to>
+                                    </p:set>
+                                    <p:animEffect transition="in" filter="slide(fromBottom)">
+                                      <p:cBhvr>
+                                        <p:cTn id="26" dur="500"/>
+                                        <p:tgtEl>
+                                          <p:spTgt spid="5127"/>
+                                        </p:tgtEl>
+                                      </p:cBhvr>
+                                    </p:animEffect>
+                                  </p:childTnLst>
+                                </p:cTn>
+                              </p:par>
+                            </p:childTnLst>
+                          </p:cTn>
+                        </p:par>
+                      </p:childTnLst>
+                    </p:cTn>
+                  </p:par>
+                  <p:par>
+                    <p:cTn id="27" fill="hold">
+                      <p:stCondLst>
+                        <p:cond delay="indefinite"/>
+                      </p:stCondLst>
+                      <p:childTnLst>
+                        <p:par>
+                          <p:cTn id="28" fill="hold">
+                            <p:stCondLst>
+                              <p:cond delay="0"/>
+                            </p:stCondLst>
+                            <p:childTnLst>
+                              <p:par>
+                                <p:cTn id="29" presetID="12" presetClass="exit" presetSubtype="4" fill="hold" nodeType="clickEffect">
+                                  <p:stCondLst>
+                                    <p:cond delay="0"/>
+                                  </p:stCondLst>
+                                  <p:childTnLst>
+                                    <p:animEffect transition="out" filter="slide(fromBottom)">
+                                      <p:cBhvr>
+                                        <p:cTn id="30" dur="500"/>
+                                        <p:tgtEl>
+                                          <p:spTgt spid="5127"/>
+                                        </p:tgtEl>
+                                      </p:cBhvr>
+                                    </p:animEffect>
+                                    <p:set>
+                                      <p:cBhvr>
+                                        <p:cTn id="31" dur="1" fill="hold">
+                                          <p:stCondLst>
+                                            <p:cond delay="499"/>
+                                          </p:stCondLst>
+                                        </p:cTn>
+                                        <p:tgtEl>
+                                          <p:spTgt spid="5127"/>
+                                        </p:tgtEl>
+                                        <p:attrNameLst>
+                                          <p:attrName>style.visibility</p:attrName>
+                                        </p:attrNameLst>
+                                      </p:cBhvr>
+                                      <p:to>
+                                        <p:strVal val="hidden"/>
+                                      </p:to>
+                                    </p:set>
+                                  </p:childTnLst>
+                                </p:cTn>
+                              </p:par>
+                              <p:par>
+                                <p:cTn id="32" presetID="12" presetClass="entr" presetSubtype="4" fill="hold" nodeType="withEffect">
+                                  <p:stCondLst>
+                                    <p:cond delay="0"/>
+                                  </p:stCondLst>
+                                  <p:childTnLst>
+                                    <p:set>
+                                      <p:cBhvr>
+                                        <p:cTn id="33" dur="1" fill="hold">
+                                          <p:stCondLst>
+                                            <p:cond delay="0"/>
+                                          </p:stCondLst>
+                                        </p:cTn>
+                                        <p:tgtEl>
+                                          <p:spTgt spid="5126"/>
+                                        </p:tgtEl>
+                                        <p:attrNameLst>
+                                          <p:attrName>style.visibility</p:attrName>
+                                        </p:attrNameLst>
+                                      </p:cBhvr>
+                                      <p:to>
+                                        <p:strVal val="visible"/>
+                                      </p:to>
+                                    </p:set>
+                                    <p:animEffect transition="in" filter="slide(fromBottom)">
+                                      <p:cBhvr>
+                                        <p:cTn id="34" dur="500"/>
+                                        <p:tgtEl>
+                                          <p:spTgt spid="5126"/>
                                         </p:tgtEl>
                                       </p:cBhvr>
                                     </p:animEffect>
@@ -4483,12 +4836,8 @@
           <a:lstStyle/>
           <a:p>
             <a:r>
-              <a:rPr lang="en-GB" dirty="0" err="1" smtClean="0"/>
-              <a:t>Vanjski</a:t>
-            </a:r>
-            <a:r>
               <a:rPr lang="en-GB" dirty="0" smtClean="0"/>
-              <a:t> </a:t>
+              <a:t>Vanjski </a:t>
             </a:r>
             <a:r>
               <a:rPr lang="en-GB" dirty="0" err="1" smtClean="0"/>
@@ -4606,36 +4955,34 @@
           </a:xfrm>
         </p:spPr>
         <p:txBody>
+          <a:bodyPr>
+            <a:normAutofit/>
+          </a:bodyPr>
+          <a:lstStyle/>
+          <a:p>
+            <a:r>
+              <a:rPr lang="en-US" dirty="0" smtClean="0"/>
+              <a:t>Aplikacija</a:t>
+            </a:r>
+            <a:endParaRPr lang="bs-Latn-BA" dirty="0"/>
+          </a:p>
+        </p:txBody>
+      </p:sp>
+      <p:sp>
+        <p:nvSpPr>
+          <p:cNvPr id="3" name="Content Placeholder 2"/>
+          <p:cNvSpPr>
+            <a:spLocks noGrp="1"/>
+          </p:cNvSpPr>
+          <p:nvPr>
+            <p:ph idx="1"/>
+          </p:nvPr>
+        </p:nvSpPr>
+        <p:spPr/>
+        <p:txBody>
           <a:bodyPr/>
           <a:lstStyle/>
           <a:p>
-            <a:r>
-              <a:rPr lang="bs-Latn-BA" dirty="0" smtClean="0"/>
-              <a:t>Pristup bazi</a:t>
-            </a:r>
-            <a:endParaRPr lang="bs-Latn-BA" dirty="0"/>
-          </a:p>
-        </p:txBody>
-      </p:sp>
-      <p:sp>
-        <p:nvSpPr>
-          <p:cNvPr id="3" name="Content Placeholder 2"/>
-          <p:cNvSpPr>
-            <a:spLocks noGrp="1"/>
-          </p:cNvSpPr>
-          <p:nvPr>
-            <p:ph idx="1"/>
-          </p:nvPr>
-        </p:nvSpPr>
-        <p:spPr/>
-        <p:txBody>
-          <a:bodyPr/>
-          <a:lstStyle/>
-          <a:p>
-            <a:r>
-              <a:rPr lang="bs-Latn-BA" dirty="0" smtClean="0"/>
-              <a:t>Bla bla</a:t>
-            </a:r>
             <a:endParaRPr lang="bs-Latn-BA" dirty="0"/>
           </a:p>
         </p:txBody>
@@ -4689,14 +5036,12 @@
           </a:xfrm>
         </p:spPr>
         <p:txBody>
-          <a:bodyPr>
-            <a:normAutofit/>
-          </a:bodyPr>
-          <a:lstStyle/>
-          <a:p>
-            <a:r>
-              <a:rPr lang="en-US" dirty="0" err="1" smtClean="0"/>
-              <a:t>Aplikacija</a:t>
+          <a:bodyPr/>
+          <a:lstStyle/>
+          <a:p>
+            <a:r>
+              <a:rPr lang="bs-Latn-BA" dirty="0" smtClean="0"/>
+              <a:t>Mobilna aplikacija</a:t>
             </a:r>
             <a:endParaRPr lang="bs-Latn-BA" dirty="0"/>
           </a:p>
@@ -4717,23 +5062,87 @@
           <a:bodyPr/>
           <a:lstStyle/>
           <a:p>
-            <a:r>
-              <a:rPr lang="en-US" dirty="0" err="1" smtClean="0"/>
-              <a:t>Slika</a:t>
-            </a:r>
-            <a:r>
-              <a:rPr lang="en-US" dirty="0" smtClean="0"/>
-              <a:t> 1 2</a:t>
-            </a:r>
+            <a:endParaRPr lang="en-US" dirty="0" smtClean="0"/>
+          </a:p>
+          <a:p>
             <a:endParaRPr lang="bs-Latn-BA" dirty="0"/>
           </a:p>
         </p:txBody>
       </p:sp>
+      <p:pic>
+        <p:nvPicPr>
+          <p:cNvPr id="1028" name="Picture 4" descr="C:\Users\Salem\Desktop\F6DBafY.png"/>
+          <p:cNvPicPr>
+            <a:picLocks noChangeAspect="1" noChangeArrowheads="1"/>
+          </p:cNvPicPr>
+          <p:nvPr/>
+        </p:nvPicPr>
+        <p:blipFill>
+          <a:blip r:embed="rId2"/>
+          <a:srcRect/>
+          <a:stretch>
+            <a:fillRect/>
+          </a:stretch>
+        </p:blipFill>
+        <p:spPr bwMode="auto">
+          <a:xfrm>
+            <a:off x="914400" y="1295400"/>
+            <a:ext cx="3209925" cy="5334000"/>
+          </a:xfrm>
+          <a:prstGeom prst="rect">
+            <a:avLst/>
+          </a:prstGeom>
+          <a:ln>
+            <a:noFill/>
+          </a:ln>
+          <a:effectLst>
+            <a:softEdge rad="112500"/>
+          </a:effectLst>
+        </p:spPr>
+      </p:pic>
+      <p:pic>
+        <p:nvPicPr>
+          <p:cNvPr id="1029" name="Picture 5" descr="C:\Users\Salem\Desktop\1mTiVPu.png"/>
+          <p:cNvPicPr>
+            <a:picLocks noChangeAspect="1" noChangeArrowheads="1"/>
+          </p:cNvPicPr>
+          <p:nvPr/>
+        </p:nvPicPr>
+        <p:blipFill>
+          <a:blip r:embed="rId3"/>
+          <a:srcRect/>
+          <a:stretch>
+            <a:fillRect/>
+          </a:stretch>
+        </p:blipFill>
+        <p:spPr bwMode="auto">
+          <a:xfrm>
+            <a:off x="5029200" y="1295400"/>
+            <a:ext cx="3228975" cy="5334000"/>
+          </a:xfrm>
+          <a:prstGeom prst="rect">
+            <a:avLst/>
+          </a:prstGeom>
+          <a:ln>
+            <a:noFill/>
+          </a:ln>
+          <a:effectLst>
+            <a:softEdge rad="112500"/>
+          </a:effectLst>
+        </p:spPr>
+      </p:pic>
     </p:spTree>
   </p:cSld>
   <p:clrMapOvr>
     <a:masterClrMapping/>
   </p:clrMapOvr>
+  <p:timing>
+    <p:tnLst>
+      <p:par>
+        <p:cTn id="1" dur="indefinite" restart="never" nodeType="tmRoot"/>
+      </p:par>
+    </p:tnLst>
+  </p:timing>
 </p:sld>
 </file>
 
@@ -4775,8 +5184,8 @@
           <a:lstStyle/>
           <a:p>
             <a:r>
-              <a:rPr lang="en-US" dirty="0" err="1" smtClean="0"/>
-              <a:t>mobi</a:t>
+              <a:rPr lang="bs-Latn-BA" dirty="0" smtClean="0"/>
+              <a:t>Igra - potapanje brodova</a:t>
             </a:r>
             <a:endParaRPr lang="bs-Latn-BA" dirty="0"/>
           </a:p>
@@ -4794,14 +5203,82 @@
         </p:nvSpPr>
         <p:spPr/>
         <p:txBody>
-          <a:bodyPr/>
-          <a:lstStyle/>
-          <a:p>
-            <a:r>
-              <a:rPr lang="en-US" dirty="0" err="1" smtClean="0"/>
-              <a:t>Slika</a:t>
-            </a:r>
-            <a:endParaRPr lang="en-US" dirty="0" smtClean="0"/>
+          <a:bodyPr>
+            <a:normAutofit fontScale="92500" lnSpcReduction="20000"/>
+          </a:bodyPr>
+          <a:lstStyle/>
+          <a:p>
+            <a:pPr algn="just"/>
+            <a:r>
+              <a:rPr lang="bs-Latn-BA" dirty="0"/>
+              <a:t>Igrač na početku igre treba da rasporedi svoje brodove na mapu polja 10x10. </a:t>
+            </a:r>
+            <a:endParaRPr lang="bs-Latn-BA" dirty="0" smtClean="0"/>
+          </a:p>
+          <a:p>
+            <a:pPr algn="just"/>
+            <a:r>
+              <a:rPr lang="bs-Latn-BA" dirty="0" smtClean="0"/>
+              <a:t>Igrač </a:t>
+            </a:r>
+            <a:r>
+              <a:rPr lang="bs-Latn-BA" dirty="0"/>
+              <a:t>posjeduje 5 brodova i to: </a:t>
+            </a:r>
+          </a:p>
+          <a:p>
+            <a:pPr lvl="1" algn="just"/>
+            <a:r>
+              <a:rPr lang="bs-Latn-BA" dirty="0"/>
+              <a:t>1 brod veličine 5x1 (nosač aviona)</a:t>
+            </a:r>
+          </a:p>
+          <a:p>
+            <a:pPr lvl="1" algn="just"/>
+            <a:r>
+              <a:rPr lang="bs-Latn-BA" dirty="0"/>
+              <a:t>2 broda veličine 4x1 (razarač)</a:t>
+            </a:r>
+          </a:p>
+          <a:p>
+            <a:pPr lvl="1" algn="just"/>
+            <a:r>
+              <a:rPr lang="bs-Latn-BA" dirty="0"/>
+              <a:t>1 brod veličine 3x1 (podmornica)</a:t>
+            </a:r>
+          </a:p>
+          <a:p>
+            <a:pPr lvl="1" algn="just"/>
+            <a:r>
+              <a:rPr lang="bs-Latn-BA" dirty="0"/>
+              <a:t>1 brod </a:t>
+            </a:r>
+            <a:r>
+              <a:rPr lang="bs-Latn-BA" dirty="0" smtClean="0"/>
+              <a:t>veličine </a:t>
+            </a:r>
+            <a:r>
+              <a:rPr lang="bs-Latn-BA" dirty="0"/>
+              <a:t>2x1 (korveta</a:t>
+            </a:r>
+            <a:r>
+              <a:rPr lang="bs-Latn-BA" dirty="0" smtClean="0"/>
+              <a:t>)</a:t>
+            </a:r>
+          </a:p>
+          <a:p>
+            <a:pPr algn="just"/>
+            <a:r>
+              <a:rPr lang="bs-Latn-BA" dirty="0"/>
+              <a:t>Cilj igre je da se topovima vlastitih brodova potope brodovi protivnika. </a:t>
+            </a:r>
+          </a:p>
+          <a:p>
+            <a:pPr algn="just"/>
+            <a:r>
+              <a:rPr lang="bs-Latn-BA" dirty="0"/>
+              <a:t>Pobjednik je onaj igrač koji prije potopi sve protivničke brodove.</a:t>
+            </a:r>
           </a:p>
           <a:p>
             <a:endParaRPr lang="bs-Latn-BA" dirty="0"/>
@@ -4813,6 +5290,13 @@
   <p:clrMapOvr>
     <a:masterClrMapping/>
   </p:clrMapOvr>
+  <p:timing>
+    <p:tnLst>
+      <p:par>
+        <p:cTn id="1" dur="indefinite" restart="never" nodeType="tmRoot"/>
+      </p:par>
+    </p:tnLst>
+  </p:timing>
 </p:sld>
 </file>
 
@@ -4863,7 +5347,41 @@
       </p:sp>
       <p:sp>
         <p:nvSpPr>
-          <p:cNvPr id="3" name="Content Placeholder 2"/>
+          <p:cNvPr id="5" name="TextBox 4"/>
+          <p:cNvSpPr txBox="1"/>
+          <p:nvPr/>
+        </p:nvSpPr>
+        <p:spPr>
+          <a:xfrm>
+            <a:off x="533400" y="1600200"/>
+            <a:ext cx="2557239" cy="553998"/>
+          </a:xfrm>
+          <a:prstGeom prst="rect">
+            <a:avLst/>
+          </a:prstGeom>
+          <a:noFill/>
+        </p:spPr>
+        <p:txBody>
+          <a:bodyPr wrap="none" rtlCol="0">
+            <a:spAutoFit/>
+          </a:bodyPr>
+          <a:lstStyle/>
+          <a:p>
+            <a:r>
+              <a:rPr lang="bs-Latn-BA" sz="3000" dirty="0" smtClean="0"/>
+              <a:t>Dijagram klasa</a:t>
+            </a:r>
+            <a:r>
+              <a:rPr lang="en-GB" sz="3000" dirty="0" smtClean="0"/>
+              <a:t>:</a:t>
+            </a:r>
+            <a:endParaRPr lang="bs-Latn-BA" sz="3000" dirty="0"/>
+          </a:p>
+        </p:txBody>
+      </p:sp>
+      <p:sp>
+        <p:nvSpPr>
+          <p:cNvPr id="6" name="Content Placeholder 5"/>
           <p:cNvSpPr>
             <a:spLocks noGrp="1"/>
           </p:cNvSpPr>
@@ -4873,88 +5391,44 @@
         </p:nvSpPr>
         <p:spPr/>
         <p:txBody>
-          <a:bodyPr>
-            <a:normAutofit fontScale="92500" lnSpcReduction="20000"/>
-          </a:bodyPr>
-          <a:lstStyle/>
-          <a:p>
-            <a:pPr algn="just"/>
-            <a:r>
-              <a:rPr lang="bs-Latn-BA" dirty="0"/>
-              <a:t>Igrač na početku igre treba da rasporedi svoje brodove na mapu polja 10x10. </a:t>
-            </a:r>
-            <a:endParaRPr lang="bs-Latn-BA" dirty="0" smtClean="0"/>
-          </a:p>
-          <a:p>
-            <a:pPr algn="just"/>
-            <a:r>
-              <a:rPr lang="bs-Latn-BA" dirty="0" smtClean="0"/>
-              <a:t>Igrač </a:t>
-            </a:r>
-            <a:r>
-              <a:rPr lang="bs-Latn-BA" dirty="0"/>
-              <a:t>posjeduje 5 brodova i to: </a:t>
-            </a:r>
-          </a:p>
-          <a:p>
-            <a:pPr lvl="1" algn="just"/>
-            <a:r>
-              <a:rPr lang="bs-Latn-BA" dirty="0"/>
-              <a:t>1 brod veličine 5x1 (nosač aviona)</a:t>
-            </a:r>
-          </a:p>
-          <a:p>
-            <a:pPr lvl="1" algn="just"/>
-            <a:r>
-              <a:rPr lang="bs-Latn-BA" dirty="0"/>
-              <a:t>2 broda veličine 4x1 (razarač)</a:t>
-            </a:r>
-          </a:p>
-          <a:p>
-            <a:pPr lvl="1" algn="just"/>
-            <a:r>
-              <a:rPr lang="bs-Latn-BA" dirty="0"/>
-              <a:t>1 brod veličine 3x1 (podmornica)</a:t>
-            </a:r>
-          </a:p>
-          <a:p>
-            <a:pPr lvl="1" algn="just"/>
-            <a:r>
-              <a:rPr lang="bs-Latn-BA" dirty="0"/>
-              <a:t>1 brod </a:t>
-            </a:r>
-            <a:r>
-              <a:rPr lang="bs-Latn-BA" dirty="0" smtClean="0"/>
-              <a:t>veličine </a:t>
-            </a:r>
-            <a:r>
-              <a:rPr lang="bs-Latn-BA" dirty="0"/>
-              <a:t>2x1 (korveta</a:t>
-            </a:r>
-            <a:r>
-              <a:rPr lang="bs-Latn-BA" dirty="0" smtClean="0"/>
-              <a:t>)</a:t>
-            </a:r>
-          </a:p>
-          <a:p>
-            <a:pPr algn="just"/>
-            <a:r>
-              <a:rPr lang="bs-Latn-BA" dirty="0"/>
-              <a:t>Cilj igre je da se topovima vlastitih brodova potope brodovi protivnika. </a:t>
-            </a:r>
-          </a:p>
-          <a:p>
-            <a:pPr algn="just"/>
-            <a:r>
-              <a:rPr lang="bs-Latn-BA" dirty="0"/>
-              <a:t>Pobjednik je onaj igrač koji prije potopi sve protivničke brodove.</a:t>
-            </a:r>
-          </a:p>
-          <a:p>
-            <a:endParaRPr lang="bs-Latn-BA" dirty="0"/>
-          </a:p>
-        </p:txBody>
-      </p:sp>
+          <a:bodyPr/>
+          <a:lstStyle/>
+          <a:p>
+            <a:endParaRPr lang="bs-Latn-BA"/>
+          </a:p>
+        </p:txBody>
+      </p:sp>
+      <p:pic>
+        <p:nvPicPr>
+          <p:cNvPr id="6146" name="Picture 2" descr="C:\Users\Salem\Desktop\xqU36ej.png"/>
+          <p:cNvPicPr>
+            <a:picLocks noChangeAspect="1" noChangeArrowheads="1"/>
+          </p:cNvPicPr>
+          <p:nvPr/>
+        </p:nvPicPr>
+        <p:blipFill>
+          <a:blip r:embed="rId3"/>
+          <a:srcRect/>
+          <a:stretch>
+            <a:fillRect/>
+          </a:stretch>
+        </p:blipFill>
+        <p:spPr bwMode="auto">
+          <a:xfrm>
+            <a:off x="0" y="1295400"/>
+            <a:ext cx="9144000" cy="5333999"/>
+          </a:xfrm>
+          <a:prstGeom prst="rect">
+            <a:avLst/>
+          </a:prstGeom>
+          <a:ln>
+            <a:noFill/>
+          </a:ln>
+          <a:effectLst>
+            <a:softEdge rad="112500"/>
+          </a:effectLst>
+        </p:spPr>
+      </p:pic>
     </p:spTree>
   </p:cSld>
   <p:clrMapOvr>
@@ -5004,26 +5478,76 @@
           </a:xfrm>
         </p:spPr>
         <p:txBody>
+          <a:bodyPr>
+            <a:normAutofit/>
+          </a:bodyPr>
+          <a:lstStyle/>
+          <a:p>
+            <a:r>
+              <a:rPr lang="en-US" dirty="0" smtClean="0"/>
+              <a:t>Igra</a:t>
+            </a:r>
+            <a:endParaRPr lang="bs-Latn-BA" dirty="0"/>
+          </a:p>
+        </p:txBody>
+      </p:sp>
+      <p:sp>
+        <p:nvSpPr>
+          <p:cNvPr id="5" name="Content Placeholder 4"/>
+          <p:cNvSpPr>
+            <a:spLocks noGrp="1"/>
+          </p:cNvSpPr>
+          <p:nvPr>
+            <p:ph idx="1"/>
+          </p:nvPr>
+        </p:nvSpPr>
+        <p:spPr/>
+        <p:txBody>
           <a:bodyPr/>
           <a:lstStyle/>
           <a:p>
-            <a:r>
-              <a:rPr lang="bs-Latn-BA" dirty="0" smtClean="0"/>
-              <a:t>Igra - potapanje brodova</a:t>
-            </a:r>
-            <a:endParaRPr lang="bs-Latn-BA" dirty="0"/>
+            <a:endParaRPr lang="bs-Latn-BA"/>
           </a:p>
         </p:txBody>
       </p:sp>
       <p:pic>
         <p:nvPicPr>
-          <p:cNvPr id="26626" name="Picture 2" descr="D:\HeritageDev\OpisIgrice\DijagramKlasa.jpg"/>
+          <p:cNvPr id="7171" name="Picture 3" descr="C:\Users\Salem\Desktop\vZg574z.png"/>
           <p:cNvPicPr>
-            <a:picLocks noGrp="1" noChangeAspect="1" noChangeArrowheads="1"/>
+            <a:picLocks noChangeAspect="1" noChangeArrowheads="1"/>
           </p:cNvPicPr>
-          <p:nvPr>
-            <p:ph idx="1"/>
-          </p:nvPr>
+          <p:nvPr/>
+        </p:nvPicPr>
+        <p:blipFill>
+          <a:blip r:embed="rId2"/>
+          <a:srcRect/>
+          <a:stretch>
+            <a:fillRect/>
+          </a:stretch>
+        </p:blipFill>
+        <p:spPr bwMode="auto">
+          <a:xfrm>
+            <a:off x="0" y="1295400"/>
+            <a:ext cx="9143999" cy="5333999"/>
+          </a:xfrm>
+          <a:prstGeom prst="rect">
+            <a:avLst/>
+          </a:prstGeom>
+          <a:ln>
+            <a:noFill/>
+          </a:ln>
+          <a:effectLst>
+            <a:softEdge rad="112500"/>
+          </a:effectLst>
+        </p:spPr>
+      </p:pic>
+      <p:pic>
+        <p:nvPicPr>
+          <p:cNvPr id="7172" name="Picture 4" descr="C:\Users\Salem\Desktop\OA8ueqU.png"/>
+          <p:cNvPicPr>
+            <a:picLocks noChangeAspect="1" noChangeArrowheads="1"/>
+          </p:cNvPicPr>
+          <p:nvPr/>
         </p:nvPicPr>
         <p:blipFill>
           <a:blip r:embed="rId3"/>
@@ -5034,49 +5558,51 @@
         </p:blipFill>
         <p:spPr bwMode="auto">
           <a:xfrm>
-            <a:off x="228600" y="2362200"/>
-            <a:ext cx="8726713" cy="3810000"/>
+            <a:off x="0" y="1295401"/>
+            <a:ext cx="9144000" cy="5333999"/>
           </a:xfrm>
           <a:prstGeom prst="rect">
             <a:avLst/>
           </a:prstGeom>
-          <a:noFill/>
+          <a:ln>
+            <a:noFill/>
+          </a:ln>
+          <a:effectLst>
+            <a:softEdge rad="112500"/>
+          </a:effectLst>
         </p:spPr>
       </p:pic>
-      <p:sp>
-        <p:nvSpPr>
-          <p:cNvPr id="5" name="TextBox 4"/>
-          <p:cNvSpPr txBox="1"/>
+      <p:pic>
+        <p:nvPicPr>
+          <p:cNvPr id="7173" name="Picture 5" descr="C:\Users\Salem\Desktop\S4RNNI6.png"/>
+          <p:cNvPicPr>
+            <a:picLocks noChangeAspect="1" noChangeArrowheads="1"/>
+          </p:cNvPicPr>
           <p:nvPr/>
-        </p:nvSpPr>
-        <p:spPr>
+        </p:nvPicPr>
+        <p:blipFill>
+          <a:blip r:embed="rId4"/>
+          <a:srcRect/>
+          <a:stretch>
+            <a:fillRect/>
+          </a:stretch>
+        </p:blipFill>
+        <p:spPr bwMode="auto">
           <a:xfrm>
-            <a:off x="533400" y="1600200"/>
-            <a:ext cx="2557239" cy="553998"/>
+            <a:off x="0" y="1295400"/>
+            <a:ext cx="9144000" cy="5334000"/>
           </a:xfrm>
           <a:prstGeom prst="rect">
             <a:avLst/>
           </a:prstGeom>
-          <a:noFill/>
+          <a:ln>
+            <a:noFill/>
+          </a:ln>
+          <a:effectLst>
+            <a:softEdge rad="112500"/>
+          </a:effectLst>
         </p:spPr>
-        <p:txBody>
-          <a:bodyPr wrap="none" rtlCol="0">
-            <a:spAutoFit/>
-          </a:bodyPr>
-          <a:lstStyle/>
-          <a:p>
-            <a:r>
-              <a:rPr lang="bs-Latn-BA" sz="3000" dirty="0" smtClean="0"/>
-              <a:t>Dijagram klasa</a:t>
-            </a:r>
-            <a:r>
-              <a:rPr lang="en-GB" sz="3000" dirty="0" smtClean="0"/>
-              <a:t>:</a:t>
-            </a:r>
-            <a:endParaRPr lang="bs-Latn-BA" sz="3000" dirty="0"/>
-          </a:p>
-        </p:txBody>
-      </p:sp>
+      </p:pic>
     </p:spTree>
   </p:cSld>
   <p:clrMapOvr>
@@ -5085,7 +5611,206 @@
   <p:timing>
     <p:tnLst>
       <p:par>
-        <p:cTn id="1" dur="indefinite" restart="never" nodeType="tmRoot"/>
+        <p:cTn id="1" dur="indefinite" restart="never" nodeType="tmRoot">
+          <p:childTnLst>
+            <p:seq concurrent="1" nextAc="seek">
+              <p:cTn id="2" dur="indefinite" nodeType="mainSeq">
+                <p:childTnLst>
+                  <p:par>
+                    <p:cTn id="3" fill="hold">
+                      <p:stCondLst>
+                        <p:cond delay="indefinite"/>
+                      </p:stCondLst>
+                      <p:childTnLst>
+                        <p:par>
+                          <p:cTn id="4" fill="hold">
+                            <p:stCondLst>
+                              <p:cond delay="0"/>
+                            </p:stCondLst>
+                            <p:childTnLst>
+                              <p:par>
+                                <p:cTn id="5" presetID="12" presetClass="exit" presetSubtype="4" fill="hold" nodeType="clickEffect">
+                                  <p:stCondLst>
+                                    <p:cond delay="0"/>
+                                  </p:stCondLst>
+                                  <p:childTnLst>
+                                    <p:animEffect transition="out" filter="slide(fromBottom)">
+                                      <p:cBhvr>
+                                        <p:cTn id="6" dur="500"/>
+                                        <p:tgtEl>
+                                          <p:spTgt spid="7171"/>
+                                        </p:tgtEl>
+                                      </p:cBhvr>
+                                    </p:animEffect>
+                                    <p:set>
+                                      <p:cBhvr>
+                                        <p:cTn id="7" dur="1" fill="hold">
+                                          <p:stCondLst>
+                                            <p:cond delay="499"/>
+                                          </p:stCondLst>
+                                        </p:cTn>
+                                        <p:tgtEl>
+                                          <p:spTgt spid="7171"/>
+                                        </p:tgtEl>
+                                        <p:attrNameLst>
+                                          <p:attrName>style.visibility</p:attrName>
+                                        </p:attrNameLst>
+                                      </p:cBhvr>
+                                      <p:to>
+                                        <p:strVal val="hidden"/>
+                                      </p:to>
+                                    </p:set>
+                                  </p:childTnLst>
+                                </p:cTn>
+                              </p:par>
+                              <p:par>
+                                <p:cTn id="8" presetID="12" presetClass="entr" presetSubtype="4" fill="hold" nodeType="withEffect">
+                                  <p:stCondLst>
+                                    <p:cond delay="0"/>
+                                  </p:stCondLst>
+                                  <p:childTnLst>
+                                    <p:set>
+                                      <p:cBhvr>
+                                        <p:cTn id="9" dur="1" fill="hold">
+                                          <p:stCondLst>
+                                            <p:cond delay="0"/>
+                                          </p:stCondLst>
+                                        </p:cTn>
+                                        <p:tgtEl>
+                                          <p:spTgt spid="7172"/>
+                                        </p:tgtEl>
+                                        <p:attrNameLst>
+                                          <p:attrName>style.visibility</p:attrName>
+                                        </p:attrNameLst>
+                                      </p:cBhvr>
+                                      <p:to>
+                                        <p:strVal val="visible"/>
+                                      </p:to>
+                                    </p:set>
+                                    <p:animEffect transition="in" filter="slide(fromBottom)">
+                                      <p:cBhvr>
+                                        <p:cTn id="10" dur="500"/>
+                                        <p:tgtEl>
+                                          <p:spTgt spid="7172"/>
+                                        </p:tgtEl>
+                                      </p:cBhvr>
+                                    </p:animEffect>
+                                  </p:childTnLst>
+                                </p:cTn>
+                              </p:par>
+                            </p:childTnLst>
+                          </p:cTn>
+                        </p:par>
+                      </p:childTnLst>
+                    </p:cTn>
+                  </p:par>
+                  <p:par>
+                    <p:cTn id="11" fill="hold">
+                      <p:stCondLst>
+                        <p:cond delay="indefinite"/>
+                      </p:stCondLst>
+                      <p:childTnLst>
+                        <p:par>
+                          <p:cTn id="12" fill="hold">
+                            <p:stCondLst>
+                              <p:cond delay="0"/>
+                            </p:stCondLst>
+                            <p:childTnLst>
+                              <p:par>
+                                <p:cTn id="13" presetID="12" presetClass="exit" presetSubtype="4" fill="hold" nodeType="clickEffect">
+                                  <p:stCondLst>
+                                    <p:cond delay="0"/>
+                                  </p:stCondLst>
+                                  <p:childTnLst>
+                                    <p:animEffect transition="out" filter="slide(fromBottom)">
+                                      <p:cBhvr>
+                                        <p:cTn id="14" dur="500"/>
+                                        <p:tgtEl>
+                                          <p:spTgt spid="7172"/>
+                                        </p:tgtEl>
+                                      </p:cBhvr>
+                                    </p:animEffect>
+                                    <p:set>
+                                      <p:cBhvr>
+                                        <p:cTn id="15" dur="1" fill="hold">
+                                          <p:stCondLst>
+                                            <p:cond delay="499"/>
+                                          </p:stCondLst>
+                                        </p:cTn>
+                                        <p:tgtEl>
+                                          <p:spTgt spid="7172"/>
+                                        </p:tgtEl>
+                                        <p:attrNameLst>
+                                          <p:attrName>style.visibility</p:attrName>
+                                        </p:attrNameLst>
+                                      </p:cBhvr>
+                                      <p:to>
+                                        <p:strVal val="hidden"/>
+                                      </p:to>
+                                    </p:set>
+                                  </p:childTnLst>
+                                </p:cTn>
+                              </p:par>
+                              <p:par>
+                                <p:cTn id="16" presetID="12" presetClass="entr" presetSubtype="4" fill="hold" nodeType="withEffect">
+                                  <p:stCondLst>
+                                    <p:cond delay="0"/>
+                                  </p:stCondLst>
+                                  <p:childTnLst>
+                                    <p:set>
+                                      <p:cBhvr>
+                                        <p:cTn id="17" dur="1" fill="hold">
+                                          <p:stCondLst>
+                                            <p:cond delay="0"/>
+                                          </p:stCondLst>
+                                        </p:cTn>
+                                        <p:tgtEl>
+                                          <p:spTgt spid="7173"/>
+                                        </p:tgtEl>
+                                        <p:attrNameLst>
+                                          <p:attrName>style.visibility</p:attrName>
+                                        </p:attrNameLst>
+                                      </p:cBhvr>
+                                      <p:to>
+                                        <p:strVal val="visible"/>
+                                      </p:to>
+                                    </p:set>
+                                    <p:animEffect transition="in" filter="slide(fromBottom)">
+                                      <p:cBhvr>
+                                        <p:cTn id="18" dur="500"/>
+                                        <p:tgtEl>
+                                          <p:spTgt spid="7173"/>
+                                        </p:tgtEl>
+                                      </p:cBhvr>
+                                    </p:animEffect>
+                                  </p:childTnLst>
+                                </p:cTn>
+                              </p:par>
+                            </p:childTnLst>
+                          </p:cTn>
+                        </p:par>
+                      </p:childTnLst>
+                    </p:cTn>
+                  </p:par>
+                </p:childTnLst>
+              </p:cTn>
+              <p:prevCondLst>
+                <p:cond evt="onPrev" delay="0">
+                  <p:tgtEl>
+                    <p:sldTgt/>
+                  </p:tgtEl>
+                </p:cond>
+              </p:prevCondLst>
+              <p:nextCondLst>
+                <p:cond evt="onNext" delay="0">
+                  <p:tgtEl>
+                    <p:sldTgt/>
+                  </p:tgtEl>
+                </p:cond>
+              </p:nextCondLst>
+            </p:seq>
+          </p:childTnLst>
+        </p:cTn>
       </p:par>
     </p:tnLst>
   </p:timing>
@@ -5126,42 +5851,44 @@
           </a:xfrm>
         </p:spPr>
         <p:txBody>
-          <a:bodyPr>
-            <a:normAutofit/>
+          <a:bodyPr/>
+          <a:lstStyle/>
+          <a:p>
+            <a:endParaRPr lang="bs-Latn-BA" dirty="0"/>
+          </a:p>
+        </p:txBody>
+      </p:sp>
+      <p:sp>
+        <p:nvSpPr>
+          <p:cNvPr id="5" name="Rectangle 4"/>
+          <p:cNvSpPr/>
+          <p:nvPr/>
+        </p:nvSpPr>
+        <p:spPr>
+          <a:xfrm>
+            <a:off x="3048000" y="3048000"/>
+            <a:ext cx="3044680" cy="1015663"/>
+          </a:xfrm>
+          <a:prstGeom prst="rect">
+            <a:avLst/>
+          </a:prstGeom>
+        </p:spPr>
+        <p:txBody>
+          <a:bodyPr wrap="square">
+            <a:spAutoFit/>
           </a:bodyPr>
           <a:lstStyle/>
           <a:p>
-            <a:r>
-              <a:rPr lang="en-US" dirty="0" err="1" smtClean="0"/>
-              <a:t>Igra</a:t>
-            </a:r>
-            <a:endParaRPr lang="bs-Latn-BA" dirty="0"/>
-          </a:p>
-        </p:txBody>
-      </p:sp>
-      <p:sp>
-        <p:nvSpPr>
-          <p:cNvPr id="3" name="Content Placeholder 2"/>
-          <p:cNvSpPr>
-            <a:spLocks noGrp="1"/>
-          </p:cNvSpPr>
-          <p:nvPr>
-            <p:ph idx="1"/>
-          </p:nvPr>
-        </p:nvSpPr>
-        <p:spPr/>
-        <p:txBody>
-          <a:bodyPr/>
-          <a:lstStyle/>
-          <a:p>
-            <a:r>
-              <a:rPr lang="en-US" dirty="0" err="1" smtClean="0"/>
-              <a:t>Slika</a:t>
-            </a:r>
-            <a:endParaRPr lang="en-US" dirty="0" smtClean="0"/>
-          </a:p>
-          <a:p>
-            <a:endParaRPr lang="bs-Latn-BA" dirty="0"/>
+            <a:pPr algn="ctr"/>
+            <a:r>
+              <a:rPr lang="bs-Latn-BA" sz="6000" dirty="0" smtClean="0"/>
+              <a:t>Pitanja</a:t>
+            </a:r>
+            <a:r>
+              <a:rPr lang="en-GB" sz="6000" dirty="0" smtClean="0"/>
+              <a:t>??</a:t>
+            </a:r>
+            <a:endParaRPr lang="en-US" sz="6000" dirty="0" smtClean="0"/>
           </a:p>
         </p:txBody>
       </p:sp>
@@ -5170,106 +5897,13 @@
   <p:clrMapOvr>
     <a:masterClrMapping/>
   </p:clrMapOvr>
-</p:sld>
-</file>
-
-<file path=ppt/slides/slide18.xml><?xml version="1.0" encoding="utf-8"?>
-<p:sld xmlns:a="http://schemas.openxmlformats.org/drawingml/2006/main" xmlns:r="http://schemas.openxmlformats.org/officeDocument/2006/relationships" xmlns:p="http://schemas.openxmlformats.org/presentationml/2006/main">
-  <p:cSld>
-    <p:spTree>
-      <p:nvGrpSpPr>
-        <p:cNvPr id="1" name=""/>
-        <p:cNvGrpSpPr/>
-        <p:nvPr/>
-      </p:nvGrpSpPr>
-      <p:grpSpPr>
-        <a:xfrm>
-          <a:off x="0" y="0"/>
-          <a:ext cx="0" cy="0"/>
-          <a:chOff x="0" y="0"/>
-          <a:chExt cx="0" cy="0"/>
-        </a:xfrm>
-      </p:grpSpPr>
-      <p:sp>
-        <p:nvSpPr>
-          <p:cNvPr id="2" name="Title 1"/>
-          <p:cNvSpPr>
-            <a:spLocks noGrp="1"/>
-          </p:cNvSpPr>
-          <p:nvPr>
-            <p:ph type="title"/>
-          </p:nvPr>
-        </p:nvSpPr>
-        <p:spPr>
-          <a:xfrm>
-            <a:off x="457200" y="274638"/>
-            <a:ext cx="8229600" cy="1020762"/>
-          </a:xfrm>
-        </p:spPr>
-        <p:txBody>
-          <a:bodyPr/>
-          <a:lstStyle/>
-          <a:p>
-            <a:endParaRPr lang="bs-Latn-BA" dirty="0"/>
-          </a:p>
-        </p:txBody>
-      </p:sp>
-      <p:sp>
-        <p:nvSpPr>
-          <p:cNvPr id="3" name="Content Placeholder 2"/>
-          <p:cNvSpPr>
-            <a:spLocks noGrp="1"/>
-          </p:cNvSpPr>
-          <p:nvPr>
-            <p:ph idx="1"/>
-          </p:nvPr>
-        </p:nvSpPr>
-        <p:spPr/>
-        <p:txBody>
-          <a:bodyPr/>
-          <a:lstStyle/>
-          <a:p>
-            <a:r>
-              <a:rPr lang="en-US" dirty="0" err="1" smtClean="0"/>
-              <a:t>Hvala</a:t>
-            </a:r>
-            <a:r>
-              <a:rPr lang="en-US" dirty="0" smtClean="0"/>
-              <a:t> </a:t>
-            </a:r>
-            <a:r>
-              <a:rPr lang="en-US" dirty="0" err="1" smtClean="0"/>
-              <a:t>na</a:t>
-            </a:r>
-            <a:r>
-              <a:rPr lang="en-US" dirty="0" smtClean="0"/>
-              <a:t> </a:t>
-            </a:r>
-            <a:r>
-              <a:rPr lang="en-US" dirty="0" err="1" smtClean="0"/>
-              <a:t>paznji</a:t>
-            </a:r>
-            <a:endParaRPr lang="en-US" dirty="0" smtClean="0"/>
-          </a:p>
-          <a:p>
-            <a:r>
-              <a:rPr lang="en-US" dirty="0" smtClean="0"/>
-              <a:t>???????????</a:t>
-            </a:r>
-          </a:p>
-          <a:p>
-            <a:endParaRPr lang="en-US" dirty="0" smtClean="0"/>
-          </a:p>
-          <a:p>
-            <a:endParaRPr lang="bs-Latn-BA" dirty="0"/>
-          </a:p>
-        </p:txBody>
-      </p:sp>
-    </p:spTree>
-  </p:cSld>
-  <p:clrMapOvr>
-    <a:masterClrMapping/>
-  </p:clrMapOvr>
+  <p:timing>
+    <p:tnLst>
+      <p:par>
+        <p:cTn id="1" dur="indefinite" restart="never" nodeType="tmRoot"/>
+      </p:par>
+    </p:tnLst>
+  </p:timing>
 </p:sld>
 </file>
 
@@ -5313,14 +5947,14 @@
           <a:lstStyle/>
           <a:p>
             <a:r>
-              <a:rPr lang="bs-Latn-BA" b="1" dirty="0"/>
+              <a:rPr lang="bs-Latn-BA" dirty="0"/>
               <a:t>Opis </a:t>
             </a:r>
             <a:r>
-              <a:rPr lang="bs-Latn-BA" b="1" dirty="0" smtClean="0"/>
+              <a:rPr lang="bs-Latn-BA" dirty="0" smtClean="0"/>
               <a:t>projekta</a:t>
             </a:r>
-            <a:endParaRPr lang="bs-Latn-BA" b="1" dirty="0"/>
+            <a:endParaRPr lang="bs-Latn-BA" dirty="0"/>
           </a:p>
         </p:txBody>
       </p:sp>
@@ -5349,11 +5983,7 @@
             <a:pPr algn="just"/>
             <a:r>
               <a:rPr lang="vi-VN" dirty="0" smtClean="0"/>
-              <a:t>IT-Shop je kompanija koja se bavi prodajom i servisom računara i računarske opreme</a:t>
-            </a:r>
-            <a:r>
-              <a:rPr lang="vi-VN" dirty="0" smtClean="0"/>
-              <a:t>.</a:t>
+              <a:t>IT-Shop je kompanija koja se bavi prodajom i servisom računara i računarske opreme.</a:t>
             </a:r>
             <a:endParaRPr lang="bs-Latn-BA" dirty="0" smtClean="0"/>
           </a:p>
@@ -5414,16 +6044,8 @@
           <a:lstStyle/>
           <a:p>
             <a:r>
-              <a:rPr lang="en-GB" dirty="0" err="1" smtClean="0"/>
-              <a:t>Akteri</a:t>
-            </a:r>
-            <a:r>
               <a:rPr lang="en-GB" dirty="0" smtClean="0"/>
-              <a:t> u </a:t>
-            </a:r>
-            <a:r>
-              <a:rPr lang="en-GB" dirty="0" err="1" smtClean="0"/>
-              <a:t>sistemu</a:t>
+              <a:t>Akteri u sistemu</a:t>
             </a:r>
             <a:endParaRPr lang="bs-Latn-BA" dirty="0"/>
           </a:p>
@@ -5567,12 +6189,613 @@
             <p:ph idx="1"/>
           </p:nvPr>
         </p:nvSpPr>
-        <p:spPr/>
-        <p:txBody>
-          <a:bodyPr/>
-          <a:lstStyle/>
-          <a:p>
-            <a:endParaRPr lang="bs-Latn-BA" dirty="0"/>
+        <p:spPr>
+          <a:xfrm>
+            <a:off x="304800" y="1600200"/>
+            <a:ext cx="4191000" cy="4525963"/>
+          </a:xfrm>
+        </p:spPr>
+        <p:txBody>
+          <a:bodyPr>
+            <a:normAutofit/>
+          </a:bodyPr>
+          <a:lstStyle/>
+          <a:p>
+            <a:r>
+              <a:rPr lang="bs-Latn-BA" sz="1800" i="1" dirty="0" smtClean="0"/>
+              <a:t>Korisnik:</a:t>
+            </a:r>
+            <a:endParaRPr lang="bs-Latn-BA" sz="1800" dirty="0" smtClean="0"/>
+          </a:p>
+          <a:p>
+            <a:pPr lvl="1"/>
+            <a:r>
+              <a:rPr lang="bs-Latn-BA" sz="1800" dirty="0" smtClean="0"/>
+              <a:t>Pregled ponude</a:t>
+            </a:r>
+          </a:p>
+          <a:p>
+            <a:pPr lvl="1"/>
+            <a:r>
+              <a:rPr lang="bs-Latn-BA" sz="1800" dirty="0" smtClean="0"/>
+              <a:t>Mogućnost narudžbe nedostupnog proizvoda</a:t>
+            </a:r>
+          </a:p>
+          <a:p>
+            <a:pPr lvl="1"/>
+            <a:r>
+              <a:rPr lang="bs-Latn-BA" sz="1800" dirty="0" smtClean="0"/>
+              <a:t>Zahtjev za palaćanje na rate</a:t>
+            </a:r>
+          </a:p>
+          <a:p>
+            <a:pPr lvl="1"/>
+            <a:r>
+              <a:rPr lang="bs-Latn-BA" sz="1800" dirty="0" smtClean="0"/>
+              <a:t>Servisiranje proizvoda</a:t>
+            </a:r>
+          </a:p>
+          <a:p>
+            <a:r>
+              <a:rPr lang="bs-Latn-BA" sz="1800" i="1" dirty="0" smtClean="0"/>
+              <a:t>Prodavač:</a:t>
+            </a:r>
+            <a:endParaRPr lang="bs-Latn-BA" sz="1800" dirty="0" smtClean="0"/>
+          </a:p>
+          <a:p>
+            <a:pPr lvl="1"/>
+            <a:r>
+              <a:rPr lang="bs-Latn-BA" sz="1800" dirty="0" smtClean="0"/>
+              <a:t>Pregled dostupnih proizvoda </a:t>
+            </a:r>
+          </a:p>
+          <a:p>
+            <a:pPr lvl="1"/>
+            <a:r>
+              <a:rPr lang="bs-Latn-BA" sz="1800" dirty="0" smtClean="0"/>
+              <a:t>Pristup bazi podataka proizvoda</a:t>
+            </a:r>
+          </a:p>
+          <a:p>
+            <a:pPr lvl="1"/>
+            <a:r>
+              <a:rPr lang="bs-Latn-BA" sz="1800" dirty="0" smtClean="0"/>
+              <a:t>Ažuriranje baze podataka proizvoda</a:t>
+            </a:r>
+          </a:p>
+          <a:p>
+            <a:endParaRPr lang="bs-Latn-BA" sz="1800" dirty="0"/>
+          </a:p>
+        </p:txBody>
+      </p:sp>
+      <p:sp>
+        <p:nvSpPr>
+          <p:cNvPr id="4" name="Content Placeholder 2"/>
+          <p:cNvSpPr txBox="1">
+            <a:spLocks/>
+          </p:cNvSpPr>
+          <p:nvPr/>
+        </p:nvSpPr>
+        <p:spPr>
+          <a:xfrm>
+            <a:off x="4648200" y="1600200"/>
+            <a:ext cx="4191000" cy="4525963"/>
+          </a:xfrm>
+          <a:prstGeom prst="rect">
+            <a:avLst/>
+          </a:prstGeom>
+        </p:spPr>
+        <p:txBody>
+          <a:bodyPr vert="horz" lIns="91440" tIns="45720" rIns="91440" bIns="45720" rtlCol="0">
+            <a:normAutofit fontScale="62500" lnSpcReduction="20000"/>
+          </a:bodyPr>
+          <a:lstStyle/>
+          <a:p>
+            <a:pPr marL="342900" marR="0" lvl="0" indent="-342900" algn="l" defTabSz="914400" rtl="0" eaLnBrk="1" fontAlgn="auto" latinLnBrk="0" hangingPunct="1">
+              <a:lnSpc>
+                <a:spcPct val="100000"/>
+              </a:lnSpc>
+              <a:spcBef>
+                <a:spcPct val="20000"/>
+              </a:spcBef>
+              <a:spcAft>
+                <a:spcPts val="0"/>
+              </a:spcAft>
+              <a:buClrTx/>
+              <a:buSzTx/>
+              <a:buFont typeface="Arial" pitchFamily="34" charset="0"/>
+              <a:buChar char="•"/>
+              <a:tabLst/>
+              <a:defRPr/>
+            </a:pPr>
+            <a:r>
+              <a:rPr kumimoji="0" lang="bs-Latn-BA" sz="3200" b="0" i="1" u="none" strike="noStrike" kern="1200" cap="none" spc="0" normalizeH="0" baseline="0" noProof="0" dirty="0" smtClean="0">
+                <a:ln>
+                  <a:noFill/>
+                </a:ln>
+                <a:solidFill>
+                  <a:schemeClr val="tx1"/>
+                </a:solidFill>
+                <a:effectLst/>
+                <a:uLnTx/>
+                <a:uFillTx/>
+                <a:latin typeface="+mn-lt"/>
+                <a:ea typeface="+mn-ea"/>
+                <a:cs typeface="+mn-cs"/>
+              </a:rPr>
+              <a:t>Supervizor:</a:t>
+            </a:r>
+            <a:endParaRPr kumimoji="0" lang="bs-Latn-BA" sz="3200" b="0" i="0" u="none" strike="noStrike" kern="1200" cap="none" spc="0" normalizeH="0" baseline="0" noProof="0" dirty="0" smtClean="0">
+              <a:ln>
+                <a:noFill/>
+              </a:ln>
+              <a:solidFill>
+                <a:schemeClr val="tx1"/>
+              </a:solidFill>
+              <a:effectLst/>
+              <a:uLnTx/>
+              <a:uFillTx/>
+              <a:latin typeface="+mn-lt"/>
+              <a:ea typeface="+mn-ea"/>
+              <a:cs typeface="+mn-cs"/>
+            </a:endParaRPr>
+          </a:p>
+          <a:p>
+            <a:pPr marL="742950" marR="0" lvl="1" indent="-285750" algn="l" defTabSz="914400" rtl="0" eaLnBrk="1" fontAlgn="auto" latinLnBrk="0" hangingPunct="1">
+              <a:lnSpc>
+                <a:spcPct val="100000"/>
+              </a:lnSpc>
+              <a:spcBef>
+                <a:spcPct val="20000"/>
+              </a:spcBef>
+              <a:spcAft>
+                <a:spcPts val="0"/>
+              </a:spcAft>
+              <a:buClrTx/>
+              <a:buSzTx/>
+              <a:buFont typeface="Arial" pitchFamily="34" charset="0"/>
+              <a:buChar char="–"/>
+              <a:tabLst/>
+              <a:defRPr/>
+            </a:pPr>
+            <a:r>
+              <a:rPr kumimoji="0" lang="bs-Latn-BA" sz="2800" b="0" i="0" u="none" strike="noStrike" kern="1200" cap="none" spc="0" normalizeH="0" baseline="0" noProof="0" dirty="0" smtClean="0">
+                <a:ln>
+                  <a:noFill/>
+                </a:ln>
+                <a:solidFill>
+                  <a:schemeClr val="tx1"/>
+                </a:solidFill>
+                <a:effectLst/>
+                <a:uLnTx/>
+                <a:uFillTx/>
+                <a:latin typeface="+mn-lt"/>
+                <a:ea typeface="+mn-ea"/>
+                <a:cs typeface="+mn-cs"/>
+              </a:rPr>
+              <a:t>Pristup bazi podataka proizvoda</a:t>
+            </a:r>
+          </a:p>
+          <a:p>
+            <a:pPr marL="742950" marR="0" lvl="1" indent="-285750" algn="l" defTabSz="914400" rtl="0" eaLnBrk="1" fontAlgn="auto" latinLnBrk="0" hangingPunct="1">
+              <a:lnSpc>
+                <a:spcPct val="100000"/>
+              </a:lnSpc>
+              <a:spcBef>
+                <a:spcPct val="20000"/>
+              </a:spcBef>
+              <a:spcAft>
+                <a:spcPts val="0"/>
+              </a:spcAft>
+              <a:buClrTx/>
+              <a:buSzTx/>
+              <a:buFont typeface="Arial" pitchFamily="34" charset="0"/>
+              <a:buChar char="–"/>
+              <a:tabLst/>
+              <a:defRPr/>
+            </a:pPr>
+            <a:r>
+              <a:rPr kumimoji="0" lang="bs-Latn-BA" sz="2800" b="0" i="0" u="none" strike="noStrike" kern="1200" cap="none" spc="0" normalizeH="0" baseline="0" noProof="0" dirty="0" smtClean="0">
+                <a:ln>
+                  <a:noFill/>
+                </a:ln>
+                <a:solidFill>
+                  <a:schemeClr val="tx1"/>
+                </a:solidFill>
+                <a:effectLst/>
+                <a:uLnTx/>
+                <a:uFillTx/>
+                <a:latin typeface="+mn-lt"/>
+                <a:ea typeface="+mn-ea"/>
+                <a:cs typeface="+mn-cs"/>
+              </a:rPr>
+              <a:t>Pristup servisu</a:t>
+            </a:r>
+          </a:p>
+          <a:p>
+            <a:pPr marL="742950" marR="0" lvl="1" indent="-285750" algn="l" defTabSz="914400" rtl="0" eaLnBrk="1" fontAlgn="auto" latinLnBrk="0" hangingPunct="1">
+              <a:lnSpc>
+                <a:spcPct val="100000"/>
+              </a:lnSpc>
+              <a:spcBef>
+                <a:spcPct val="20000"/>
+              </a:spcBef>
+              <a:spcAft>
+                <a:spcPts val="0"/>
+              </a:spcAft>
+              <a:buClrTx/>
+              <a:buSzTx/>
+              <a:buFont typeface="Arial" pitchFamily="34" charset="0"/>
+              <a:buChar char="–"/>
+              <a:tabLst/>
+              <a:defRPr/>
+            </a:pPr>
+            <a:r>
+              <a:rPr kumimoji="0" lang="bs-Latn-BA" sz="2800" b="0" i="0" u="none" strike="noStrike" kern="1200" cap="none" spc="0" normalizeH="0" baseline="0" noProof="0" dirty="0" smtClean="0">
+                <a:ln>
+                  <a:noFill/>
+                </a:ln>
+                <a:solidFill>
+                  <a:schemeClr val="tx1"/>
+                </a:solidFill>
+                <a:effectLst/>
+                <a:uLnTx/>
+                <a:uFillTx/>
+                <a:latin typeface="+mn-lt"/>
+                <a:ea typeface="+mn-ea"/>
+                <a:cs typeface="+mn-cs"/>
+              </a:rPr>
+              <a:t>Pristup sistemu za narudžbe</a:t>
+            </a:r>
+          </a:p>
+          <a:p>
+            <a:pPr marL="742950" marR="0" lvl="1" indent="-285750" algn="l" defTabSz="914400" rtl="0" eaLnBrk="1" fontAlgn="auto" latinLnBrk="0" hangingPunct="1">
+              <a:lnSpc>
+                <a:spcPct val="100000"/>
+              </a:lnSpc>
+              <a:spcBef>
+                <a:spcPct val="20000"/>
+              </a:spcBef>
+              <a:spcAft>
+                <a:spcPts val="0"/>
+              </a:spcAft>
+              <a:buClrTx/>
+              <a:buSzTx/>
+              <a:buFont typeface="Arial" pitchFamily="34" charset="0"/>
+              <a:buChar char="–"/>
+              <a:tabLst/>
+              <a:defRPr/>
+            </a:pPr>
+            <a:r>
+              <a:rPr kumimoji="0" lang="bs-Latn-BA" sz="2800" b="0" i="0" u="none" strike="noStrike" kern="1200" cap="none" spc="0" normalizeH="0" baseline="0" noProof="0" dirty="0" smtClean="0">
+                <a:ln>
+                  <a:noFill/>
+                </a:ln>
+                <a:solidFill>
+                  <a:schemeClr val="tx1"/>
+                </a:solidFill>
+                <a:effectLst/>
+                <a:uLnTx/>
+                <a:uFillTx/>
+                <a:latin typeface="+mn-lt"/>
+                <a:ea typeface="+mn-ea"/>
+                <a:cs typeface="+mn-cs"/>
+              </a:rPr>
+              <a:t>Pregled dokumentacije podnesene od strane korisnika</a:t>
+            </a:r>
+          </a:p>
+          <a:p>
+            <a:pPr marL="342900" marR="0" lvl="0" indent="-342900" algn="l" defTabSz="914400" rtl="0" eaLnBrk="1" fontAlgn="auto" latinLnBrk="0" hangingPunct="1">
+              <a:lnSpc>
+                <a:spcPct val="100000"/>
+              </a:lnSpc>
+              <a:spcBef>
+                <a:spcPct val="20000"/>
+              </a:spcBef>
+              <a:spcAft>
+                <a:spcPts val="0"/>
+              </a:spcAft>
+              <a:buClrTx/>
+              <a:buSzTx/>
+              <a:buFont typeface="Arial" pitchFamily="34" charset="0"/>
+              <a:buChar char="•"/>
+              <a:tabLst/>
+              <a:defRPr/>
+            </a:pPr>
+            <a:r>
+              <a:rPr kumimoji="0" lang="bs-Latn-BA" sz="3200" b="0" i="1" u="none" strike="noStrike" kern="1200" cap="none" spc="0" normalizeH="0" baseline="0" noProof="0" dirty="0" smtClean="0">
+                <a:ln>
+                  <a:noFill/>
+                </a:ln>
+                <a:solidFill>
+                  <a:schemeClr val="tx1"/>
+                </a:solidFill>
+                <a:effectLst/>
+                <a:uLnTx/>
+                <a:uFillTx/>
+                <a:latin typeface="+mn-lt"/>
+                <a:ea typeface="+mn-ea"/>
+                <a:cs typeface="+mn-cs"/>
+              </a:rPr>
+              <a:t>Servis:</a:t>
+            </a:r>
+            <a:endParaRPr kumimoji="0" lang="bs-Latn-BA" sz="3200" b="0" i="0" u="none" strike="noStrike" kern="1200" cap="none" spc="0" normalizeH="0" baseline="0" noProof="0" dirty="0" smtClean="0">
+              <a:ln>
+                <a:noFill/>
+              </a:ln>
+              <a:solidFill>
+                <a:schemeClr val="tx1"/>
+              </a:solidFill>
+              <a:effectLst/>
+              <a:uLnTx/>
+              <a:uFillTx/>
+              <a:latin typeface="+mn-lt"/>
+              <a:ea typeface="+mn-ea"/>
+              <a:cs typeface="+mn-cs"/>
+            </a:endParaRPr>
+          </a:p>
+          <a:p>
+            <a:pPr marL="742950" marR="0" lvl="1" indent="-285750" algn="l" defTabSz="914400" rtl="0" eaLnBrk="1" fontAlgn="auto" latinLnBrk="0" hangingPunct="1">
+              <a:lnSpc>
+                <a:spcPct val="100000"/>
+              </a:lnSpc>
+              <a:spcBef>
+                <a:spcPct val="20000"/>
+              </a:spcBef>
+              <a:spcAft>
+                <a:spcPts val="0"/>
+              </a:spcAft>
+              <a:buClrTx/>
+              <a:buSzTx/>
+              <a:buFont typeface="Arial" pitchFamily="34" charset="0"/>
+              <a:buChar char="–"/>
+              <a:tabLst/>
+              <a:defRPr/>
+            </a:pPr>
+            <a:r>
+              <a:rPr kumimoji="0" lang="bs-Latn-BA" sz="2800" b="0" i="0" u="none" strike="noStrike" kern="1200" cap="none" spc="0" normalizeH="0" baseline="0" noProof="0" dirty="0" smtClean="0">
+                <a:ln>
+                  <a:noFill/>
+                </a:ln>
+                <a:solidFill>
+                  <a:schemeClr val="tx1"/>
+                </a:solidFill>
+                <a:effectLst/>
+                <a:uLnTx/>
+                <a:uFillTx/>
+                <a:latin typeface="+mn-lt"/>
+                <a:ea typeface="+mn-ea"/>
+                <a:cs typeface="+mn-cs"/>
+              </a:rPr>
+              <a:t>Pristup bazi podataka proizvoda</a:t>
+            </a:r>
+          </a:p>
+          <a:p>
+            <a:pPr marL="742950" marR="0" lvl="1" indent="-285750" algn="l" defTabSz="914400" rtl="0" eaLnBrk="1" fontAlgn="auto" latinLnBrk="0" hangingPunct="1">
+              <a:lnSpc>
+                <a:spcPct val="100000"/>
+              </a:lnSpc>
+              <a:spcBef>
+                <a:spcPct val="20000"/>
+              </a:spcBef>
+              <a:spcAft>
+                <a:spcPts val="0"/>
+              </a:spcAft>
+              <a:buClrTx/>
+              <a:buSzTx/>
+              <a:buFont typeface="Arial" pitchFamily="34" charset="0"/>
+              <a:buChar char="–"/>
+              <a:tabLst/>
+              <a:defRPr/>
+            </a:pPr>
+            <a:r>
+              <a:rPr kumimoji="0" lang="bs-Latn-BA" sz="2800" b="0" i="0" u="none" strike="noStrike" kern="1200" cap="none" spc="0" normalizeH="0" baseline="0" noProof="0" dirty="0" smtClean="0">
+                <a:ln>
+                  <a:noFill/>
+                </a:ln>
+                <a:solidFill>
+                  <a:schemeClr val="tx1"/>
+                </a:solidFill>
+                <a:effectLst/>
+                <a:uLnTx/>
+                <a:uFillTx/>
+                <a:latin typeface="+mn-lt"/>
+                <a:ea typeface="+mn-ea"/>
+                <a:cs typeface="+mn-cs"/>
+              </a:rPr>
+              <a:t>Pristup bazi podataka kvarova</a:t>
+            </a:r>
+          </a:p>
+          <a:p>
+            <a:pPr marL="342900" marR="0" lvl="0" indent="-342900" algn="l" defTabSz="914400" rtl="0" eaLnBrk="1" fontAlgn="auto" latinLnBrk="0" hangingPunct="1">
+              <a:lnSpc>
+                <a:spcPct val="100000"/>
+              </a:lnSpc>
+              <a:spcBef>
+                <a:spcPct val="20000"/>
+              </a:spcBef>
+              <a:spcAft>
+                <a:spcPts val="0"/>
+              </a:spcAft>
+              <a:buClrTx/>
+              <a:buSzTx/>
+              <a:buFont typeface="Arial" pitchFamily="34" charset="0"/>
+              <a:buChar char="•"/>
+              <a:tabLst/>
+              <a:defRPr/>
+            </a:pPr>
+            <a:r>
+              <a:rPr kumimoji="0" lang="bs-Latn-BA" sz="3200" b="0" i="1" u="none" strike="noStrike" kern="1200" cap="none" spc="0" normalizeH="0" baseline="0" noProof="0" dirty="0" smtClean="0">
+                <a:ln>
+                  <a:noFill/>
+                </a:ln>
+                <a:solidFill>
+                  <a:schemeClr val="tx1"/>
+                </a:solidFill>
+                <a:effectLst/>
+                <a:uLnTx/>
+                <a:uFillTx/>
+                <a:latin typeface="+mn-lt"/>
+                <a:ea typeface="+mn-ea"/>
+                <a:cs typeface="+mn-cs"/>
+              </a:rPr>
+              <a:t>Direktor:</a:t>
+            </a:r>
+            <a:endParaRPr kumimoji="0" lang="bs-Latn-BA" sz="3200" b="0" i="0" u="none" strike="noStrike" kern="1200" cap="none" spc="0" normalizeH="0" baseline="0" noProof="0" dirty="0" smtClean="0">
+              <a:ln>
+                <a:noFill/>
+              </a:ln>
+              <a:solidFill>
+                <a:schemeClr val="tx1"/>
+              </a:solidFill>
+              <a:effectLst/>
+              <a:uLnTx/>
+              <a:uFillTx/>
+              <a:latin typeface="+mn-lt"/>
+              <a:ea typeface="+mn-ea"/>
+              <a:cs typeface="+mn-cs"/>
+            </a:endParaRPr>
+          </a:p>
+          <a:p>
+            <a:pPr marL="742950" marR="0" lvl="1" indent="-285750" algn="l" defTabSz="914400" rtl="0" eaLnBrk="1" fontAlgn="auto" latinLnBrk="0" hangingPunct="1">
+              <a:lnSpc>
+                <a:spcPct val="100000"/>
+              </a:lnSpc>
+              <a:spcBef>
+                <a:spcPct val="20000"/>
+              </a:spcBef>
+              <a:spcAft>
+                <a:spcPts val="0"/>
+              </a:spcAft>
+              <a:buClrTx/>
+              <a:buSzTx/>
+              <a:buFont typeface="Arial" pitchFamily="34" charset="0"/>
+              <a:buChar char="–"/>
+              <a:tabLst/>
+              <a:defRPr/>
+            </a:pPr>
+            <a:r>
+              <a:rPr kumimoji="0" lang="bs-Latn-BA" sz="2800" b="0" i="0" u="none" strike="noStrike" kern="1200" cap="none" spc="0" normalizeH="0" baseline="0" noProof="0" dirty="0" smtClean="0">
+                <a:ln>
+                  <a:noFill/>
+                </a:ln>
+                <a:solidFill>
+                  <a:schemeClr val="tx1"/>
+                </a:solidFill>
+                <a:effectLst/>
+                <a:uLnTx/>
+                <a:uFillTx/>
+                <a:latin typeface="+mn-lt"/>
+                <a:ea typeface="+mn-ea"/>
+                <a:cs typeface="+mn-cs"/>
+              </a:rPr>
+              <a:t>Pristup svih dijelovima sistema</a:t>
+            </a:r>
+          </a:p>
+          <a:p>
+            <a:pPr marL="742950" marR="0" lvl="1" indent="-285750" algn="l" defTabSz="914400" rtl="0" eaLnBrk="1" fontAlgn="auto" latinLnBrk="0" hangingPunct="1">
+              <a:lnSpc>
+                <a:spcPct val="100000"/>
+              </a:lnSpc>
+              <a:spcBef>
+                <a:spcPct val="20000"/>
+              </a:spcBef>
+              <a:spcAft>
+                <a:spcPts val="0"/>
+              </a:spcAft>
+              <a:buClrTx/>
+              <a:buSzTx/>
+              <a:buFont typeface="Arial" pitchFamily="34" charset="0"/>
+              <a:buChar char="–"/>
+              <a:tabLst/>
+              <a:defRPr/>
+            </a:pPr>
+            <a:r>
+              <a:rPr kumimoji="0" lang="bs-Latn-BA" sz="2800" b="0" i="0" u="none" strike="noStrike" kern="1200" cap="none" spc="0" normalizeH="0" baseline="0" noProof="0" dirty="0" smtClean="0">
+                <a:ln>
+                  <a:noFill/>
+                </a:ln>
+                <a:solidFill>
+                  <a:schemeClr val="tx1"/>
+                </a:solidFill>
+                <a:effectLst/>
+                <a:uLnTx/>
+                <a:uFillTx/>
+                <a:latin typeface="+mn-lt"/>
+                <a:ea typeface="+mn-ea"/>
+                <a:cs typeface="+mn-cs"/>
+              </a:rPr>
+              <a:t>Pregled statistike vezane za prodaju/narudžbu</a:t>
+            </a:r>
+          </a:p>
+          <a:p>
+            <a:pPr marL="742950" marR="0" lvl="1" indent="-285750" algn="l" defTabSz="914400" rtl="0" eaLnBrk="1" fontAlgn="auto" latinLnBrk="0" hangingPunct="1">
+              <a:lnSpc>
+                <a:spcPct val="100000"/>
+              </a:lnSpc>
+              <a:spcBef>
+                <a:spcPct val="20000"/>
+              </a:spcBef>
+              <a:spcAft>
+                <a:spcPts val="0"/>
+              </a:spcAft>
+              <a:buClrTx/>
+              <a:buSzTx/>
+              <a:buFont typeface="Arial" pitchFamily="34" charset="0"/>
+              <a:buChar char="–"/>
+              <a:tabLst/>
+              <a:defRPr/>
+            </a:pPr>
+            <a:r>
+              <a:rPr kumimoji="0" lang="bs-Latn-BA" sz="2800" b="0" i="0" u="none" strike="noStrike" kern="1200" cap="none" spc="0" normalizeH="0" baseline="0" noProof="0" dirty="0" smtClean="0">
+                <a:ln>
+                  <a:noFill/>
+                </a:ln>
+                <a:solidFill>
+                  <a:schemeClr val="tx1"/>
+                </a:solidFill>
+                <a:effectLst/>
+                <a:uLnTx/>
+                <a:uFillTx/>
+                <a:latin typeface="+mn-lt"/>
+                <a:ea typeface="+mn-ea"/>
+                <a:cs typeface="+mn-cs"/>
+              </a:rPr>
+              <a:t>Pregled informacija o kompaniji i izmjena istih</a:t>
+            </a:r>
+          </a:p>
+          <a:p>
+            <a:pPr marL="342900" marR="0" lvl="0" indent="-342900" algn="l" defTabSz="914400" rtl="0" eaLnBrk="1" fontAlgn="auto" latinLnBrk="0" hangingPunct="1">
+              <a:lnSpc>
+                <a:spcPct val="100000"/>
+              </a:lnSpc>
+              <a:spcBef>
+                <a:spcPct val="20000"/>
+              </a:spcBef>
+              <a:spcAft>
+                <a:spcPts val="0"/>
+              </a:spcAft>
+              <a:buClrTx/>
+              <a:buSzTx/>
+              <a:buFont typeface="Arial" pitchFamily="34" charset="0"/>
+              <a:buChar char="•"/>
+              <a:tabLst/>
+              <a:defRPr/>
+            </a:pPr>
+            <a:endParaRPr kumimoji="0" lang="bs-Latn-BA" sz="3200" b="0" i="0" u="none" strike="noStrike" kern="1200" cap="none" spc="0" normalizeH="0" baseline="0" noProof="0" dirty="0">
+              <a:ln>
+                <a:noFill/>
+              </a:ln>
+              <a:solidFill>
+                <a:schemeClr val="tx1"/>
+              </a:solidFill>
+              <a:effectLst/>
+              <a:uLnTx/>
+              <a:uFillTx/>
+              <a:latin typeface="+mn-lt"/>
+              <a:ea typeface="+mn-ea"/>
+              <a:cs typeface="+mn-cs"/>
+            </a:endParaRPr>
           </a:p>
         </p:txBody>
       </p:sp>
@@ -5581,6 +6804,13 @@
   <p:clrMapOvr>
     <a:masterClrMapping/>
   </p:clrMapOvr>
+  <p:timing>
+    <p:tnLst>
+      <p:par>
+        <p:cTn id="1" dur="indefinite" restart="never" nodeType="tmRoot"/>
+      </p:par>
+    </p:tnLst>
+  </p:timing>
 </p:sld>
 </file>
 
@@ -5613,23 +6843,29 @@
         </p:nvSpPr>
         <p:spPr>
           <a:xfrm>
-            <a:off x="457200" y="274638"/>
+            <a:off x="457200" y="228600"/>
             <a:ext cx="8229600" cy="1020762"/>
           </a:xfrm>
         </p:spPr>
         <p:txBody>
-          <a:bodyPr/>
-          <a:lstStyle/>
-          <a:p>
-            <a:r>
-              <a:rPr lang="en-US" dirty="0" err="1" smtClean="0"/>
-              <a:t>Scenariji</a:t>
-            </a:r>
-            <a:r>
-              <a:rPr lang="en-US" dirty="0" smtClean="0"/>
-              <a:t> 1</a:t>
-            </a:r>
-            <a:endParaRPr lang="bs-Latn-BA" dirty="0"/>
+          <a:bodyPr>
+            <a:noAutofit/>
+          </a:bodyPr>
+          <a:lstStyle/>
+          <a:p>
+            <a:r>
+              <a:rPr lang="en-US" sz="3200" dirty="0" smtClean="0"/>
+              <a:t>Scenariji </a:t>
+            </a:r>
+            <a:r>
+              <a:rPr lang="en-US" sz="3200" dirty="0" smtClean="0"/>
+              <a:t>1 - </a:t>
+            </a:r>
+            <a:r>
+              <a:rPr lang="bs-Latn-BA" sz="3200" dirty="0" smtClean="0"/>
+              <a:t>Narudžba proizvoda i plaćanje na licu mjesta</a:t>
+            </a:r>
+            <a:endParaRPr lang="bs-Latn-BA" sz="3200" dirty="0"/>
           </a:p>
         </p:txBody>
       </p:sp>
@@ -5646,108 +6882,175 @@
         <p:spPr/>
         <p:txBody>
           <a:bodyPr>
-            <a:normAutofit fontScale="70000" lnSpcReduction="20000"/>
+            <a:normAutofit/>
           </a:bodyPr>
           <a:lstStyle/>
           <a:p>
-            <a:r>
-              <a:rPr lang="bs-Latn-BA" i="1" dirty="0" smtClean="0"/>
-              <a:t>Naziv:</a:t>
-            </a:r>
-            <a:r>
-              <a:rPr lang="bs-Latn-BA" dirty="0" smtClean="0"/>
-              <a:t>		Narudžba proizvoda i plaćanje na licu mjesta</a:t>
-            </a:r>
-          </a:p>
-          <a:p>
-            <a:r>
-              <a:rPr lang="bs-Latn-BA" i="1" dirty="0" smtClean="0"/>
-              <a:t>Opis: </a:t>
-            </a:r>
-            <a:r>
-              <a:rPr lang="bs-Latn-BA" dirty="0" smtClean="0"/>
-              <a:t>		Korisnik putem Web-interfejsa bira proizvod, zaključuje narudžbu i plaća 		obračunati iznos gotovinom</a:t>
-            </a:r>
-          </a:p>
-          <a:p>
-            <a:r>
-              <a:rPr lang="bs-Latn-BA" i="1" dirty="0" smtClean="0"/>
+            <a:pPr algn="just"/>
+            <a:r>
+              <a:rPr lang="bs-Latn-BA" sz="2400" i="1" dirty="0" smtClean="0"/>
+              <a:t>Opis</a:t>
+            </a:r>
+            <a:r>
+              <a:rPr lang="bs-Latn-BA" sz="2400" i="1" dirty="0" smtClean="0"/>
+              <a:t>: </a:t>
+            </a:r>
+            <a:r>
+              <a:rPr lang="bs-Latn-BA" sz="2400" dirty="0" smtClean="0"/>
+              <a:t>	</a:t>
+            </a:r>
+            <a:r>
+              <a:rPr lang="bs-Latn-BA" sz="2400" dirty="0" smtClean="0"/>
+              <a:t>Korisnik bira </a:t>
+            </a:r>
+            <a:r>
+              <a:rPr lang="bs-Latn-BA" sz="2400" dirty="0" smtClean="0"/>
+              <a:t>proizvod, zaključuje </a:t>
+            </a:r>
+            <a:r>
+              <a:rPr lang="bs-Latn-BA" sz="2400" dirty="0" smtClean="0"/>
+              <a:t>narudžbu i 			plaća obračunati </a:t>
+            </a:r>
+            <a:r>
+              <a:rPr lang="bs-Latn-BA" sz="2400" dirty="0" smtClean="0"/>
+              <a:t>iznos </a:t>
+            </a:r>
+            <a:r>
+              <a:rPr lang="bs-Latn-BA" sz="2400" dirty="0" smtClean="0"/>
+              <a:t>gotovinom</a:t>
+            </a:r>
+            <a:endParaRPr lang="bs-Latn-BA" sz="2400" dirty="0" smtClean="0"/>
+          </a:p>
+          <a:p>
+            <a:pPr algn="just"/>
+            <a:r>
+              <a:rPr lang="bs-Latn-BA" sz="2400" i="1" dirty="0" smtClean="0"/>
               <a:t>Glavni tok:</a:t>
             </a:r>
             <a:r>
-              <a:rPr lang="bs-Latn-BA" dirty="0" smtClean="0"/>
-              <a:t> 	Završava uspješno izvršenim plaćanjem narudžbe</a:t>
-            </a:r>
-          </a:p>
-          <a:p>
-            <a:r>
-              <a:rPr lang="bs-Latn-BA" i="1" dirty="0" smtClean="0"/>
+              <a:rPr lang="bs-Latn-BA" sz="2400" dirty="0" smtClean="0"/>
+              <a:t> 	</a:t>
+            </a:r>
+            <a:r>
+              <a:rPr lang="bs-Latn-BA" sz="2400" dirty="0" smtClean="0"/>
+              <a:t>Završava </a:t>
+            </a:r>
+            <a:r>
+              <a:rPr lang="bs-Latn-BA" sz="2400" dirty="0" smtClean="0"/>
+              <a:t>uspješno izvršenim plaćanjem </a:t>
+            </a:r>
+            <a:r>
+              <a:rPr lang="bs-Latn-BA" sz="2400" dirty="0" smtClean="0"/>
+              <a:t>		</a:t>
+            </a:r>
+            <a:r>
+              <a:rPr lang="en-US" sz="2400" dirty="0" smtClean="0"/>
+              <a:t>	</a:t>
+            </a:r>
+            <a:r>
+              <a:rPr lang="bs-Latn-BA" sz="2400" dirty="0" smtClean="0"/>
+              <a:t>narudžbe</a:t>
+            </a:r>
+            <a:endParaRPr lang="bs-Latn-BA" sz="2400" dirty="0" smtClean="0"/>
+          </a:p>
+          <a:p>
+            <a:pPr algn="just"/>
+            <a:r>
+              <a:rPr lang="bs-Latn-BA" sz="2400" i="1" dirty="0" smtClean="0"/>
               <a:t>Preduvjeti:</a:t>
             </a:r>
             <a:r>
-              <a:rPr lang="bs-Latn-BA" dirty="0" smtClean="0"/>
-              <a:t>	Proizvod se nalazi na stanju u radnji</a:t>
-            </a:r>
-          </a:p>
-          <a:p>
-            <a:r>
-              <a:rPr lang="bs-Latn-BA" i="1" dirty="0" smtClean="0"/>
+              <a:rPr lang="bs-Latn-BA" sz="2400" dirty="0" smtClean="0"/>
+              <a:t>	</a:t>
+            </a:r>
+            <a:r>
+              <a:rPr lang="bs-Latn-BA" sz="2400" dirty="0" smtClean="0"/>
+              <a:t>Proizvod </a:t>
+            </a:r>
+            <a:r>
+              <a:rPr lang="bs-Latn-BA" sz="2400" dirty="0" smtClean="0"/>
+              <a:t>se nalazi na stanju u radnji</a:t>
+            </a:r>
+          </a:p>
+          <a:p>
+            <a:pPr algn="just"/>
+            <a:r>
+              <a:rPr lang="bs-Latn-BA" sz="2400" i="1" dirty="0" smtClean="0"/>
               <a:t>Posljedice:</a:t>
             </a:r>
             <a:r>
-              <a:rPr lang="bs-Latn-BA" dirty="0" smtClean="0"/>
-              <a:t>	Uspješno obavljena </a:t>
-            </a:r>
-            <a:r>
-              <a:rPr lang="bs-Latn-BA" dirty="0" smtClean="0"/>
-              <a:t>trgovina</a:t>
-            </a:r>
-            <a:endParaRPr lang="en-US" dirty="0" smtClean="0"/>
-          </a:p>
-          <a:p>
-            <a:r>
-              <a:rPr lang="bs-Latn-BA" i="1" dirty="0" smtClean="0"/>
-              <a:t>Alternativni tok 1: 	</a:t>
-            </a:r>
-            <a:r>
-              <a:rPr lang="bs-Latn-BA" dirty="0" smtClean="0"/>
-              <a:t>Proizvod nije na stanju</a:t>
-            </a:r>
-          </a:p>
-          <a:p>
-            <a:r>
-              <a:rPr lang="bs-Latn-BA" i="1" dirty="0" smtClean="0"/>
-              <a:t>Preduvjeti: 		</a:t>
-            </a:r>
-            <a:r>
-              <a:rPr lang="bs-Latn-BA" dirty="0" smtClean="0"/>
-              <a:t>Na koraku 4. glavnog toka proizvod nije pronađen na stanju</a:t>
-            </a:r>
-          </a:p>
-          <a:p>
-            <a:r>
-              <a:rPr lang="bs-Latn-BA" i="1" dirty="0" smtClean="0"/>
-              <a:t>Alternativni tok 2: 	</a:t>
-            </a:r>
-            <a:r>
-              <a:rPr lang="bs-Latn-BA" dirty="0" smtClean="0"/>
-              <a:t>Korisnik podnio zahtjev za plaćanje na rate</a:t>
-            </a:r>
-          </a:p>
-          <a:p>
-            <a:r>
-              <a:rPr lang="bs-Latn-BA" i="1" dirty="0" smtClean="0"/>
-              <a:t>Preduvjeti: 		</a:t>
-            </a:r>
-            <a:r>
-              <a:rPr lang="bs-Latn-BA" dirty="0" smtClean="0"/>
-              <a:t>Na koraku 8 glavnog toka korisnik zatražio mogućnost plaćanja na </a:t>
-            </a:r>
-            <a:r>
-              <a:rPr lang="bs-Latn-BA" dirty="0" smtClean="0"/>
+              <a:rPr lang="bs-Latn-BA" sz="2400" dirty="0" smtClean="0"/>
+              <a:t>	</a:t>
+            </a:r>
+            <a:r>
+              <a:rPr lang="bs-Latn-BA" sz="2400" dirty="0" smtClean="0"/>
+              <a:t>Uspješno </a:t>
+            </a:r>
+            <a:r>
+              <a:rPr lang="bs-Latn-BA" sz="2400" dirty="0" smtClean="0"/>
+              <a:t>obavljena trgovina</a:t>
+            </a:r>
+            <a:endParaRPr lang="en-US" sz="2400" dirty="0" smtClean="0"/>
+          </a:p>
+          <a:p>
+            <a:pPr algn="just"/>
+            <a:endParaRPr lang="en-US" sz="2400" i="1" dirty="0" smtClean="0"/>
+          </a:p>
+          <a:p>
+            <a:pPr algn="just">
+              <a:buFont typeface="Wingdings" pitchFamily="2" charset="2"/>
+              <a:buChar char="§"/>
+            </a:pPr>
+            <a:r>
+              <a:rPr lang="bs-Latn-BA" sz="2400" i="1" dirty="0" smtClean="0"/>
+              <a:t>Alternativni </a:t>
+            </a:r>
+            <a:r>
+              <a:rPr lang="bs-Latn-BA" sz="2400" i="1" dirty="0" smtClean="0"/>
+              <a:t>tok 1: </a:t>
+            </a:r>
+            <a:r>
+              <a:rPr lang="bs-Latn-BA" sz="2400" i="1" dirty="0" smtClean="0"/>
+              <a:t>	</a:t>
+            </a:r>
+            <a:r>
+              <a:rPr lang="bs-Latn-BA" sz="2400" dirty="0" smtClean="0"/>
+              <a:t>Proizvod </a:t>
+            </a:r>
+            <a:r>
+              <a:rPr lang="bs-Latn-BA" sz="2400" dirty="0" smtClean="0"/>
+              <a:t>nije na stanju</a:t>
+            </a:r>
+          </a:p>
+          <a:p>
+            <a:pPr algn="just">
+              <a:buFont typeface="Wingdings" pitchFamily="2" charset="2"/>
+              <a:buChar char="§"/>
+            </a:pPr>
+            <a:endParaRPr lang="en-US" sz="2400" i="1" dirty="0" smtClean="0"/>
+          </a:p>
+          <a:p>
+            <a:pPr algn="just">
+              <a:buFont typeface="Wingdings" pitchFamily="2" charset="2"/>
+              <a:buChar char="§"/>
+            </a:pPr>
+            <a:r>
+              <a:rPr lang="bs-Latn-BA" sz="2400" i="1" dirty="0" smtClean="0"/>
+              <a:t>Alternativni </a:t>
+            </a:r>
+            <a:r>
+              <a:rPr lang="bs-Latn-BA" sz="2400" i="1" dirty="0" smtClean="0"/>
+              <a:t>tok 2: 	</a:t>
+            </a:r>
+            <a:r>
+              <a:rPr lang="bs-Latn-BA" sz="2400" dirty="0" smtClean="0"/>
+              <a:t>Korisnik podnio zahtjev za plaćanje na </a:t>
+            </a:r>
+            <a:r>
+              <a:rPr lang="bs-Latn-BA" sz="2400" dirty="0" smtClean="0"/>
               <a:t>rate</a:t>
             </a:r>
-            <a:endParaRPr lang="bs-Latn-BA" dirty="0" smtClean="0"/>
+            <a:endParaRPr lang="bs-Latn-BA" sz="2400" dirty="0" smtClean="0"/>
           </a:p>
         </p:txBody>
       </p:sp>
@@ -5756,6 +7059,13 @@
   <p:clrMapOvr>
     <a:masterClrMapping/>
   </p:clrMapOvr>
+  <p:timing>
+    <p:tnLst>
+      <p:par>
+        <p:cTn id="1" dur="indefinite" restart="never" nodeType="tmRoot"/>
+      </p:par>
+    </p:tnLst>
+  </p:timing>
 </p:sld>
 </file>
 
@@ -5794,104 +7104,139 @@
         </p:spPr>
         <p:txBody>
           <a:bodyPr>
+            <a:normAutofit fontScale="90000"/>
+          </a:bodyPr>
+          <a:lstStyle/>
+          <a:p>
+            <a:r>
+              <a:rPr lang="bs-Latn-BA" dirty="0" smtClean="0"/>
+              <a:t>Scenarij 2</a:t>
+            </a:r>
+            <a:r>
+              <a:rPr lang="bs-Latn-BA" dirty="0" smtClean="0"/>
+              <a:t>. </a:t>
+            </a:r>
+            <a:r>
+              <a:rPr lang="bs-Latn-BA" dirty="0" smtClean="0"/>
+              <a:t>- Dostava uređaja na servis</a:t>
+            </a:r>
+            <a:endParaRPr lang="bs-Latn-BA" dirty="0"/>
+          </a:p>
+        </p:txBody>
+      </p:sp>
+      <p:sp>
+        <p:nvSpPr>
+          <p:cNvPr id="3" name="Content Placeholder 2"/>
+          <p:cNvSpPr>
+            <a:spLocks noGrp="1"/>
+          </p:cNvSpPr>
+          <p:nvPr>
+            <p:ph idx="1"/>
+          </p:nvPr>
+        </p:nvSpPr>
+        <p:spPr/>
+        <p:txBody>
+          <a:bodyPr>
             <a:normAutofit/>
           </a:bodyPr>
           <a:lstStyle/>
           <a:p>
-            <a:r>
-              <a:rPr lang="bs-Latn-BA" dirty="0" smtClean="0"/>
-              <a:t>Scenarij 2</a:t>
-            </a:r>
-            <a:r>
-              <a:rPr lang="bs-Latn-BA" dirty="0" smtClean="0"/>
-              <a:t>.</a:t>
-            </a:r>
-            <a:endParaRPr lang="bs-Latn-BA" dirty="0"/>
-          </a:p>
-        </p:txBody>
-      </p:sp>
-      <p:sp>
-        <p:nvSpPr>
-          <p:cNvPr id="3" name="Content Placeholder 2"/>
-          <p:cNvSpPr>
-            <a:spLocks noGrp="1"/>
-          </p:cNvSpPr>
-          <p:nvPr>
-            <p:ph idx="1"/>
-          </p:nvPr>
-        </p:nvSpPr>
-        <p:spPr/>
-        <p:txBody>
-          <a:bodyPr>
-            <a:normAutofit fontScale="92500" lnSpcReduction="20000"/>
-          </a:bodyPr>
-          <a:lstStyle/>
-          <a:p>
-            <a:r>
-              <a:rPr lang="bs-Latn-BA" i="1" dirty="0" smtClean="0"/>
-              <a:t>Naziv</a:t>
-            </a:r>
-            <a:r>
-              <a:rPr lang="bs-Latn-BA" i="1" dirty="0" smtClean="0"/>
-              <a:t>:</a:t>
-            </a:r>
-            <a:r>
-              <a:rPr lang="bs-Latn-BA" dirty="0" smtClean="0"/>
-              <a:t>		Dostava uređaja na servis</a:t>
-            </a:r>
-          </a:p>
-          <a:p>
-            <a:r>
-              <a:rPr lang="bs-Latn-BA" i="1" dirty="0" smtClean="0"/>
-              <a:t>Opis: </a:t>
-            </a:r>
-            <a:r>
-              <a:rPr lang="bs-Latn-BA" dirty="0" smtClean="0"/>
-              <a:t>		Korisnik dostavio uređaj na servis i potpisao predračun o servisiranju</a:t>
-            </a:r>
-          </a:p>
-          <a:p>
-            <a:r>
-              <a:rPr lang="bs-Latn-BA" i="1" dirty="0" smtClean="0"/>
+            <a:pPr algn="just"/>
+            <a:r>
+              <a:rPr lang="bs-Latn-BA" sz="2800" i="1" dirty="0" smtClean="0"/>
+              <a:t>Opis:	    </a:t>
+            </a:r>
+            <a:r>
+              <a:rPr lang="bs-Latn-BA" sz="2800" dirty="0" smtClean="0"/>
+              <a:t>Korisnik </a:t>
+            </a:r>
+            <a:r>
+              <a:rPr lang="bs-Latn-BA" sz="2800" dirty="0" smtClean="0"/>
+              <a:t>dostavio uređaj na </a:t>
+            </a:r>
+            <a:r>
+              <a:rPr lang="bs-Latn-BA" sz="2800" dirty="0" smtClean="0"/>
+              <a:t>servis i 			    potpisao </a:t>
+            </a:r>
+            <a:r>
+              <a:rPr lang="bs-Latn-BA" sz="2800" dirty="0" smtClean="0"/>
+              <a:t>predračun o </a:t>
+            </a:r>
+            <a:r>
+              <a:rPr lang="bs-Latn-BA" sz="2800" dirty="0" smtClean="0"/>
+              <a:t>servisiranju</a:t>
+            </a:r>
+            <a:endParaRPr lang="bs-Latn-BA" sz="2800" dirty="0" smtClean="0"/>
+          </a:p>
+          <a:p>
+            <a:pPr algn="just"/>
+            <a:r>
+              <a:rPr lang="bs-Latn-BA" sz="2800" i="1" dirty="0" smtClean="0"/>
               <a:t>Glavni tok:</a:t>
             </a:r>
             <a:r>
-              <a:rPr lang="bs-Latn-BA" dirty="0" smtClean="0"/>
-              <a:t> 	Završava uspješno izvršenim plaćanjem narudžbe</a:t>
-            </a:r>
-          </a:p>
-          <a:p>
-            <a:r>
-              <a:rPr lang="bs-Latn-BA" i="1" dirty="0" smtClean="0"/>
-              <a:t>Posljedice:</a:t>
-            </a:r>
-            <a:r>
-              <a:rPr lang="bs-Latn-BA" dirty="0" smtClean="0"/>
-              <a:t>	Uspješno obavljena trgovina</a:t>
-            </a:r>
-          </a:p>
-          <a:p>
-            <a:r>
-              <a:rPr lang="bs-Latn-BA" i="1" dirty="0" smtClean="0"/>
-              <a:t>Alternativni tok 1: 	</a:t>
-            </a:r>
-            <a:r>
-              <a:rPr lang="bs-Latn-BA" dirty="0" smtClean="0"/>
-              <a:t>Uređaj nije moguće servisirati </a:t>
-            </a:r>
-          </a:p>
-          <a:p>
-            <a:r>
-              <a:rPr lang="bs-Latn-BA" i="1" dirty="0" smtClean="0"/>
-              <a:t>Preduvjeti: 		</a:t>
-            </a:r>
-            <a:r>
-              <a:rPr lang="bs-Latn-BA" dirty="0" smtClean="0"/>
-              <a:t>Na koraku 3. glavnog toka servisiranje uređaja nije izvodljivo</a:t>
-            </a:r>
-          </a:p>
-          <a:p>
-            <a:endParaRPr lang="bs-Latn-BA" dirty="0"/>
+              <a:rPr lang="bs-Latn-BA" sz="2800" dirty="0" smtClean="0"/>
+              <a:t> </a:t>
+            </a:r>
+            <a:r>
+              <a:rPr lang="bs-Latn-BA" sz="2800" dirty="0" smtClean="0"/>
+              <a:t>Završava </a:t>
+            </a:r>
+            <a:r>
+              <a:rPr lang="bs-Latn-BA" sz="2800" dirty="0" smtClean="0"/>
+              <a:t>uspješno izvršenim </a:t>
+            </a:r>
+            <a:r>
+              <a:rPr lang="bs-Latn-BA" sz="2800" dirty="0" smtClean="0"/>
+              <a:t>plaćanjem 		    narudžbe</a:t>
+            </a:r>
+            <a:endParaRPr lang="bs-Latn-BA" sz="2800" dirty="0" smtClean="0"/>
+          </a:p>
+          <a:p>
+            <a:pPr algn="just"/>
+            <a:r>
+              <a:rPr lang="bs-Latn-BA" sz="2800" i="1" dirty="0" smtClean="0"/>
+              <a:t>Posljedice:    </a:t>
+            </a:r>
+            <a:r>
+              <a:rPr lang="bs-Latn-BA" sz="2800" dirty="0" smtClean="0"/>
+              <a:t>Uspješno </a:t>
+            </a:r>
+            <a:r>
+              <a:rPr lang="bs-Latn-BA" sz="2800" dirty="0" smtClean="0"/>
+              <a:t>obavljena trgovina</a:t>
+            </a:r>
+          </a:p>
+          <a:p>
+            <a:pPr algn="just"/>
+            <a:endParaRPr lang="bs-Latn-BA" sz="2800" i="1" dirty="0" smtClean="0"/>
+          </a:p>
+          <a:p>
+            <a:pPr algn="just">
+              <a:buFont typeface="Wingdings" pitchFamily="2" charset="2"/>
+              <a:buChar char="§"/>
+            </a:pPr>
+            <a:r>
+              <a:rPr lang="bs-Latn-BA" sz="2800" i="1" dirty="0" smtClean="0"/>
+              <a:t>Alternativni tok: </a:t>
+            </a:r>
+            <a:r>
+              <a:rPr lang="bs-Latn-BA" sz="2800" i="1" dirty="0" smtClean="0"/>
+              <a:t>	</a:t>
+            </a:r>
+            <a:r>
+              <a:rPr lang="bs-Latn-BA" sz="2800" dirty="0" smtClean="0"/>
+              <a:t>Uređaj nije </a:t>
+            </a:r>
+            <a:r>
+              <a:rPr lang="bs-Latn-BA" sz="2800" dirty="0" smtClean="0"/>
+              <a:t>moguće servisirati </a:t>
+            </a:r>
+            <a:endParaRPr lang="bs-Latn-BA" sz="2800" dirty="0" smtClean="0"/>
+          </a:p>
+          <a:p>
+            <a:pPr algn="just"/>
+            <a:endParaRPr lang="bs-Latn-BA" sz="2800" dirty="0"/>
           </a:p>
         </p:txBody>
       </p:sp>
@@ -5900,6 +7245,13 @@
   <p:clrMapOvr>
     <a:masterClrMapping/>
   </p:clrMapOvr>
+  <p:timing>
+    <p:tnLst>
+      <p:par>
+        <p:cTn id="1" dur="indefinite" restart="never" nodeType="tmRoot"/>
+      </p:par>
+    </p:tnLst>
+  </p:timing>
 </p:sld>
 </file>
 
@@ -5947,15 +7299,32 @@
           </a:p>
         </p:txBody>
       </p:sp>
+      <p:sp>
+        <p:nvSpPr>
+          <p:cNvPr id="4" name="Content Placeholder 3"/>
+          <p:cNvSpPr>
+            <a:spLocks noGrp="1"/>
+          </p:cNvSpPr>
+          <p:nvPr>
+            <p:ph idx="1"/>
+          </p:nvPr>
+        </p:nvSpPr>
+        <p:spPr/>
+        <p:txBody>
+          <a:bodyPr/>
+          <a:lstStyle/>
+          <a:p>
+            <a:endParaRPr lang="bs-Latn-BA"/>
+          </a:p>
+        </p:txBody>
+      </p:sp>
       <p:pic>
         <p:nvPicPr>
-          <p:cNvPr id="15362" name="Picture 2" descr="D:\HeritageDev\OpisProjekta\UseCaseDiagram\Dijagram slučajeva upotrebe.jpg"/>
+          <p:cNvPr id="2050" name="Picture 2" descr="C:\Users\Salem\Desktop\bC0kq64.png"/>
           <p:cNvPicPr>
-            <a:picLocks noGrp="1" noChangeAspect="1" noChangeArrowheads="1"/>
+            <a:picLocks noChangeAspect="1" noChangeArrowheads="1"/>
           </p:cNvPicPr>
-          <p:nvPr>
-            <p:ph idx="1"/>
-          </p:nvPr>
+          <p:nvPr/>
         </p:nvPicPr>
         <p:blipFill>
           <a:blip r:embed="rId2"/>
@@ -5966,13 +7335,18 @@
         </p:blipFill>
         <p:spPr bwMode="auto">
           <a:xfrm>
-            <a:off x="-1" y="1295400"/>
-            <a:ext cx="9129453" cy="5562600"/>
+            <a:off x="0" y="1295400"/>
+            <a:ext cx="9144000" cy="5312440"/>
           </a:xfrm>
           <a:prstGeom prst="rect">
             <a:avLst/>
           </a:prstGeom>
-          <a:noFill/>
+          <a:ln>
+            <a:noFill/>
+          </a:ln>
+          <a:effectLst>
+            <a:softEdge rad="112500"/>
+          </a:effectLst>
         </p:spPr>
       </p:pic>
     </p:spTree>
@@ -6009,33 +7383,7 @@
       </p:grpSpPr>
       <p:pic>
         <p:nvPicPr>
-          <p:cNvPr id="16390" name="Picture 6" descr="http://i.imgur.com/jGGQTPZ.png"/>
-          <p:cNvPicPr>
-            <a:picLocks noChangeAspect="1" noChangeArrowheads="1"/>
-          </p:cNvPicPr>
-          <p:nvPr/>
-        </p:nvPicPr>
-        <p:blipFill>
-          <a:blip r:embed="rId2"/>
-          <a:srcRect/>
-          <a:stretch>
-            <a:fillRect/>
-          </a:stretch>
-        </p:blipFill>
-        <p:spPr bwMode="auto">
-          <a:xfrm>
-            <a:off x="228600" y="1454151"/>
-            <a:ext cx="8763000" cy="5403849"/>
-          </a:xfrm>
-          <a:prstGeom prst="rect">
-            <a:avLst/>
-          </a:prstGeom>
-          <a:noFill/>
-        </p:spPr>
-      </p:pic>
-      <p:pic>
-        <p:nvPicPr>
-          <p:cNvPr id="16388" name="Picture 4" descr="http://i.imgur.com/M7PxZwK.png"/>
+          <p:cNvPr id="4099" name="Picture 3" descr="C:\Users\Salem\Desktop\QJdzB30.png"/>
           <p:cNvPicPr>
             <a:picLocks noChangeAspect="1" noChangeArrowheads="1"/>
           </p:cNvPicPr>
@@ -6050,13 +7398,18 @@
         </p:blipFill>
         <p:spPr bwMode="auto">
           <a:xfrm>
-            <a:off x="0" y="1371600"/>
-            <a:ext cx="8686800" cy="5334000"/>
+            <a:off x="0" y="1295400"/>
+            <a:ext cx="9144000" cy="5334000"/>
           </a:xfrm>
           <a:prstGeom prst="rect">
             <a:avLst/>
           </a:prstGeom>
-          <a:noFill/>
+          <a:ln>
+            <a:noFill/>
+          </a:ln>
+          <a:effectLst>
+            <a:softEdge rad="112500"/>
+          </a:effectLst>
         </p:spPr>
       </p:pic>
       <p:sp>
@@ -6089,20 +7442,43 @@
             </a:r>
             <a:r>
               <a:rPr lang="en-GB" dirty="0" smtClean="0"/>
-              <a:t> (</a:t>
-            </a:r>
-            <a:r>
-              <a:rPr lang="en-GB" dirty="0" err="1" smtClean="0"/>
-              <a:t>prodaja</a:t>
-            </a:r>
-            <a:r>
-              <a:rPr lang="en-GB" dirty="0" smtClean="0"/>
-              <a:t>)</a:t>
+              <a:t> (prodaja)</a:t>
             </a:r>
             <a:endParaRPr lang="bs-Latn-BA" dirty="0"/>
           </a:p>
         </p:txBody>
       </p:sp>
+      <p:pic>
+        <p:nvPicPr>
+          <p:cNvPr id="4100" name="Picture 4" descr="C:\Users\Salem\Desktop\tmB88w0.png"/>
+          <p:cNvPicPr>
+            <a:picLocks noChangeAspect="1" noChangeArrowheads="1"/>
+          </p:cNvPicPr>
+          <p:nvPr/>
+        </p:nvPicPr>
+        <p:blipFill>
+          <a:blip r:embed="rId4"/>
+          <a:srcRect/>
+          <a:stretch>
+            <a:fillRect/>
+          </a:stretch>
+        </p:blipFill>
+        <p:spPr bwMode="auto">
+          <a:xfrm>
+            <a:off x="1" y="1295400"/>
+            <a:ext cx="9144000" cy="5333999"/>
+          </a:xfrm>
+          <a:prstGeom prst="rect">
+            <a:avLst/>
+          </a:prstGeom>
+          <a:ln>
+            <a:noFill/>
+          </a:ln>
+          <a:effectLst>
+            <a:softEdge rad="112500"/>
+          </a:effectLst>
+        </p:spPr>
+      </p:pic>
     </p:spTree>
   </p:cSld>
   <p:clrMapOvr>
@@ -6120,9 +7496,6 @@
                     <p:cTn id="3" fill="hold">
                       <p:stCondLst>
                         <p:cond delay="indefinite"/>
-                        <p:cond evt="onBegin" delay="0">
-                          <p:tn val="2"/>
-                        </p:cond>
                       </p:stCondLst>
                       <p:childTnLst>
                         <p:par>
@@ -6132,81 +7505,28 @@
                             </p:stCondLst>
                             <p:childTnLst>
                               <p:par>
-                                <p:cTn id="5" presetID="12" presetClass="entr" presetSubtype="4" fill="hold" nodeType="withEffect">
-                                  <p:stCondLst>
-                                    <p:cond delay="0"/>
-                                  </p:stCondLst>
-                                  <p:childTnLst>
-                                    <p:set>
-                                      <p:cBhvr>
-                                        <p:cTn id="6" dur="1" fill="hold">
-                                          <p:stCondLst>
-                                            <p:cond delay="0"/>
-                                          </p:stCondLst>
-                                        </p:cTn>
-                                        <p:tgtEl>
-                                          <p:spTgt spid="16388"/>
-                                        </p:tgtEl>
-                                        <p:attrNameLst>
-                                          <p:attrName>style.visibility</p:attrName>
-                                        </p:attrNameLst>
-                                      </p:cBhvr>
-                                      <p:to>
-                                        <p:strVal val="visible"/>
-                                      </p:to>
-                                    </p:set>
-                                    <p:animEffect transition="in" filter="slide(fromBottom)">
-                                      <p:cBhvr>
-                                        <p:cTn id="7" dur="500"/>
-                                        <p:tgtEl>
-                                          <p:spTgt spid="16388"/>
-                                        </p:tgtEl>
-                                      </p:cBhvr>
-                                    </p:animEffect>
-                                  </p:childTnLst>
-                                </p:cTn>
-                              </p:par>
-                            </p:childTnLst>
-                          </p:cTn>
-                        </p:par>
-                      </p:childTnLst>
-                    </p:cTn>
-                  </p:par>
-                  <p:par>
-                    <p:cTn id="8" fill="hold">
-                      <p:stCondLst>
-                        <p:cond delay="indefinite"/>
-                      </p:stCondLst>
-                      <p:childTnLst>
-                        <p:par>
-                          <p:cTn id="9" fill="hold">
-                            <p:stCondLst>
-                              <p:cond delay="0"/>
-                            </p:stCondLst>
-                            <p:childTnLst>
-                              <p:par>
-                                <p:cTn id="10" presetID="12" presetClass="exit" presetSubtype="4" fill="hold" nodeType="clickEffect">
+                                <p:cTn id="5" presetID="12" presetClass="exit" presetSubtype="4" fill="hold" nodeType="clickEffect">
                                   <p:stCondLst>
                                     <p:cond delay="0"/>
                                   </p:stCondLst>
                                   <p:childTnLst>
                                     <p:animEffect transition="out" filter="slide(fromBottom)">
                                       <p:cBhvr>
-                                        <p:cTn id="11" dur="500"/>
+                                        <p:cTn id="6" dur="500"/>
                                         <p:tgtEl>
-                                          <p:spTgt spid="16388"/>
+                                          <p:spTgt spid="4100"/>
                                         </p:tgtEl>
                                       </p:cBhvr>
                                     </p:animEffect>
                                     <p:set>
                                       <p:cBhvr>
-                                        <p:cTn id="12" dur="1" fill="hold">
+                                        <p:cTn id="7" dur="1" fill="hold">
                                           <p:stCondLst>
                                             <p:cond delay="499"/>
                                           </p:stCondLst>
                                         </p:cTn>
                                         <p:tgtEl>
-                                          <p:spTgt spid="16388"/>
+                                          <p:spTgt spid="4100"/>
                                         </p:tgtEl>
                                         <p:attrNameLst>
                                           <p:attrName>style.visibility</p:attrName>
@@ -6220,20 +7540,20 @@
                                 </p:cTn>
                               </p:par>
                               <p:par>
-                                <p:cTn id="13" presetID="12" presetClass="entr" presetSubtype="4" fill="hold" nodeType="withEffect">
+                                <p:cTn id="8" presetID="12" presetClass="entr" presetSubtype="4" fill="hold" nodeType="withEffect">
                                   <p:stCondLst>
                                     <p:cond delay="0"/>
                                   </p:stCondLst>
                                   <p:childTnLst>
                                     <p:set>
                                       <p:cBhvr>
-                                        <p:cTn id="14" dur="1" fill="hold">
+                                        <p:cTn id="9" dur="1" fill="hold">
                                           <p:stCondLst>
                                             <p:cond delay="0"/>
                                           </p:stCondLst>
                                         </p:cTn>
                                         <p:tgtEl>
-                                          <p:spTgt spid="16390"/>
+                                          <p:spTgt spid="4099"/>
                                         </p:tgtEl>
                                         <p:attrNameLst>
                                           <p:attrName>style.visibility</p:attrName>
@@ -6245,9 +7565,9 @@
                                     </p:set>
                                     <p:animEffect transition="in" filter="slide(fromBottom)">
                                       <p:cBhvr>
-                                        <p:cTn id="15" dur="500"/>
+                                        <p:cTn id="10" dur="500"/>
                                         <p:tgtEl>
-                                          <p:spTgt spid="16390"/>
+                                          <p:spTgt spid="4099"/>
                                         </p:tgtEl>
                                       </p:cBhvr>
                                     </p:animEffect>
@@ -6323,42 +7643,39 @@
           <a:lstStyle/>
           <a:p>
             <a:r>
-              <a:rPr lang="en-GB" dirty="0" err="1" smtClean="0"/>
-              <a:t>Dijagram</a:t>
-            </a:r>
-            <a:r>
               <a:rPr lang="en-GB" dirty="0" smtClean="0"/>
-              <a:t> </a:t>
-            </a:r>
-            <a:r>
-              <a:rPr lang="en-GB" dirty="0" err="1" smtClean="0"/>
-              <a:t>aktivnosti</a:t>
-            </a:r>
-            <a:r>
-              <a:rPr lang="en-GB" dirty="0" smtClean="0"/>
-              <a:t> (</a:t>
-            </a:r>
-            <a:r>
-              <a:rPr lang="en-GB" dirty="0" err="1" smtClean="0"/>
-              <a:t>servis</a:t>
-            </a:r>
-            <a:r>
-              <a:rPr lang="en-GB" dirty="0" smtClean="0"/>
-              <a:t>)</a:t>
+              <a:t>Dijagram aktivnosti (servis)</a:t>
             </a:r>
             <a:endParaRPr lang="bs-Latn-BA" dirty="0"/>
+          </a:p>
+        </p:txBody>
+      </p:sp>
+      <p:sp>
+        <p:nvSpPr>
+          <p:cNvPr id="4" name="Content Placeholder 3"/>
+          <p:cNvSpPr>
+            <a:spLocks noGrp="1"/>
+          </p:cNvSpPr>
+          <p:nvPr>
+            <p:ph idx="1"/>
+          </p:nvPr>
+        </p:nvSpPr>
+        <p:spPr/>
+        <p:txBody>
+          <a:bodyPr/>
+          <a:lstStyle/>
+          <a:p>
+            <a:endParaRPr lang="bs-Latn-BA"/>
           </a:p>
         </p:txBody>
       </p:sp>
       <p:pic>
         <p:nvPicPr>
-          <p:cNvPr id="21507" name="Picture 3" descr="D:\HeritageDev\OpisProjekta\ActivityDiagram\Dijagram aktivnosti - servis.jpg"/>
+          <p:cNvPr id="3074" name="Picture 2" descr="C:\Users\Salem\Desktop\cPD61y6.png"/>
           <p:cNvPicPr>
-            <a:picLocks noGrp="1" noChangeAspect="1" noChangeArrowheads="1"/>
+            <a:picLocks noChangeAspect="1" noChangeArrowheads="1"/>
           </p:cNvPicPr>
-          <p:nvPr>
-            <p:ph idx="1"/>
-          </p:nvPr>
+          <p:nvPr/>
         </p:nvPicPr>
         <p:blipFill>
           <a:blip r:embed="rId2"/>
@@ -6369,7 +7686,7 @@
         </p:blipFill>
         <p:spPr bwMode="auto">
           <a:xfrm>
-            <a:off x="0" y="1295400"/>
+            <a:off x="1" y="1295400"/>
             <a:ext cx="9144000" cy="5334000"/>
           </a:xfrm>
           <a:prstGeom prst="rect">
